--- a/Slides/12_11_23.pptx
+++ b/Slides/12_11_23.pptx
@@ -5,74 +5,75 @@
     <p:sldMasterId id="2147483807" r:id="rId1"/>
   </p:sldMasterIdLst>
   <p:notesMasterIdLst>
-    <p:notesMasterId r:id="rId45"/>
+    <p:notesMasterId r:id="rId46"/>
   </p:notesMasterIdLst>
   <p:sldIdLst>
     <p:sldId id="256" r:id="rId2"/>
     <p:sldId id="381" r:id="rId3"/>
-    <p:sldId id="563" r:id="rId4"/>
-    <p:sldId id="554" r:id="rId5"/>
-    <p:sldId id="274" r:id="rId6"/>
-    <p:sldId id="273" r:id="rId7"/>
-    <p:sldId id="515" r:id="rId8"/>
-    <p:sldId id="362" r:id="rId9"/>
-    <p:sldId id="516" r:id="rId10"/>
-    <p:sldId id="492" r:id="rId11"/>
-    <p:sldId id="493" r:id="rId12"/>
-    <p:sldId id="517" r:id="rId13"/>
-    <p:sldId id="518" r:id="rId14"/>
-    <p:sldId id="519" r:id="rId15"/>
-    <p:sldId id="520" r:id="rId16"/>
-    <p:sldId id="521" r:id="rId17"/>
-    <p:sldId id="261" r:id="rId18"/>
-    <p:sldId id="259" r:id="rId19"/>
-    <p:sldId id="488" r:id="rId20"/>
-    <p:sldId id="428" r:id="rId21"/>
-    <p:sldId id="357" r:id="rId22"/>
-    <p:sldId id="489" r:id="rId23"/>
-    <p:sldId id="490" r:id="rId24"/>
-    <p:sldId id="359" r:id="rId25"/>
-    <p:sldId id="474" r:id="rId26"/>
-    <p:sldId id="491" r:id="rId27"/>
-    <p:sldId id="590" r:id="rId28"/>
-    <p:sldId id="591" r:id="rId29"/>
-    <p:sldId id="592" r:id="rId30"/>
-    <p:sldId id="593" r:id="rId31"/>
-    <p:sldId id="594" r:id="rId32"/>
-    <p:sldId id="595" r:id="rId33"/>
-    <p:sldId id="512" r:id="rId34"/>
-    <p:sldId id="596" r:id="rId35"/>
-    <p:sldId id="597" r:id="rId36"/>
-    <p:sldId id="598" r:id="rId37"/>
-    <p:sldId id="276" r:id="rId38"/>
-    <p:sldId id="266" r:id="rId39"/>
-    <p:sldId id="561" r:id="rId40"/>
-    <p:sldId id="559" r:id="rId41"/>
-    <p:sldId id="589" r:id="rId42"/>
-    <p:sldId id="269" r:id="rId43"/>
-    <p:sldId id="275" r:id="rId44"/>
+    <p:sldId id="554" r:id="rId4"/>
+    <p:sldId id="274" r:id="rId5"/>
+    <p:sldId id="273" r:id="rId6"/>
+    <p:sldId id="515" r:id="rId7"/>
+    <p:sldId id="362" r:id="rId8"/>
+    <p:sldId id="516" r:id="rId9"/>
+    <p:sldId id="492" r:id="rId10"/>
+    <p:sldId id="493" r:id="rId11"/>
+    <p:sldId id="517" r:id="rId12"/>
+    <p:sldId id="518" r:id="rId13"/>
+    <p:sldId id="519" r:id="rId14"/>
+    <p:sldId id="520" r:id="rId15"/>
+    <p:sldId id="521" r:id="rId16"/>
+    <p:sldId id="261" r:id="rId17"/>
+    <p:sldId id="259" r:id="rId18"/>
+    <p:sldId id="488" r:id="rId19"/>
+    <p:sldId id="428" r:id="rId20"/>
+    <p:sldId id="357" r:id="rId21"/>
+    <p:sldId id="489" r:id="rId22"/>
+    <p:sldId id="490" r:id="rId23"/>
+    <p:sldId id="359" r:id="rId24"/>
+    <p:sldId id="474" r:id="rId25"/>
+    <p:sldId id="491" r:id="rId26"/>
+    <p:sldId id="599" r:id="rId27"/>
+    <p:sldId id="600" r:id="rId28"/>
+    <p:sldId id="590" r:id="rId29"/>
+    <p:sldId id="591" r:id="rId30"/>
+    <p:sldId id="592" r:id="rId31"/>
+    <p:sldId id="593" r:id="rId32"/>
+    <p:sldId id="594" r:id="rId33"/>
+    <p:sldId id="595" r:id="rId34"/>
+    <p:sldId id="512" r:id="rId35"/>
+    <p:sldId id="596" r:id="rId36"/>
+    <p:sldId id="597" r:id="rId37"/>
+    <p:sldId id="598" r:id="rId38"/>
+    <p:sldId id="276" r:id="rId39"/>
+    <p:sldId id="266" r:id="rId40"/>
+    <p:sldId id="561" r:id="rId41"/>
+    <p:sldId id="559" r:id="rId42"/>
+    <p:sldId id="589" r:id="rId43"/>
+    <p:sldId id="269" r:id="rId44"/>
+    <p:sldId id="275" r:id="rId45"/>
   </p:sldIdLst>
   <p:sldSz cx="9144000" cy="5143500" type="screen16x9"/>
   <p:notesSz cx="6858000" cy="9144000"/>
   <p:embeddedFontLst>
     <p:embeddedFont>
       <p:font typeface="Gill Sans MT" panose="020B0502020104020203" pitchFamily="34" charset="77"/>
-      <p:regular r:id="rId46"/>
-      <p:bold r:id="rId47"/>
-      <p:italic r:id="rId48"/>
-      <p:boldItalic r:id="rId49"/>
+      <p:regular r:id="rId47"/>
+      <p:bold r:id="rId48"/>
+      <p:italic r:id="rId49"/>
+      <p:boldItalic r:id="rId50"/>
     </p:embeddedFont>
     <p:embeddedFont>
       <p:font typeface="Josefin Sans" pitchFamily="2" charset="77"/>
-      <p:regular r:id="rId50"/>
-      <p:bold r:id="rId51"/>
+      <p:regular r:id="rId51"/>
+      <p:bold r:id="rId52"/>
     </p:embeddedFont>
     <p:embeddedFont>
       <p:font typeface="Open Sans" panose="020B0606030504020204" pitchFamily="34" charset="0"/>
-      <p:regular r:id="rId52"/>
-      <p:bold r:id="rId53"/>
-      <p:italic r:id="rId54"/>
-      <p:boldItalic r:id="rId55"/>
+      <p:regular r:id="rId53"/>
+      <p:bold r:id="rId54"/>
+      <p:italic r:id="rId55"/>
+      <p:boldItalic r:id="rId56"/>
     </p:embeddedFont>
   </p:embeddedFontLst>
   <p:defaultTextStyle>
@@ -10358,7 +10359,7 @@
     </p:spTree>
     <p:extLst>
       <p:ext uri="{BB962C8B-B14F-4D97-AF65-F5344CB8AC3E}">
-        <p14:creationId xmlns:p14="http://schemas.microsoft.com/office/powerpoint/2010/main" val="975971120"/>
+        <p14:creationId xmlns:p14="http://schemas.microsoft.com/office/powerpoint/2010/main" val="1447861688"/>
       </p:ext>
     </p:extLst>
   </p:cSld>
@@ -10467,7 +10468,7 @@
     </p:spTree>
     <p:extLst>
       <p:ext uri="{BB962C8B-B14F-4D97-AF65-F5344CB8AC3E}">
-        <p14:creationId xmlns:p14="http://schemas.microsoft.com/office/powerpoint/2010/main" val="1447861688"/>
+        <p14:creationId xmlns:p14="http://schemas.microsoft.com/office/powerpoint/2010/main" val="2394694123"/>
       </p:ext>
     </p:extLst>
   </p:cSld>
@@ -10576,7 +10577,7 @@
     </p:spTree>
     <p:extLst>
       <p:ext uri="{BB962C8B-B14F-4D97-AF65-F5344CB8AC3E}">
-        <p14:creationId xmlns:p14="http://schemas.microsoft.com/office/powerpoint/2010/main" val="2394694123"/>
+        <p14:creationId xmlns:p14="http://schemas.microsoft.com/office/powerpoint/2010/main" val="18808770"/>
       </p:ext>
     </p:extLst>
   </p:cSld>
@@ -10685,7 +10686,7 @@
     </p:spTree>
     <p:extLst>
       <p:ext uri="{BB962C8B-B14F-4D97-AF65-F5344CB8AC3E}">
-        <p14:creationId xmlns:p14="http://schemas.microsoft.com/office/powerpoint/2010/main" val="18808770"/>
+        <p14:creationId xmlns:p14="http://schemas.microsoft.com/office/powerpoint/2010/main" val="1813413384"/>
       </p:ext>
     </p:extLst>
   </p:cSld>
@@ -10696,115 +10697,6 @@
 </file>
 
 <file path=ppt/notesSlides/notesSlide14.xml><?xml version="1.0" encoding="utf-8"?>
-<p:notes xmlns:a="http://schemas.openxmlformats.org/drawingml/2006/main" xmlns:r="http://schemas.openxmlformats.org/officeDocument/2006/relationships" xmlns:p="http://schemas.openxmlformats.org/presentationml/2006/main" showMasterSp="0" showMasterPhAnim="0">
-  <p:cSld>
-    <p:spTree>
-      <p:nvGrpSpPr>
-        <p:cNvPr id="1" name="Shape 1235"/>
-        <p:cNvGrpSpPr/>
-        <p:nvPr/>
-      </p:nvGrpSpPr>
-      <p:grpSpPr>
-        <a:xfrm>
-          <a:off x="0" y="0"/>
-          <a:ext cx="0" cy="0"/>
-          <a:chOff x="0" y="0"/>
-          <a:chExt cx="0" cy="0"/>
-        </a:xfrm>
-      </p:grpSpPr>
-      <p:sp>
-        <p:nvSpPr>
-          <p:cNvPr id="1236" name="Google Shape;1236;g1161f6db217_0_51:notes"/>
-          <p:cNvSpPr>
-            <a:spLocks noGrp="1" noRot="1" noChangeAspect="1"/>
-          </p:cNvSpPr>
-          <p:nvPr>
-            <p:ph type="sldImg" idx="2"/>
-          </p:nvPr>
-        </p:nvSpPr>
-        <p:spPr>
-          <a:xfrm>
-            <a:off x="381000" y="685800"/>
-            <a:ext cx="6096000" cy="3429000"/>
-          </a:xfrm>
-          <a:custGeom>
-            <a:avLst/>
-            <a:gdLst/>
-            <a:ahLst/>
-            <a:cxnLst/>
-            <a:rect l="l" t="t" r="r" b="b"/>
-            <a:pathLst>
-              <a:path w="120000" h="120000" extrusionOk="0">
-                <a:moveTo>
-                  <a:pt x="0" y="0"/>
-                </a:moveTo>
-                <a:lnTo>
-                  <a:pt x="120000" y="0"/>
-                </a:lnTo>
-                <a:lnTo>
-                  <a:pt x="120000" y="120000"/>
-                </a:lnTo>
-                <a:lnTo>
-                  <a:pt x="0" y="120000"/>
-                </a:lnTo>
-                <a:close/>
-              </a:path>
-            </a:pathLst>
-          </a:custGeom>
-        </p:spPr>
-      </p:sp>
-      <p:sp>
-        <p:nvSpPr>
-          <p:cNvPr id="1237" name="Google Shape;1237;g1161f6db217_0_51:notes"/>
-          <p:cNvSpPr txBox="1">
-            <a:spLocks noGrp="1"/>
-          </p:cNvSpPr>
-          <p:nvPr>
-            <p:ph type="body" idx="1"/>
-          </p:nvPr>
-        </p:nvSpPr>
-        <p:spPr>
-          <a:xfrm>
-            <a:off x="685800" y="4343400"/>
-            <a:ext cx="5486400" cy="4114800"/>
-          </a:xfrm>
-          <a:prstGeom prst="rect">
-            <a:avLst/>
-          </a:prstGeom>
-        </p:spPr>
-        <p:txBody>
-          <a:bodyPr spcFirstLastPara="1" wrap="square" lIns="91425" tIns="91425" rIns="91425" bIns="91425" anchor="t" anchorCtr="0">
-            <a:noAutofit/>
-          </a:bodyPr>
-          <a:lstStyle/>
-          <a:p>
-            <a:pPr marL="0" lvl="0" indent="0" algn="l" rtl="0">
-              <a:spcBef>
-                <a:spcPts val="0"/>
-              </a:spcBef>
-              <a:spcAft>
-                <a:spcPts val="0"/>
-              </a:spcAft>
-              <a:buNone/>
-            </a:pPr>
-            <a:endParaRPr/>
-          </a:p>
-        </p:txBody>
-      </p:sp>
-    </p:spTree>
-    <p:extLst>
-      <p:ext uri="{BB962C8B-B14F-4D97-AF65-F5344CB8AC3E}">
-        <p14:creationId xmlns:p14="http://schemas.microsoft.com/office/powerpoint/2010/main" val="1813413384"/>
-      </p:ext>
-    </p:extLst>
-  </p:cSld>
-  <p:clrMapOvr>
-    <a:masterClrMapping/>
-  </p:clrMapOvr>
-</p:notes>
-</file>
-
-<file path=ppt/notesSlides/notesSlide15.xml><?xml version="1.0" encoding="utf-8"?>
 <p:notes xmlns:a="http://schemas.openxmlformats.org/drawingml/2006/main" xmlns:r="http://schemas.openxmlformats.org/officeDocument/2006/relationships" xmlns:p="http://schemas.openxmlformats.org/presentationml/2006/main" showMasterSp="0" showMasterPhAnim="0">
   <p:cSld>
     <p:spTree>
@@ -10865,6 +10757,110 @@
       <p:sp>
         <p:nvSpPr>
           <p:cNvPr id="1088" name="Google Shape;1088;gd1e87cec61_0_28:notes"/>
+          <p:cNvSpPr txBox="1">
+            <a:spLocks noGrp="1"/>
+          </p:cNvSpPr>
+          <p:nvPr>
+            <p:ph type="body" idx="1"/>
+          </p:nvPr>
+        </p:nvSpPr>
+        <p:spPr>
+          <a:xfrm>
+            <a:off x="685800" y="4343400"/>
+            <a:ext cx="5486400" cy="4114800"/>
+          </a:xfrm>
+          <a:prstGeom prst="rect">
+            <a:avLst/>
+          </a:prstGeom>
+        </p:spPr>
+        <p:txBody>
+          <a:bodyPr spcFirstLastPara="1" wrap="square" lIns="91425" tIns="91425" rIns="91425" bIns="91425" anchor="t" anchorCtr="0">
+            <a:noAutofit/>
+          </a:bodyPr>
+          <a:lstStyle/>
+          <a:p>
+            <a:pPr marL="0" lvl="0" indent="0" algn="l" rtl="0">
+              <a:spcBef>
+                <a:spcPts val="0"/>
+              </a:spcBef>
+              <a:spcAft>
+                <a:spcPts val="0"/>
+              </a:spcAft>
+              <a:buNone/>
+            </a:pPr>
+            <a:endParaRPr/>
+          </a:p>
+        </p:txBody>
+      </p:sp>
+    </p:spTree>
+  </p:cSld>
+  <p:clrMapOvr>
+    <a:masterClrMapping/>
+  </p:clrMapOvr>
+</p:notes>
+</file>
+
+<file path=ppt/notesSlides/notesSlide15.xml><?xml version="1.0" encoding="utf-8"?>
+<p:notes xmlns:a="http://schemas.openxmlformats.org/drawingml/2006/main" xmlns:r="http://schemas.openxmlformats.org/officeDocument/2006/relationships" xmlns:p="http://schemas.openxmlformats.org/presentationml/2006/main" showMasterSp="0" showMasterPhAnim="0">
+  <p:cSld>
+    <p:spTree>
+      <p:nvGrpSpPr>
+        <p:cNvPr id="1" name="Shape 1059"/>
+        <p:cNvGrpSpPr/>
+        <p:nvPr/>
+      </p:nvGrpSpPr>
+      <p:grpSpPr>
+        <a:xfrm>
+          <a:off x="0" y="0"/>
+          <a:ext cx="0" cy="0"/>
+          <a:chOff x="0" y="0"/>
+          <a:chExt cx="0" cy="0"/>
+        </a:xfrm>
+      </p:grpSpPr>
+      <p:sp>
+        <p:nvSpPr>
+          <p:cNvPr id="1060" name="Google Shape;1060;g1161f6db217_0_321:notes"/>
+          <p:cNvSpPr>
+            <a:spLocks noGrp="1" noRot="1" noChangeAspect="1"/>
+          </p:cNvSpPr>
+          <p:nvPr>
+            <p:ph type="sldImg" idx="2"/>
+          </p:nvPr>
+        </p:nvSpPr>
+        <p:spPr>
+          <a:xfrm>
+            <a:off x="381000" y="685800"/>
+            <a:ext cx="6096000" cy="3429000"/>
+          </a:xfrm>
+          <a:custGeom>
+            <a:avLst/>
+            <a:gdLst/>
+            <a:ahLst/>
+            <a:cxnLst/>
+            <a:rect l="l" t="t" r="r" b="b"/>
+            <a:pathLst>
+              <a:path w="120000" h="120000" extrusionOk="0">
+                <a:moveTo>
+                  <a:pt x="0" y="0"/>
+                </a:moveTo>
+                <a:lnTo>
+                  <a:pt x="120000" y="0"/>
+                </a:lnTo>
+                <a:lnTo>
+                  <a:pt x="120000" y="120000"/>
+                </a:lnTo>
+                <a:lnTo>
+                  <a:pt x="0" y="120000"/>
+                </a:lnTo>
+                <a:close/>
+              </a:path>
+            </a:pathLst>
+          </a:custGeom>
+        </p:spPr>
+      </p:sp>
+      <p:sp>
+        <p:nvSpPr>
+          <p:cNvPr id="1061" name="Google Shape;1061;g1161f6db217_0_321:notes"/>
           <p:cNvSpPr txBox="1">
             <a:spLocks noGrp="1"/>
           </p:cNvSpPr>
@@ -11005,6 +11001,11 @@
         </p:txBody>
       </p:sp>
     </p:spTree>
+    <p:extLst>
+      <p:ext uri="{BB962C8B-B14F-4D97-AF65-F5344CB8AC3E}">
+        <p14:creationId xmlns:p14="http://schemas.microsoft.com/office/powerpoint/2010/main" val="229300748"/>
+      </p:ext>
+    </p:extLst>
   </p:cSld>
   <p:clrMapOvr>
     <a:masterClrMapping/>
@@ -11111,7 +11112,7 @@
     </p:spTree>
     <p:extLst>
       <p:ext uri="{BB962C8B-B14F-4D97-AF65-F5344CB8AC3E}">
-        <p14:creationId xmlns:p14="http://schemas.microsoft.com/office/powerpoint/2010/main" val="229300748"/>
+        <p14:creationId xmlns:p14="http://schemas.microsoft.com/office/powerpoint/2010/main" val="1143676810"/>
       </p:ext>
     </p:extLst>
   </p:cSld>
@@ -11220,7 +11221,7 @@
     </p:spTree>
     <p:extLst>
       <p:ext uri="{BB962C8B-B14F-4D97-AF65-F5344CB8AC3E}">
-        <p14:creationId xmlns:p14="http://schemas.microsoft.com/office/powerpoint/2010/main" val="1143676810"/>
+        <p14:creationId xmlns:p14="http://schemas.microsoft.com/office/powerpoint/2010/main" val="2430232485"/>
       </p:ext>
     </p:extLst>
   </p:cSld>
@@ -11329,7 +11330,7 @@
     </p:spTree>
     <p:extLst>
       <p:ext uri="{BB962C8B-B14F-4D97-AF65-F5344CB8AC3E}">
-        <p14:creationId xmlns:p14="http://schemas.microsoft.com/office/powerpoint/2010/main" val="2430232485"/>
+        <p14:creationId xmlns:p14="http://schemas.microsoft.com/office/powerpoint/2010/main" val="1424491293"/>
       </p:ext>
     </p:extLst>
   </p:cSld>
@@ -11344,7 +11345,7 @@
   <p:cSld>
     <p:spTree>
       <p:nvGrpSpPr>
-        <p:cNvPr id="1" name="Shape 1145"/>
+        <p:cNvPr id="1" name="Shape 1267"/>
         <p:cNvGrpSpPr/>
         <p:nvPr/>
       </p:nvGrpSpPr>
@@ -11358,7 +11359,7 @@
       </p:grpSpPr>
       <p:sp>
         <p:nvSpPr>
-          <p:cNvPr id="1146" name="Google Shape;1146;gab8d1ca927_3_48:notes"/>
+          <p:cNvPr id="1268" name="Google Shape;1268;gab8d1ca927_3_119:notes"/>
           <p:cNvSpPr>
             <a:spLocks noGrp="1" noRot="1" noChangeAspect="1"/>
           </p:cNvSpPr>
@@ -11399,7 +11400,7 @@
       </p:sp>
       <p:sp>
         <p:nvSpPr>
-          <p:cNvPr id="1147" name="Google Shape;1147;gab8d1ca927_3_48:notes"/>
+          <p:cNvPr id="1269" name="Google Shape;1269;gab8d1ca927_3_119:notes"/>
           <p:cNvSpPr txBox="1">
             <a:spLocks noGrp="1"/>
           </p:cNvSpPr>
@@ -11436,11 +11437,6 @@
         </p:txBody>
       </p:sp>
     </p:spTree>
-    <p:extLst>
-      <p:ext uri="{BB962C8B-B14F-4D97-AF65-F5344CB8AC3E}">
-        <p14:creationId xmlns:p14="http://schemas.microsoft.com/office/powerpoint/2010/main" val="3274968949"/>
-      </p:ext>
-    </p:extLst>
   </p:cSld>
   <p:clrMapOvr>
     <a:masterClrMapping/>
@@ -11547,7 +11543,7 @@
     </p:spTree>
     <p:extLst>
       <p:ext uri="{BB962C8B-B14F-4D97-AF65-F5344CB8AC3E}">
-        <p14:creationId xmlns:p14="http://schemas.microsoft.com/office/powerpoint/2010/main" val="1424491293"/>
+        <p14:creationId xmlns:p14="http://schemas.microsoft.com/office/powerpoint/2010/main" val="1763623548"/>
       </p:ext>
     </p:extLst>
   </p:cSld>
@@ -11656,7 +11652,7 @@
     </p:spTree>
     <p:extLst>
       <p:ext uri="{BB962C8B-B14F-4D97-AF65-F5344CB8AC3E}">
-        <p14:creationId xmlns:p14="http://schemas.microsoft.com/office/powerpoint/2010/main" val="1763623548"/>
+        <p14:creationId xmlns:p14="http://schemas.microsoft.com/office/powerpoint/2010/main" val="665822329"/>
       </p:ext>
     </p:extLst>
   </p:cSld>
@@ -11765,7 +11761,7 @@
     </p:spTree>
     <p:extLst>
       <p:ext uri="{BB962C8B-B14F-4D97-AF65-F5344CB8AC3E}">
-        <p14:creationId xmlns:p14="http://schemas.microsoft.com/office/powerpoint/2010/main" val="665822329"/>
+        <p14:creationId xmlns:p14="http://schemas.microsoft.com/office/powerpoint/2010/main" val="2297674417"/>
       </p:ext>
     </p:extLst>
   </p:cSld>
@@ -11874,7 +11870,7 @@
     </p:spTree>
     <p:extLst>
       <p:ext uri="{BB962C8B-B14F-4D97-AF65-F5344CB8AC3E}">
-        <p14:creationId xmlns:p14="http://schemas.microsoft.com/office/powerpoint/2010/main" val="2297674417"/>
+        <p14:creationId xmlns:p14="http://schemas.microsoft.com/office/powerpoint/2010/main" val="1474997441"/>
       </p:ext>
     </p:extLst>
   </p:cSld>
@@ -11983,7 +11979,7 @@
     </p:spTree>
     <p:extLst>
       <p:ext uri="{BB962C8B-B14F-4D97-AF65-F5344CB8AC3E}">
-        <p14:creationId xmlns:p14="http://schemas.microsoft.com/office/powerpoint/2010/main" val="1474997441"/>
+        <p14:creationId xmlns:p14="http://schemas.microsoft.com/office/powerpoint/2010/main" val="2037037285"/>
       </p:ext>
     </p:extLst>
   </p:cSld>
@@ -11994,6 +11990,115 @@
 </file>
 
 <file path=ppt/notesSlides/notesSlide25.xml><?xml version="1.0" encoding="utf-8"?>
+<p:notes xmlns:a="http://schemas.openxmlformats.org/drawingml/2006/main" xmlns:r="http://schemas.openxmlformats.org/officeDocument/2006/relationships" xmlns:p="http://schemas.openxmlformats.org/presentationml/2006/main" showMasterSp="0" showMasterPhAnim="0">
+  <p:cSld>
+    <p:spTree>
+      <p:nvGrpSpPr>
+        <p:cNvPr id="1" name="Shape 1059"/>
+        <p:cNvGrpSpPr/>
+        <p:nvPr/>
+      </p:nvGrpSpPr>
+      <p:grpSpPr>
+        <a:xfrm>
+          <a:off x="0" y="0"/>
+          <a:ext cx="0" cy="0"/>
+          <a:chOff x="0" y="0"/>
+          <a:chExt cx="0" cy="0"/>
+        </a:xfrm>
+      </p:grpSpPr>
+      <p:sp>
+        <p:nvSpPr>
+          <p:cNvPr id="1060" name="Google Shape;1060;g1161f6db217_0_321:notes"/>
+          <p:cNvSpPr>
+            <a:spLocks noGrp="1" noRot="1" noChangeAspect="1"/>
+          </p:cNvSpPr>
+          <p:nvPr>
+            <p:ph type="sldImg" idx="2"/>
+          </p:nvPr>
+        </p:nvSpPr>
+        <p:spPr>
+          <a:xfrm>
+            <a:off x="381000" y="685800"/>
+            <a:ext cx="6096000" cy="3429000"/>
+          </a:xfrm>
+          <a:custGeom>
+            <a:avLst/>
+            <a:gdLst/>
+            <a:ahLst/>
+            <a:cxnLst/>
+            <a:rect l="l" t="t" r="r" b="b"/>
+            <a:pathLst>
+              <a:path w="120000" h="120000" extrusionOk="0">
+                <a:moveTo>
+                  <a:pt x="0" y="0"/>
+                </a:moveTo>
+                <a:lnTo>
+                  <a:pt x="120000" y="0"/>
+                </a:lnTo>
+                <a:lnTo>
+                  <a:pt x="120000" y="120000"/>
+                </a:lnTo>
+                <a:lnTo>
+                  <a:pt x="0" y="120000"/>
+                </a:lnTo>
+                <a:close/>
+              </a:path>
+            </a:pathLst>
+          </a:custGeom>
+        </p:spPr>
+      </p:sp>
+      <p:sp>
+        <p:nvSpPr>
+          <p:cNvPr id="1061" name="Google Shape;1061;g1161f6db217_0_321:notes"/>
+          <p:cNvSpPr txBox="1">
+            <a:spLocks noGrp="1"/>
+          </p:cNvSpPr>
+          <p:nvPr>
+            <p:ph type="body" idx="1"/>
+          </p:nvPr>
+        </p:nvSpPr>
+        <p:spPr>
+          <a:xfrm>
+            <a:off x="685800" y="4343400"/>
+            <a:ext cx="5486400" cy="4114800"/>
+          </a:xfrm>
+          <a:prstGeom prst="rect">
+            <a:avLst/>
+          </a:prstGeom>
+        </p:spPr>
+        <p:txBody>
+          <a:bodyPr spcFirstLastPara="1" wrap="square" lIns="91425" tIns="91425" rIns="91425" bIns="91425" anchor="t" anchorCtr="0">
+            <a:noAutofit/>
+          </a:bodyPr>
+          <a:lstStyle/>
+          <a:p>
+            <a:pPr marL="0" lvl="0" indent="0" algn="l" rtl="0">
+              <a:spcBef>
+                <a:spcPts val="0"/>
+              </a:spcBef>
+              <a:spcAft>
+                <a:spcPts val="0"/>
+              </a:spcAft>
+              <a:buNone/>
+            </a:pPr>
+            <a:endParaRPr/>
+          </a:p>
+        </p:txBody>
+      </p:sp>
+    </p:spTree>
+    <p:extLst>
+      <p:ext uri="{BB962C8B-B14F-4D97-AF65-F5344CB8AC3E}">
+        <p14:creationId xmlns:p14="http://schemas.microsoft.com/office/powerpoint/2010/main" val="4292697323"/>
+      </p:ext>
+    </p:extLst>
+  </p:cSld>
+  <p:clrMapOvr>
+    <a:masterClrMapping/>
+  </p:clrMapOvr>
+</p:notes>
+</file>
+
+<file path=ppt/notesSlides/notesSlide26.xml><?xml version="1.0" encoding="utf-8"?>
 <p:notes xmlns:a="http://schemas.openxmlformats.org/drawingml/2006/main" xmlns:r="http://schemas.openxmlformats.org/officeDocument/2006/relationships" xmlns:p="http://schemas.openxmlformats.org/presentationml/2006/main" showMasterSp="0" showMasterPhAnim="0">
   <p:cSld>
     <p:spTree>
@@ -12054,110 +12159,6 @@
       <p:sp>
         <p:nvSpPr>
           <p:cNvPr id="1269" name="Google Shape;1269;gab8d1ca927_3_119:notes"/>
-          <p:cNvSpPr txBox="1">
-            <a:spLocks noGrp="1"/>
-          </p:cNvSpPr>
-          <p:nvPr>
-            <p:ph type="body" idx="1"/>
-          </p:nvPr>
-        </p:nvSpPr>
-        <p:spPr>
-          <a:xfrm>
-            <a:off x="685800" y="4343400"/>
-            <a:ext cx="5486400" cy="4114800"/>
-          </a:xfrm>
-          <a:prstGeom prst="rect">
-            <a:avLst/>
-          </a:prstGeom>
-        </p:spPr>
-        <p:txBody>
-          <a:bodyPr spcFirstLastPara="1" wrap="square" lIns="91425" tIns="91425" rIns="91425" bIns="91425" anchor="t" anchorCtr="0">
-            <a:noAutofit/>
-          </a:bodyPr>
-          <a:lstStyle/>
-          <a:p>
-            <a:pPr marL="0" lvl="0" indent="0" algn="l" rtl="0">
-              <a:spcBef>
-                <a:spcPts val="0"/>
-              </a:spcBef>
-              <a:spcAft>
-                <a:spcPts val="0"/>
-              </a:spcAft>
-              <a:buNone/>
-            </a:pPr>
-            <a:endParaRPr/>
-          </a:p>
-        </p:txBody>
-      </p:sp>
-    </p:spTree>
-  </p:cSld>
-  <p:clrMapOvr>
-    <a:masterClrMapping/>
-  </p:clrMapOvr>
-</p:notes>
-</file>
-
-<file path=ppt/notesSlides/notesSlide26.xml><?xml version="1.0" encoding="utf-8"?>
-<p:notes xmlns:a="http://schemas.openxmlformats.org/drawingml/2006/main" xmlns:r="http://schemas.openxmlformats.org/officeDocument/2006/relationships" xmlns:p="http://schemas.openxmlformats.org/presentationml/2006/main" showMasterSp="0" showMasterPhAnim="0">
-  <p:cSld>
-    <p:spTree>
-      <p:nvGrpSpPr>
-        <p:cNvPr id="1" name="Shape 1235"/>
-        <p:cNvGrpSpPr/>
-        <p:nvPr/>
-      </p:nvGrpSpPr>
-      <p:grpSpPr>
-        <a:xfrm>
-          <a:off x="0" y="0"/>
-          <a:ext cx="0" cy="0"/>
-          <a:chOff x="0" y="0"/>
-          <a:chExt cx="0" cy="0"/>
-        </a:xfrm>
-      </p:grpSpPr>
-      <p:sp>
-        <p:nvSpPr>
-          <p:cNvPr id="1236" name="Google Shape;1236;g1161f6db217_0_51:notes"/>
-          <p:cNvSpPr>
-            <a:spLocks noGrp="1" noRot="1" noChangeAspect="1"/>
-          </p:cNvSpPr>
-          <p:nvPr>
-            <p:ph type="sldImg" idx="2"/>
-          </p:nvPr>
-        </p:nvSpPr>
-        <p:spPr>
-          <a:xfrm>
-            <a:off x="381000" y="685800"/>
-            <a:ext cx="6096000" cy="3429000"/>
-          </a:xfrm>
-          <a:custGeom>
-            <a:avLst/>
-            <a:gdLst/>
-            <a:ahLst/>
-            <a:cxnLst/>
-            <a:rect l="l" t="t" r="r" b="b"/>
-            <a:pathLst>
-              <a:path w="120000" h="120000" extrusionOk="0">
-                <a:moveTo>
-                  <a:pt x="0" y="0"/>
-                </a:moveTo>
-                <a:lnTo>
-                  <a:pt x="120000" y="0"/>
-                </a:lnTo>
-                <a:lnTo>
-                  <a:pt x="120000" y="120000"/>
-                </a:lnTo>
-                <a:lnTo>
-                  <a:pt x="0" y="120000"/>
-                </a:lnTo>
-                <a:close/>
-              </a:path>
-            </a:pathLst>
-          </a:custGeom>
-        </p:spPr>
-      </p:sp>
-      <p:sp>
-        <p:nvSpPr>
-          <p:cNvPr id="1237" name="Google Shape;1237;g1161f6db217_0_51:notes"/>
           <p:cNvSpPr txBox="1">
             <a:spLocks noGrp="1"/>
           </p:cNvSpPr>
@@ -12298,11 +12299,6 @@
         </p:txBody>
       </p:sp>
     </p:spTree>
-    <p:extLst>
-      <p:ext uri="{BB962C8B-B14F-4D97-AF65-F5344CB8AC3E}">
-        <p14:creationId xmlns:p14="http://schemas.microsoft.com/office/powerpoint/2010/main" val="3282853906"/>
-      </p:ext>
-    </p:extLst>
   </p:cSld>
   <p:clrMapOvr>
     <a:masterClrMapping/>
@@ -12409,7 +12405,7 @@
     </p:spTree>
     <p:extLst>
       <p:ext uri="{BB962C8B-B14F-4D97-AF65-F5344CB8AC3E}">
-        <p14:creationId xmlns:p14="http://schemas.microsoft.com/office/powerpoint/2010/main" val="3404455109"/>
+        <p14:creationId xmlns:p14="http://schemas.microsoft.com/office/powerpoint/2010/main" val="3282853906"/>
       </p:ext>
     </p:extLst>
   </p:cSld>
@@ -12518,7 +12514,7 @@
     </p:spTree>
     <p:extLst>
       <p:ext uri="{BB962C8B-B14F-4D97-AF65-F5344CB8AC3E}">
-        <p14:creationId xmlns:p14="http://schemas.microsoft.com/office/powerpoint/2010/main" val="1666999655"/>
+        <p14:creationId xmlns:p14="http://schemas.microsoft.com/office/powerpoint/2010/main" val="3404455109"/>
       </p:ext>
     </p:extLst>
   </p:cSld>
@@ -12533,7 +12529,7 @@
   <p:cSld>
     <p:spTree>
       <p:nvGrpSpPr>
-        <p:cNvPr id="1" name="Shape 1267"/>
+        <p:cNvPr id="1" name="Shape 1235"/>
         <p:cNvGrpSpPr/>
         <p:nvPr/>
       </p:nvGrpSpPr>
@@ -12547,7 +12543,7 @@
       </p:grpSpPr>
       <p:sp>
         <p:nvSpPr>
-          <p:cNvPr id="1268" name="Google Shape;1268;gab8d1ca927_3_119:notes"/>
+          <p:cNvPr id="1236" name="Google Shape;1236;g1161f6db217_0_51:notes"/>
           <p:cNvSpPr>
             <a:spLocks noGrp="1" noRot="1" noChangeAspect="1"/>
           </p:cNvSpPr>
@@ -12588,7 +12584,7 @@
       </p:sp>
       <p:sp>
         <p:nvSpPr>
-          <p:cNvPr id="1269" name="Google Shape;1269;gab8d1ca927_3_119:notes"/>
+          <p:cNvPr id="1237" name="Google Shape;1237;g1161f6db217_0_51:notes"/>
           <p:cNvSpPr txBox="1">
             <a:spLocks noGrp="1"/>
           </p:cNvSpPr>
@@ -12731,7 +12727,7 @@
     </p:spTree>
     <p:extLst>
       <p:ext uri="{BB962C8B-B14F-4D97-AF65-F5344CB8AC3E}">
-        <p14:creationId xmlns:p14="http://schemas.microsoft.com/office/powerpoint/2010/main" val="2974854458"/>
+        <p14:creationId xmlns:p14="http://schemas.microsoft.com/office/powerpoint/2010/main" val="1666999655"/>
       </p:ext>
     </p:extLst>
   </p:cSld>
@@ -12840,7 +12836,7 @@
     </p:spTree>
     <p:extLst>
       <p:ext uri="{BB962C8B-B14F-4D97-AF65-F5344CB8AC3E}">
-        <p14:creationId xmlns:p14="http://schemas.microsoft.com/office/powerpoint/2010/main" val="326176868"/>
+        <p14:creationId xmlns:p14="http://schemas.microsoft.com/office/powerpoint/2010/main" val="2974854458"/>
       </p:ext>
     </p:extLst>
   </p:cSld>
@@ -12949,7 +12945,7 @@
     </p:spTree>
     <p:extLst>
       <p:ext uri="{BB962C8B-B14F-4D97-AF65-F5344CB8AC3E}">
-        <p14:creationId xmlns:p14="http://schemas.microsoft.com/office/powerpoint/2010/main" val="3602914153"/>
+        <p14:creationId xmlns:p14="http://schemas.microsoft.com/office/powerpoint/2010/main" val="326176868"/>
       </p:ext>
     </p:extLst>
   </p:cSld>
@@ -13058,7 +13054,7 @@
     </p:spTree>
     <p:extLst>
       <p:ext uri="{BB962C8B-B14F-4D97-AF65-F5344CB8AC3E}">
-        <p14:creationId xmlns:p14="http://schemas.microsoft.com/office/powerpoint/2010/main" val="3965543739"/>
+        <p14:creationId xmlns:p14="http://schemas.microsoft.com/office/powerpoint/2010/main" val="3602914153"/>
       </p:ext>
     </p:extLst>
   </p:cSld>
@@ -13167,6 +13163,115 @@
     </p:spTree>
     <p:extLst>
       <p:ext uri="{BB962C8B-B14F-4D97-AF65-F5344CB8AC3E}">
+        <p14:creationId xmlns:p14="http://schemas.microsoft.com/office/powerpoint/2010/main" val="3965543739"/>
+      </p:ext>
+    </p:extLst>
+  </p:cSld>
+  <p:clrMapOvr>
+    <a:masterClrMapping/>
+  </p:clrMapOvr>
+</p:notes>
+</file>
+
+<file path=ppt/notesSlides/notesSlide35.xml><?xml version="1.0" encoding="utf-8"?>
+<p:notes xmlns:a="http://schemas.openxmlformats.org/drawingml/2006/main" xmlns:r="http://schemas.openxmlformats.org/officeDocument/2006/relationships" xmlns:p="http://schemas.openxmlformats.org/presentationml/2006/main" showMasterSp="0" showMasterPhAnim="0">
+  <p:cSld>
+    <p:spTree>
+      <p:nvGrpSpPr>
+        <p:cNvPr id="1" name="Shape 1235"/>
+        <p:cNvGrpSpPr/>
+        <p:nvPr/>
+      </p:nvGrpSpPr>
+      <p:grpSpPr>
+        <a:xfrm>
+          <a:off x="0" y="0"/>
+          <a:ext cx="0" cy="0"/>
+          <a:chOff x="0" y="0"/>
+          <a:chExt cx="0" cy="0"/>
+        </a:xfrm>
+      </p:grpSpPr>
+      <p:sp>
+        <p:nvSpPr>
+          <p:cNvPr id="1236" name="Google Shape;1236;g1161f6db217_0_51:notes"/>
+          <p:cNvSpPr>
+            <a:spLocks noGrp="1" noRot="1" noChangeAspect="1"/>
+          </p:cNvSpPr>
+          <p:nvPr>
+            <p:ph type="sldImg" idx="2"/>
+          </p:nvPr>
+        </p:nvSpPr>
+        <p:spPr>
+          <a:xfrm>
+            <a:off x="381000" y="685800"/>
+            <a:ext cx="6096000" cy="3429000"/>
+          </a:xfrm>
+          <a:custGeom>
+            <a:avLst/>
+            <a:gdLst/>
+            <a:ahLst/>
+            <a:cxnLst/>
+            <a:rect l="l" t="t" r="r" b="b"/>
+            <a:pathLst>
+              <a:path w="120000" h="120000" extrusionOk="0">
+                <a:moveTo>
+                  <a:pt x="0" y="0"/>
+                </a:moveTo>
+                <a:lnTo>
+                  <a:pt x="120000" y="0"/>
+                </a:lnTo>
+                <a:lnTo>
+                  <a:pt x="120000" y="120000"/>
+                </a:lnTo>
+                <a:lnTo>
+                  <a:pt x="0" y="120000"/>
+                </a:lnTo>
+                <a:close/>
+              </a:path>
+            </a:pathLst>
+          </a:custGeom>
+        </p:spPr>
+      </p:sp>
+      <p:sp>
+        <p:nvSpPr>
+          <p:cNvPr id="1237" name="Google Shape;1237;g1161f6db217_0_51:notes"/>
+          <p:cNvSpPr txBox="1">
+            <a:spLocks noGrp="1"/>
+          </p:cNvSpPr>
+          <p:nvPr>
+            <p:ph type="body" idx="1"/>
+          </p:nvPr>
+        </p:nvSpPr>
+        <p:spPr>
+          <a:xfrm>
+            <a:off x="685800" y="4343400"/>
+            <a:ext cx="5486400" cy="4114800"/>
+          </a:xfrm>
+          <a:prstGeom prst="rect">
+            <a:avLst/>
+          </a:prstGeom>
+        </p:spPr>
+        <p:txBody>
+          <a:bodyPr spcFirstLastPara="1" wrap="square" lIns="91425" tIns="91425" rIns="91425" bIns="91425" anchor="t" anchorCtr="0">
+            <a:noAutofit/>
+          </a:bodyPr>
+          <a:lstStyle/>
+          <a:p>
+            <a:pPr marL="0" lvl="0" indent="0" algn="l" rtl="0">
+              <a:spcBef>
+                <a:spcPts val="0"/>
+              </a:spcBef>
+              <a:spcAft>
+                <a:spcPts val="0"/>
+              </a:spcAft>
+              <a:buNone/>
+            </a:pPr>
+            <a:endParaRPr/>
+          </a:p>
+        </p:txBody>
+      </p:sp>
+    </p:spTree>
+    <p:extLst>
+      <p:ext uri="{BB962C8B-B14F-4D97-AF65-F5344CB8AC3E}">
         <p14:creationId xmlns:p14="http://schemas.microsoft.com/office/powerpoint/2010/main" val="1616156473"/>
       </p:ext>
     </p:extLst>
@@ -13177,7 +13282,7 @@
 </p:notes>
 </file>
 
-<file path=ppt/notesSlides/notesSlide35.xml><?xml version="1.0" encoding="utf-8"?>
+<file path=ppt/notesSlides/notesSlide36.xml><?xml version="1.0" encoding="utf-8"?>
 <p:notes xmlns:a="http://schemas.openxmlformats.org/drawingml/2006/main" xmlns:r="http://schemas.openxmlformats.org/officeDocument/2006/relationships" xmlns:p="http://schemas.openxmlformats.org/presentationml/2006/main" showMasterSp="0" showMasterPhAnim="0">
   <p:cSld>
     <p:spTree>
@@ -13281,7 +13386,7 @@
 </p:notes>
 </file>
 
-<file path=ppt/notesSlides/notesSlide36.xml><?xml version="1.0" encoding="utf-8"?>
+<file path=ppt/notesSlides/notesSlide37.xml><?xml version="1.0" encoding="utf-8"?>
 <p:notes xmlns:a="http://schemas.openxmlformats.org/drawingml/2006/main" xmlns:r="http://schemas.openxmlformats.org/officeDocument/2006/relationships" xmlns:p="http://schemas.openxmlformats.org/presentationml/2006/main" showMasterSp="0" showMasterPhAnim="0">
   <p:cSld>
     <p:spTree>
@@ -13385,7 +13490,7 @@
 </p:notes>
 </file>
 
-<file path=ppt/notesSlides/notesSlide37.xml><?xml version="1.0" encoding="utf-8"?>
+<file path=ppt/notesSlides/notesSlide38.xml><?xml version="1.0" encoding="utf-8"?>
 <p:notes xmlns:a="http://schemas.openxmlformats.org/drawingml/2006/main" xmlns:r="http://schemas.openxmlformats.org/officeDocument/2006/relationships" xmlns:p="http://schemas.openxmlformats.org/presentationml/2006/main" showMasterSp="0" showMasterPhAnim="0">
   <p:cSld>
     <p:spTree>
@@ -13489,7 +13594,7 @@
 </p:notes>
 </file>
 
-<file path=ppt/notesSlides/notesSlide38.xml><?xml version="1.0" encoding="utf-8"?>
+<file path=ppt/notesSlides/notesSlide39.xml><?xml version="1.0" encoding="utf-8"?>
 <p:notes xmlns:a="http://schemas.openxmlformats.org/drawingml/2006/main" xmlns:r="http://schemas.openxmlformats.org/officeDocument/2006/relationships" xmlns:p="http://schemas.openxmlformats.org/presentationml/2006/main" showMasterSp="0" showMasterPhAnim="0">
   <p:cSld>
     <p:spTree>
@@ -13690,6 +13795,11 @@
         </p:txBody>
       </p:sp>
     </p:spTree>
+    <p:extLst>
+      <p:ext uri="{BB962C8B-B14F-4D97-AF65-F5344CB8AC3E}">
+        <p14:creationId xmlns:p14="http://schemas.microsoft.com/office/powerpoint/2010/main" val="4152385875"/>
+      </p:ext>
+    </p:extLst>
   </p:cSld>
   <p:clrMapOvr>
     <a:masterClrMapping/>
@@ -13796,7 +13906,7 @@
     </p:spTree>
     <p:extLst>
       <p:ext uri="{BB962C8B-B14F-4D97-AF65-F5344CB8AC3E}">
-        <p14:creationId xmlns:p14="http://schemas.microsoft.com/office/powerpoint/2010/main" val="4152385875"/>
+        <p14:creationId xmlns:p14="http://schemas.microsoft.com/office/powerpoint/2010/main" val="3282853906"/>
       </p:ext>
     </p:extLst>
   </p:cSld>
@@ -13905,7 +14015,7 @@
     </p:spTree>
     <p:extLst>
       <p:ext uri="{BB962C8B-B14F-4D97-AF65-F5344CB8AC3E}">
-        <p14:creationId xmlns:p14="http://schemas.microsoft.com/office/powerpoint/2010/main" val="3282853906"/>
+        <p14:creationId xmlns:p14="http://schemas.microsoft.com/office/powerpoint/2010/main" val="265149674"/>
       </p:ext>
     </p:extLst>
   </p:cSld>
@@ -14014,7 +14124,7 @@
     </p:spTree>
     <p:extLst>
       <p:ext uri="{BB962C8B-B14F-4D97-AF65-F5344CB8AC3E}">
-        <p14:creationId xmlns:p14="http://schemas.microsoft.com/office/powerpoint/2010/main" val="265149674"/>
+        <p14:creationId xmlns:p14="http://schemas.microsoft.com/office/powerpoint/2010/main" val="3404455109"/>
       </p:ext>
     </p:extLst>
   </p:cSld>
@@ -14123,7 +14233,7 @@
     </p:spTree>
     <p:extLst>
       <p:ext uri="{BB962C8B-B14F-4D97-AF65-F5344CB8AC3E}">
-        <p14:creationId xmlns:p14="http://schemas.microsoft.com/office/powerpoint/2010/main" val="3404455109"/>
+        <p14:creationId xmlns:p14="http://schemas.microsoft.com/office/powerpoint/2010/main" val="1666999655"/>
       </p:ext>
     </p:extLst>
   </p:cSld>
@@ -14232,7 +14342,7 @@
     </p:spTree>
     <p:extLst>
       <p:ext uri="{BB962C8B-B14F-4D97-AF65-F5344CB8AC3E}">
-        <p14:creationId xmlns:p14="http://schemas.microsoft.com/office/powerpoint/2010/main" val="1666999655"/>
+        <p14:creationId xmlns:p14="http://schemas.microsoft.com/office/powerpoint/2010/main" val="975971120"/>
       </p:ext>
     </p:extLst>
   </p:cSld>
@@ -14405,7 +14515,7 @@
           <a:p>
             <a:fld id="{9AB3A824-1A51-4B26-AD58-A6D8E14F6C04}" type="datetimeFigureOut">
               <a:rPr lang="en-US" smtClean="0"/>
-              <a:t>11/7/23</a:t>
+              <a:t>11/11/23</a:t>
             </a:fld>
             <a:endParaRPr lang="en-US" dirty="0"/>
           </a:p>
@@ -14581,7 +14691,7 @@
           <a:p>
             <a:fld id="{D857E33E-8B18-4087-B112-809917729534}" type="datetimeFigureOut">
               <a:rPr lang="en-US" smtClean="0"/>
-              <a:t>11/7/23</a:t>
+              <a:t>11/11/23</a:t>
             </a:fld>
             <a:endParaRPr lang="en-US" dirty="0"/>
           </a:p>
@@ -14767,7 +14877,7 @@
           <a:p>
             <a:fld id="{D3FFE419-2371-464F-8239-3959401C3561}" type="datetimeFigureOut">
               <a:rPr lang="en-US" smtClean="0"/>
-              <a:t>11/7/23</a:t>
+              <a:t>11/11/23</a:t>
             </a:fld>
             <a:endParaRPr lang="en-US" dirty="0"/>
           </a:p>
@@ -20823,7 +20933,7 @@
           <a:p>
             <a:fld id="{97D162C4-EDD9-4389-A98B-B87ECEA2A816}" type="datetimeFigureOut">
               <a:rPr lang="en-US" smtClean="0"/>
-              <a:t>11/7/23</a:t>
+              <a:t>11/11/23</a:t>
             </a:fld>
             <a:endParaRPr lang="en-US" dirty="0"/>
           </a:p>
@@ -21097,7 +21207,7 @@
           <a:p>
             <a:fld id="{3E5059C3-6A89-4494-99FF-5A4D6FFD50EB}" type="datetimeFigureOut">
               <a:rPr lang="en-US" smtClean="0"/>
-              <a:t>11/7/23</a:t>
+              <a:t>11/11/23</a:t>
             </a:fld>
             <a:endParaRPr lang="en-US" dirty="0"/>
           </a:p>
@@ -21335,7 +21445,7 @@
           <a:p>
             <a:fld id="{CA954B2F-12DE-47F5-8894-472B206D2E1E}" type="datetimeFigureOut">
               <a:rPr lang="en-US" smtClean="0"/>
-              <a:t>11/7/23</a:t>
+              <a:t>11/11/23</a:t>
             </a:fld>
             <a:endParaRPr lang="en-US" dirty="0"/>
           </a:p>
@@ -21700,7 +21810,7 @@
           <a:p>
             <a:fld id="{3CBC1C18-307B-4F68-A007-B5B542270E8D}" type="datetimeFigureOut">
               <a:rPr lang="en-US" smtClean="0"/>
-              <a:t>11/7/23</a:t>
+              <a:t>11/11/23</a:t>
             </a:fld>
             <a:endParaRPr lang="en-US" dirty="0"/>
           </a:p>
@@ -21848,7 +21958,7 @@
           <a:p>
             <a:fld id="{1FAF3416-4057-4DAA-829D-4CA07428D088}" type="datetimeFigureOut">
               <a:rPr lang="en-US" smtClean="0"/>
-              <a:t>11/7/23</a:t>
+              <a:t>11/11/23</a:t>
             </a:fld>
             <a:endParaRPr lang="en-US" dirty="0"/>
           </a:p>
@@ -21949,7 +22059,7 @@
           <a:p>
             <a:fld id="{921D9284-D300-4297-87F7-E791DCC15DB1}" type="datetimeFigureOut">
               <a:rPr lang="en-US" smtClean="0"/>
-              <a:t>11/7/23</a:t>
+              <a:t>11/11/23</a:t>
             </a:fld>
             <a:endParaRPr lang="en-US" dirty="0"/>
           </a:p>
@@ -22311,7 +22421,7 @@
           <a:p>
             <a:fld id="{37D525BB-DA17-4BA0-B3C8-3AC3ABC827E6}" type="datetimeFigureOut">
               <a:rPr lang="en-US" smtClean="0"/>
-              <a:t>11/7/23</a:t>
+              <a:t>11/11/23</a:t>
             </a:fld>
             <a:endParaRPr lang="en-US" dirty="0"/>
           </a:p>
@@ -22674,7 +22784,7 @@
           <a:p>
             <a:fld id="{B16C4C9A-3960-41CF-A4E9-2A8FB932454B}" type="datetimeFigureOut">
               <a:rPr lang="en-US" smtClean="0"/>
-              <a:t>11/7/23</a:t>
+              <a:t>11/11/23</a:t>
             </a:fld>
             <a:endParaRPr lang="en-US" dirty="0"/>
           </a:p>
@@ -22922,7 +23032,7 @@
           <a:p>
             <a:fld id="{3CBC1C18-307B-4F68-A007-B5B542270E8D}" type="datetimeFigureOut">
               <a:rPr lang="en-US" smtClean="0"/>
-              <a:t>11/7/23</a:t>
+              <a:t>11/11/23</a:t>
             </a:fld>
             <a:endParaRPr lang="en-US" dirty="0"/>
           </a:p>
@@ -23570,110 +23680,6 @@
         </p:nvSpPr>
         <p:spPr>
           <a:xfrm>
-            <a:off x="92948" y="-296427"/>
-            <a:ext cx="8958106" cy="4059534"/>
-          </a:xfrm>
-          <a:prstGeom prst="rect">
-            <a:avLst/>
-          </a:prstGeom>
-          <a:noFill/>
-          <a:ln>
-            <a:noFill/>
-          </a:ln>
-        </p:spPr>
-        <p:txBody>
-          <a:bodyPr spcFirstLastPara="1" wrap="square" lIns="0" tIns="91425" rIns="0" bIns="91425" anchor="ctr" anchorCtr="0">
-            <a:noAutofit/>
-          </a:bodyPr>
-          <a:lstStyle/>
-          <a:p>
-            <a:pPr algn="ctr" defTabSz="914378">
-              <a:buClr>
-                <a:srgbClr val="000000"/>
-              </a:buClr>
-            </a:pPr>
-            <a:r>
-              <a:rPr lang="en-US" sz="2400" kern="0" dirty="0">
-                <a:latin typeface="Open Sans"/>
-                <a:ea typeface="Open Sans"/>
-                <a:cs typeface="Open Sans"/>
-                <a:sym typeface="Open Sans"/>
-              </a:rPr>
-              <a:t>Verse 2</a:t>
-            </a:r>
-          </a:p>
-          <a:p>
-            <a:pPr algn="ctr" defTabSz="914378">
-              <a:buClr>
-                <a:srgbClr val="000000"/>
-              </a:buClr>
-            </a:pPr>
-            <a:r>
-              <a:rPr lang="en-US" sz="3200" kern="0" dirty="0">
-                <a:latin typeface="Open Sans"/>
-                <a:ea typeface="Open Sans"/>
-                <a:cs typeface="Open Sans"/>
-                <a:sym typeface="Open Sans"/>
-              </a:rPr>
-              <a:t>Who brings our chaos back into order?</a:t>
-            </a:r>
-          </a:p>
-          <a:p>
-            <a:pPr algn="ctr" defTabSz="914378">
-              <a:buClr>
-                <a:srgbClr val="000000"/>
-              </a:buClr>
-            </a:pPr>
-            <a:r>
-              <a:rPr lang="en-US" sz="3200" kern="0" dirty="0">
-                <a:latin typeface="Open Sans"/>
-                <a:ea typeface="Open Sans"/>
-                <a:cs typeface="Open Sans"/>
-                <a:sym typeface="Open Sans"/>
-              </a:rPr>
-              <a:t>Who makes the orphans a son and daughter? The King of glory, the King of glory</a:t>
-            </a:r>
-          </a:p>
-        </p:txBody>
-      </p:sp>
-    </p:spTree>
-    <p:extLst>
-      <p:ext uri="{BB962C8B-B14F-4D97-AF65-F5344CB8AC3E}">
-        <p14:creationId xmlns:p14="http://schemas.microsoft.com/office/powerpoint/2010/main" val="1290394849"/>
-      </p:ext>
-    </p:extLst>
-  </p:cSld>
-  <p:clrMapOvr>
-    <a:masterClrMapping/>
-  </p:clrMapOvr>
-</p:sld>
-</file>
-
-<file path=ppt/slides/slide11.xml><?xml version="1.0" encoding="utf-8"?>
-<p:sld xmlns:a="http://schemas.openxmlformats.org/drawingml/2006/main" xmlns:r="http://schemas.openxmlformats.org/officeDocument/2006/relationships" xmlns:p="http://schemas.openxmlformats.org/presentationml/2006/main">
-  <p:cSld>
-    <p:spTree>
-      <p:nvGrpSpPr>
-        <p:cNvPr id="1" name="Shape 1238"/>
-        <p:cNvGrpSpPr/>
-        <p:nvPr/>
-      </p:nvGrpSpPr>
-      <p:grpSpPr>
-        <a:xfrm>
-          <a:off x="0" y="0"/>
-          <a:ext cx="0" cy="0"/>
-          <a:chOff x="0" y="0"/>
-          <a:chExt cx="0" cy="0"/>
-        </a:xfrm>
-      </p:grpSpPr>
-      <p:sp>
-        <p:nvSpPr>
-          <p:cNvPr id="1250" name="Google Shape;1250;p91"/>
-          <p:cNvSpPr txBox="1"/>
-          <p:nvPr/>
-        </p:nvSpPr>
-        <p:spPr>
-          <a:xfrm>
             <a:off x="455895" y="359142"/>
             <a:ext cx="8232211" cy="2974312"/>
           </a:xfrm>
@@ -23775,7 +23781,7 @@
 </p:sld>
 </file>
 
-<file path=ppt/slides/slide12.xml><?xml version="1.0" encoding="utf-8"?>
+<file path=ppt/slides/slide11.xml><?xml version="1.0" encoding="utf-8"?>
 <p:sld xmlns:a="http://schemas.openxmlformats.org/drawingml/2006/main" xmlns:r="http://schemas.openxmlformats.org/officeDocument/2006/relationships" xmlns:p="http://schemas.openxmlformats.org/presentationml/2006/main">
   <p:cSld>
     <p:spTree>
@@ -23911,6 +23917,151 @@
     <p:extLst>
       <p:ext uri="{BB962C8B-B14F-4D97-AF65-F5344CB8AC3E}">
         <p14:creationId xmlns:p14="http://schemas.microsoft.com/office/powerpoint/2010/main" val="1093279109"/>
+      </p:ext>
+    </p:extLst>
+  </p:cSld>
+  <p:clrMapOvr>
+    <a:masterClrMapping/>
+  </p:clrMapOvr>
+</p:sld>
+</file>
+
+<file path=ppt/slides/slide12.xml><?xml version="1.0" encoding="utf-8"?>
+<p:sld xmlns:a="http://schemas.openxmlformats.org/drawingml/2006/main" xmlns:r="http://schemas.openxmlformats.org/officeDocument/2006/relationships" xmlns:p="http://schemas.openxmlformats.org/presentationml/2006/main">
+  <p:cSld>
+    <p:spTree>
+      <p:nvGrpSpPr>
+        <p:cNvPr id="1" name="Shape 1238"/>
+        <p:cNvGrpSpPr/>
+        <p:nvPr/>
+      </p:nvGrpSpPr>
+      <p:grpSpPr>
+        <a:xfrm>
+          <a:off x="0" y="0"/>
+          <a:ext cx="0" cy="0"/>
+          <a:chOff x="0" y="0"/>
+          <a:chExt cx="0" cy="0"/>
+        </a:xfrm>
+      </p:grpSpPr>
+      <p:sp>
+        <p:nvSpPr>
+          <p:cNvPr id="1250" name="Google Shape;1250;p91"/>
+          <p:cNvSpPr txBox="1"/>
+          <p:nvPr/>
+        </p:nvSpPr>
+        <p:spPr>
+          <a:xfrm>
+            <a:off x="455895" y="476040"/>
+            <a:ext cx="8232211" cy="2974312"/>
+          </a:xfrm>
+          <a:prstGeom prst="rect">
+            <a:avLst/>
+          </a:prstGeom>
+          <a:noFill/>
+          <a:ln>
+            <a:noFill/>
+          </a:ln>
+        </p:spPr>
+        <p:txBody>
+          <a:bodyPr spcFirstLastPara="1" wrap="square" lIns="0" tIns="91425" rIns="0" bIns="91425" anchor="ctr" anchorCtr="0">
+            <a:noAutofit/>
+          </a:bodyPr>
+          <a:lstStyle/>
+          <a:p>
+            <a:pPr algn="ctr" defTabSz="914378">
+              <a:buClr>
+                <a:srgbClr val="000000"/>
+              </a:buClr>
+            </a:pPr>
+            <a:r>
+              <a:rPr lang="en-US" sz="2400" kern="0" dirty="0">
+                <a:latin typeface="Open Sans"/>
+                <a:ea typeface="Open Sans"/>
+                <a:cs typeface="Open Sans"/>
+                <a:sym typeface="Open Sans"/>
+              </a:rPr>
+              <a:t>Chorus</a:t>
+            </a:r>
+            <a:r>
+              <a:rPr lang="en-US" sz="3200" kern="0" dirty="0">
+                <a:latin typeface="Open Sans"/>
+                <a:ea typeface="Open Sans"/>
+                <a:cs typeface="Open Sans"/>
+                <a:sym typeface="Open Sans"/>
+              </a:rPr>
+              <a:t> </a:t>
+            </a:r>
+          </a:p>
+          <a:p>
+            <a:pPr algn="ctr" defTabSz="914378">
+              <a:buClr>
+                <a:srgbClr val="000000"/>
+              </a:buClr>
+            </a:pPr>
+            <a:r>
+              <a:rPr lang="en-US" sz="3200" kern="0" dirty="0">
+                <a:latin typeface="Open Sans"/>
+                <a:ea typeface="Open Sans"/>
+                <a:cs typeface="Open Sans"/>
+                <a:sym typeface="Open Sans"/>
+              </a:rPr>
+              <a:t>You laid down Your life</a:t>
+            </a:r>
+          </a:p>
+          <a:p>
+            <a:pPr algn="ctr" defTabSz="914378">
+              <a:buClr>
+                <a:srgbClr val="000000"/>
+              </a:buClr>
+            </a:pPr>
+            <a:r>
+              <a:rPr lang="en-US" sz="3200" kern="0" dirty="0">
+                <a:latin typeface="Open Sans"/>
+                <a:ea typeface="Open Sans"/>
+                <a:cs typeface="Open Sans"/>
+                <a:sym typeface="Open Sans"/>
+              </a:rPr>
+              <a:t>That I would be set free</a:t>
+            </a:r>
+          </a:p>
+          <a:p>
+            <a:pPr algn="ctr" defTabSz="914378">
+              <a:buClr>
+                <a:srgbClr val="000000"/>
+              </a:buClr>
+            </a:pPr>
+            <a:r>
+              <a:rPr lang="en-US" sz="3200" kern="0" dirty="0">
+                <a:latin typeface="Open Sans"/>
+                <a:ea typeface="Open Sans"/>
+                <a:cs typeface="Open Sans"/>
+                <a:sym typeface="Open Sans"/>
+              </a:rPr>
+              <a:t>Oh,</a:t>
+            </a:r>
+          </a:p>
+          <a:p>
+            <a:pPr algn="ctr" defTabSz="914378">
+              <a:buClr>
+                <a:srgbClr val="000000"/>
+              </a:buClr>
+            </a:pPr>
+            <a:r>
+              <a:rPr lang="en-US" sz="3200" kern="0" dirty="0">
+                <a:latin typeface="Open Sans"/>
+                <a:ea typeface="Open Sans"/>
+                <a:cs typeface="Open Sans"/>
+                <a:sym typeface="Open Sans"/>
+              </a:rPr>
+              <a:t>Jesus, I sing for All that You've done for me</a:t>
+            </a:r>
+          </a:p>
+        </p:txBody>
+      </p:sp>
+    </p:spTree>
+    <p:extLst>
+      <p:ext uri="{BB962C8B-B14F-4D97-AF65-F5344CB8AC3E}">
+        <p14:creationId xmlns:p14="http://schemas.microsoft.com/office/powerpoint/2010/main" val="4167860859"/>
       </p:ext>
     </p:extLst>
   </p:cSld>
@@ -23974,7 +24125,7 @@
                 <a:cs typeface="Open Sans"/>
                 <a:sym typeface="Open Sans"/>
               </a:rPr>
-              <a:t>Chorus</a:t>
+              <a:t>Bridge</a:t>
             </a:r>
             <a:r>
               <a:rPr lang="en-US" sz="3200" kern="0" dirty="0">
@@ -23999,7 +24150,7 @@
                 <a:cs typeface="Open Sans"/>
                 <a:sym typeface="Open Sans"/>
               </a:rPr>
-              <a:t>You laid down Your life</a:t>
+              <a:t>Worthy is the Lamb who was slain</a:t>
             </a:r>
           </a:p>
           <a:p>
@@ -24015,8 +24166,21 @@
                 <a:cs typeface="Open Sans"/>
                 <a:sym typeface="Open Sans"/>
               </a:rPr>
-              <a:t>That I would be set free</a:t>
+              <a:t>Worthy is the King who conquered the grave (x3)</a:t>
             </a:r>
+          </a:p>
+          <a:p>
+            <a:pPr algn="ctr" defTabSz="914378">
+              <a:buClr>
+                <a:srgbClr val="000000"/>
+              </a:buClr>
+            </a:pPr>
+            <a:endParaRPr lang="en-US" sz="3200" kern="0" dirty="0">
+              <a:latin typeface="Open Sans"/>
+              <a:ea typeface="Open Sans"/>
+              <a:cs typeface="Open Sans"/>
+              <a:sym typeface="Open Sans"/>
+            </a:endParaRPr>
           </a:p>
           <a:p>
             <a:pPr algn="ctr" defTabSz="914378">
@@ -24031,7 +24195,88 @@
                 <a:cs typeface="Open Sans"/>
                 <a:sym typeface="Open Sans"/>
               </a:rPr>
-              <a:t>Oh,</a:t>
+              <a:t>Worthy, worthy, worthy</a:t>
+            </a:r>
+          </a:p>
+        </p:txBody>
+      </p:sp>
+    </p:spTree>
+    <p:extLst>
+      <p:ext uri="{BB962C8B-B14F-4D97-AF65-F5344CB8AC3E}">
+        <p14:creationId xmlns:p14="http://schemas.microsoft.com/office/powerpoint/2010/main" val="2386962753"/>
+      </p:ext>
+    </p:extLst>
+  </p:cSld>
+  <p:clrMapOvr>
+    <a:masterClrMapping/>
+  </p:clrMapOvr>
+</p:sld>
+</file>
+
+<file path=ppt/slides/slide14.xml><?xml version="1.0" encoding="utf-8"?>
+<p:sld xmlns:a="http://schemas.openxmlformats.org/drawingml/2006/main" xmlns:r="http://schemas.openxmlformats.org/officeDocument/2006/relationships" xmlns:p="http://schemas.openxmlformats.org/presentationml/2006/main">
+  <p:cSld>
+    <p:spTree>
+      <p:nvGrpSpPr>
+        <p:cNvPr id="1" name="Shape 1238"/>
+        <p:cNvGrpSpPr/>
+        <p:nvPr/>
+      </p:nvGrpSpPr>
+      <p:grpSpPr>
+        <a:xfrm>
+          <a:off x="0" y="0"/>
+          <a:ext cx="0" cy="0"/>
+          <a:chOff x="0" y="0"/>
+          <a:chExt cx="0" cy="0"/>
+        </a:xfrm>
+      </p:grpSpPr>
+      <p:sp>
+        <p:nvSpPr>
+          <p:cNvPr id="1250" name="Google Shape;1250;p91"/>
+          <p:cNvSpPr txBox="1"/>
+          <p:nvPr/>
+        </p:nvSpPr>
+        <p:spPr>
+          <a:xfrm>
+            <a:off x="455895" y="398109"/>
+            <a:ext cx="8232211" cy="2974312"/>
+          </a:xfrm>
+          <a:prstGeom prst="rect">
+            <a:avLst/>
+          </a:prstGeom>
+          <a:noFill/>
+          <a:ln>
+            <a:noFill/>
+          </a:ln>
+        </p:spPr>
+        <p:txBody>
+          <a:bodyPr spcFirstLastPara="1" wrap="square" lIns="0" tIns="91425" rIns="0" bIns="91425" anchor="ctr" anchorCtr="0">
+            <a:noAutofit/>
+          </a:bodyPr>
+          <a:lstStyle/>
+          <a:p>
+            <a:pPr algn="ctr" defTabSz="914378">
+              <a:buClr>
+                <a:srgbClr val="000000"/>
+              </a:buClr>
+            </a:pPr>
+            <a:r>
+              <a:rPr lang="en-US" sz="2400" kern="0" dirty="0">
+                <a:latin typeface="Open Sans"/>
+                <a:ea typeface="Open Sans"/>
+                <a:cs typeface="Open Sans"/>
+                <a:sym typeface="Open Sans"/>
+              </a:rPr>
+              <a:t>Chorus</a:t>
+            </a:r>
+            <a:r>
+              <a:rPr lang="en-US" sz="3200" kern="0" dirty="0">
+                <a:latin typeface="Open Sans"/>
+                <a:ea typeface="Open Sans"/>
+                <a:cs typeface="Open Sans"/>
+                <a:sym typeface="Open Sans"/>
+              </a:rPr>
+              <a:t> </a:t>
             </a:r>
           </a:p>
           <a:p>
@@ -24047,7 +24292,55 @@
                 <a:cs typeface="Open Sans"/>
                 <a:sym typeface="Open Sans"/>
               </a:rPr>
-              <a:t>Jesus, I sing for All that You've done for me</a:t>
+              <a:t>This is amazing grace</a:t>
+            </a:r>
+          </a:p>
+          <a:p>
+            <a:pPr algn="ctr" defTabSz="914378">
+              <a:buClr>
+                <a:srgbClr val="000000"/>
+              </a:buClr>
+            </a:pPr>
+            <a:r>
+              <a:rPr lang="en-US" sz="3200" kern="0" dirty="0">
+                <a:latin typeface="Open Sans"/>
+                <a:ea typeface="Open Sans"/>
+                <a:cs typeface="Open Sans"/>
+                <a:sym typeface="Open Sans"/>
+              </a:rPr>
+              <a:t>This is unfailing love</a:t>
+            </a:r>
+          </a:p>
+          <a:p>
+            <a:pPr algn="ctr" defTabSz="914378">
+              <a:buClr>
+                <a:srgbClr val="000000"/>
+              </a:buClr>
+            </a:pPr>
+            <a:r>
+              <a:rPr lang="en-US" sz="3200" kern="0" dirty="0">
+                <a:latin typeface="Open Sans"/>
+                <a:ea typeface="Open Sans"/>
+                <a:cs typeface="Open Sans"/>
+                <a:sym typeface="Open Sans"/>
+              </a:rPr>
+              <a:t>That You would take my place</a:t>
+            </a:r>
+          </a:p>
+          <a:p>
+            <a:pPr algn="ctr" defTabSz="914378">
+              <a:buClr>
+                <a:srgbClr val="000000"/>
+              </a:buClr>
+            </a:pPr>
+            <a:r>
+              <a:rPr lang="en-US" sz="3200" kern="0" dirty="0">
+                <a:latin typeface="Open Sans"/>
+                <a:ea typeface="Open Sans"/>
+                <a:cs typeface="Open Sans"/>
+                <a:sym typeface="Open Sans"/>
+              </a:rPr>
+              <a:t>That You would bear my cross</a:t>
             </a:r>
           </a:p>
         </p:txBody>
@@ -24055,7 +24348,7 @@
     </p:spTree>
     <p:extLst>
       <p:ext uri="{BB962C8B-B14F-4D97-AF65-F5344CB8AC3E}">
-        <p14:creationId xmlns:p14="http://schemas.microsoft.com/office/powerpoint/2010/main" val="4167860859"/>
+        <p14:creationId xmlns:p14="http://schemas.microsoft.com/office/powerpoint/2010/main" val="3336903976"/>
       </p:ext>
     </p:extLst>
   </p:cSld>
@@ -24065,7 +24358,7 @@
 </p:sld>
 </file>
 
-<file path=ppt/slides/slide14.xml><?xml version="1.0" encoding="utf-8"?>
+<file path=ppt/slides/slide15.xml><?xml version="1.0" encoding="utf-8"?>
 <p:sld xmlns:a="http://schemas.openxmlformats.org/drawingml/2006/main" xmlns:r="http://schemas.openxmlformats.org/officeDocument/2006/relationships" xmlns:p="http://schemas.openxmlformats.org/presentationml/2006/main">
   <p:cSld>
     <p:spTree>
@@ -24119,293 +24412,6 @@
                 <a:cs typeface="Open Sans"/>
                 <a:sym typeface="Open Sans"/>
               </a:rPr>
-              <a:t>Bridge</a:t>
-            </a:r>
-            <a:r>
-              <a:rPr lang="en-US" sz="3200" kern="0" dirty="0">
-                <a:latin typeface="Open Sans"/>
-                <a:ea typeface="Open Sans"/>
-                <a:cs typeface="Open Sans"/>
-                <a:sym typeface="Open Sans"/>
-              </a:rPr>
-              <a:t> </a:t>
-            </a:r>
-          </a:p>
-          <a:p>
-            <a:pPr algn="ctr" defTabSz="914378">
-              <a:buClr>
-                <a:srgbClr val="000000"/>
-              </a:buClr>
-            </a:pPr>
-            <a:r>
-              <a:rPr lang="en-US" sz="3200" kern="0" dirty="0">
-                <a:latin typeface="Open Sans"/>
-                <a:ea typeface="Open Sans"/>
-                <a:cs typeface="Open Sans"/>
-                <a:sym typeface="Open Sans"/>
-              </a:rPr>
-              <a:t>Worthy is the Lamb who was slain</a:t>
-            </a:r>
-          </a:p>
-          <a:p>
-            <a:pPr algn="ctr" defTabSz="914378">
-              <a:buClr>
-                <a:srgbClr val="000000"/>
-              </a:buClr>
-            </a:pPr>
-            <a:r>
-              <a:rPr lang="en-US" sz="3200" kern="0" dirty="0">
-                <a:latin typeface="Open Sans"/>
-                <a:ea typeface="Open Sans"/>
-                <a:cs typeface="Open Sans"/>
-                <a:sym typeface="Open Sans"/>
-              </a:rPr>
-              <a:t>Worthy is the King who conquered the grave (x3)</a:t>
-            </a:r>
-          </a:p>
-          <a:p>
-            <a:pPr algn="ctr" defTabSz="914378">
-              <a:buClr>
-                <a:srgbClr val="000000"/>
-              </a:buClr>
-            </a:pPr>
-            <a:endParaRPr lang="en-US" sz="3200" kern="0" dirty="0">
-              <a:latin typeface="Open Sans"/>
-              <a:ea typeface="Open Sans"/>
-              <a:cs typeface="Open Sans"/>
-              <a:sym typeface="Open Sans"/>
-            </a:endParaRPr>
-          </a:p>
-          <a:p>
-            <a:pPr algn="ctr" defTabSz="914378">
-              <a:buClr>
-                <a:srgbClr val="000000"/>
-              </a:buClr>
-            </a:pPr>
-            <a:r>
-              <a:rPr lang="en-US" sz="3200" kern="0" dirty="0">
-                <a:latin typeface="Open Sans"/>
-                <a:ea typeface="Open Sans"/>
-                <a:cs typeface="Open Sans"/>
-                <a:sym typeface="Open Sans"/>
-              </a:rPr>
-              <a:t>Worthy, worthy, worthy</a:t>
-            </a:r>
-          </a:p>
-        </p:txBody>
-      </p:sp>
-    </p:spTree>
-    <p:extLst>
-      <p:ext uri="{BB962C8B-B14F-4D97-AF65-F5344CB8AC3E}">
-        <p14:creationId xmlns:p14="http://schemas.microsoft.com/office/powerpoint/2010/main" val="2386962753"/>
-      </p:ext>
-    </p:extLst>
-  </p:cSld>
-  <p:clrMapOvr>
-    <a:masterClrMapping/>
-  </p:clrMapOvr>
-</p:sld>
-</file>
-
-<file path=ppt/slides/slide15.xml><?xml version="1.0" encoding="utf-8"?>
-<p:sld xmlns:a="http://schemas.openxmlformats.org/drawingml/2006/main" xmlns:r="http://schemas.openxmlformats.org/officeDocument/2006/relationships" xmlns:p="http://schemas.openxmlformats.org/presentationml/2006/main">
-  <p:cSld>
-    <p:spTree>
-      <p:nvGrpSpPr>
-        <p:cNvPr id="1" name="Shape 1238"/>
-        <p:cNvGrpSpPr/>
-        <p:nvPr/>
-      </p:nvGrpSpPr>
-      <p:grpSpPr>
-        <a:xfrm>
-          <a:off x="0" y="0"/>
-          <a:ext cx="0" cy="0"/>
-          <a:chOff x="0" y="0"/>
-          <a:chExt cx="0" cy="0"/>
-        </a:xfrm>
-      </p:grpSpPr>
-      <p:sp>
-        <p:nvSpPr>
-          <p:cNvPr id="1250" name="Google Shape;1250;p91"/>
-          <p:cNvSpPr txBox="1"/>
-          <p:nvPr/>
-        </p:nvSpPr>
-        <p:spPr>
-          <a:xfrm>
-            <a:off x="455895" y="398109"/>
-            <a:ext cx="8232211" cy="2974312"/>
-          </a:xfrm>
-          <a:prstGeom prst="rect">
-            <a:avLst/>
-          </a:prstGeom>
-          <a:noFill/>
-          <a:ln>
-            <a:noFill/>
-          </a:ln>
-        </p:spPr>
-        <p:txBody>
-          <a:bodyPr spcFirstLastPara="1" wrap="square" lIns="0" tIns="91425" rIns="0" bIns="91425" anchor="ctr" anchorCtr="0">
-            <a:noAutofit/>
-          </a:bodyPr>
-          <a:lstStyle/>
-          <a:p>
-            <a:pPr algn="ctr" defTabSz="914378">
-              <a:buClr>
-                <a:srgbClr val="000000"/>
-              </a:buClr>
-            </a:pPr>
-            <a:r>
-              <a:rPr lang="en-US" sz="2400" kern="0" dirty="0">
-                <a:latin typeface="Open Sans"/>
-                <a:ea typeface="Open Sans"/>
-                <a:cs typeface="Open Sans"/>
-                <a:sym typeface="Open Sans"/>
-              </a:rPr>
-              <a:t>Chorus</a:t>
-            </a:r>
-            <a:r>
-              <a:rPr lang="en-US" sz="3200" kern="0" dirty="0">
-                <a:latin typeface="Open Sans"/>
-                <a:ea typeface="Open Sans"/>
-                <a:cs typeface="Open Sans"/>
-                <a:sym typeface="Open Sans"/>
-              </a:rPr>
-              <a:t> </a:t>
-            </a:r>
-          </a:p>
-          <a:p>
-            <a:pPr algn="ctr" defTabSz="914378">
-              <a:buClr>
-                <a:srgbClr val="000000"/>
-              </a:buClr>
-            </a:pPr>
-            <a:r>
-              <a:rPr lang="en-US" sz="3200" kern="0" dirty="0">
-                <a:latin typeface="Open Sans"/>
-                <a:ea typeface="Open Sans"/>
-                <a:cs typeface="Open Sans"/>
-                <a:sym typeface="Open Sans"/>
-              </a:rPr>
-              <a:t>This is amazing grace</a:t>
-            </a:r>
-          </a:p>
-          <a:p>
-            <a:pPr algn="ctr" defTabSz="914378">
-              <a:buClr>
-                <a:srgbClr val="000000"/>
-              </a:buClr>
-            </a:pPr>
-            <a:r>
-              <a:rPr lang="en-US" sz="3200" kern="0" dirty="0">
-                <a:latin typeface="Open Sans"/>
-                <a:ea typeface="Open Sans"/>
-                <a:cs typeface="Open Sans"/>
-                <a:sym typeface="Open Sans"/>
-              </a:rPr>
-              <a:t>This is unfailing love</a:t>
-            </a:r>
-          </a:p>
-          <a:p>
-            <a:pPr algn="ctr" defTabSz="914378">
-              <a:buClr>
-                <a:srgbClr val="000000"/>
-              </a:buClr>
-            </a:pPr>
-            <a:r>
-              <a:rPr lang="en-US" sz="3200" kern="0" dirty="0">
-                <a:latin typeface="Open Sans"/>
-                <a:ea typeface="Open Sans"/>
-                <a:cs typeface="Open Sans"/>
-                <a:sym typeface="Open Sans"/>
-              </a:rPr>
-              <a:t>That You would take my place</a:t>
-            </a:r>
-          </a:p>
-          <a:p>
-            <a:pPr algn="ctr" defTabSz="914378">
-              <a:buClr>
-                <a:srgbClr val="000000"/>
-              </a:buClr>
-            </a:pPr>
-            <a:r>
-              <a:rPr lang="en-US" sz="3200" kern="0" dirty="0">
-                <a:latin typeface="Open Sans"/>
-                <a:ea typeface="Open Sans"/>
-                <a:cs typeface="Open Sans"/>
-                <a:sym typeface="Open Sans"/>
-              </a:rPr>
-              <a:t>That You would bear my cross</a:t>
-            </a:r>
-          </a:p>
-        </p:txBody>
-      </p:sp>
-    </p:spTree>
-    <p:extLst>
-      <p:ext uri="{BB962C8B-B14F-4D97-AF65-F5344CB8AC3E}">
-        <p14:creationId xmlns:p14="http://schemas.microsoft.com/office/powerpoint/2010/main" val="3336903976"/>
-      </p:ext>
-    </p:extLst>
-  </p:cSld>
-  <p:clrMapOvr>
-    <a:masterClrMapping/>
-  </p:clrMapOvr>
-</p:sld>
-</file>
-
-<file path=ppt/slides/slide16.xml><?xml version="1.0" encoding="utf-8"?>
-<p:sld xmlns:a="http://schemas.openxmlformats.org/drawingml/2006/main" xmlns:r="http://schemas.openxmlformats.org/officeDocument/2006/relationships" xmlns:p="http://schemas.openxmlformats.org/presentationml/2006/main">
-  <p:cSld>
-    <p:spTree>
-      <p:nvGrpSpPr>
-        <p:cNvPr id="1" name="Shape 1238"/>
-        <p:cNvGrpSpPr/>
-        <p:nvPr/>
-      </p:nvGrpSpPr>
-      <p:grpSpPr>
-        <a:xfrm>
-          <a:off x="0" y="0"/>
-          <a:ext cx="0" cy="0"/>
-          <a:chOff x="0" y="0"/>
-          <a:chExt cx="0" cy="0"/>
-        </a:xfrm>
-      </p:grpSpPr>
-      <p:sp>
-        <p:nvSpPr>
-          <p:cNvPr id="1250" name="Google Shape;1250;p91"/>
-          <p:cNvSpPr txBox="1"/>
-          <p:nvPr/>
-        </p:nvSpPr>
-        <p:spPr>
-          <a:xfrm>
-            <a:off x="455895" y="476040"/>
-            <a:ext cx="8232211" cy="2974312"/>
-          </a:xfrm>
-          <a:prstGeom prst="rect">
-            <a:avLst/>
-          </a:prstGeom>
-          <a:noFill/>
-          <a:ln>
-            <a:noFill/>
-          </a:ln>
-        </p:spPr>
-        <p:txBody>
-          <a:bodyPr spcFirstLastPara="1" wrap="square" lIns="0" tIns="91425" rIns="0" bIns="91425" anchor="ctr" anchorCtr="0">
-            <a:noAutofit/>
-          </a:bodyPr>
-          <a:lstStyle/>
-          <a:p>
-            <a:pPr algn="ctr" defTabSz="914378">
-              <a:buClr>
-                <a:srgbClr val="000000"/>
-              </a:buClr>
-            </a:pPr>
-            <a:r>
-              <a:rPr lang="en-US" sz="2400" kern="0" dirty="0">
-                <a:latin typeface="Open Sans"/>
-                <a:ea typeface="Open Sans"/>
-                <a:cs typeface="Open Sans"/>
-                <a:sym typeface="Open Sans"/>
-              </a:rPr>
               <a:t>Chorus</a:t>
             </a:r>
             <a:r>
@@ -24497,7 +24503,7 @@
 </p:sld>
 </file>
 
-<file path=ppt/slides/slide17.xml><?xml version="1.0" encoding="utf-8"?>
+<file path=ppt/slides/slide16.xml><?xml version="1.0" encoding="utf-8"?>
 <p:sld xmlns:a="http://schemas.openxmlformats.org/drawingml/2006/main" xmlns:r="http://schemas.openxmlformats.org/officeDocument/2006/relationships" xmlns:p="http://schemas.openxmlformats.org/presentationml/2006/main">
   <p:cSld>
     <p:spTree>
@@ -24637,7 +24643,7 @@
             <a:r>
               <a:rPr lang="en-US" sz="600" dirty="0">
                 <a:solidFill>
-                  <a:srgbClr val="FFFFFF"/>
+                  <a:schemeClr val="tx1"/>
                 </a:solidFill>
               </a:rPr>
               <a:t>Tim Hughes</a:t>
@@ -24653,7 +24659,7 @@
             <a:r>
               <a:rPr lang="en-US" sz="600" dirty="0">
                 <a:solidFill>
-                  <a:srgbClr val="FFFFFF"/>
+                  <a:schemeClr val="tx1"/>
                 </a:solidFill>
               </a:rPr>
               <a:t>© 2000 Thankyou Music (Admin. by SHOUT! Music Publishing Australia)</a:t>
@@ -24669,7 +24675,7 @@
             <a:r>
               <a:rPr lang="en-US" sz="600" dirty="0">
                 <a:solidFill>
-                  <a:srgbClr val="FFFFFF"/>
+                  <a:schemeClr val="tx1"/>
                 </a:solidFill>
               </a:rPr>
               <a:t>CCLI </a:t>
@@ -24677,7 +24683,7 @@
             <a:r>
               <a:rPr lang="en-US" sz="600" dirty="0" err="1">
                 <a:solidFill>
-                  <a:srgbClr val="FFFFFF"/>
+                  <a:schemeClr val="tx1"/>
                 </a:solidFill>
               </a:rPr>
               <a:t>Licence</a:t>
@@ -24685,7 +24691,7 @@
             <a:r>
               <a:rPr lang="en-US" sz="600" dirty="0">
                 <a:solidFill>
-                  <a:srgbClr val="FFFFFF"/>
+                  <a:schemeClr val="tx1"/>
                 </a:solidFill>
               </a:rPr>
               <a:t> No. 5485849</a:t>
@@ -24852,6 +24858,86 @@
 </p:sld>
 </file>
 
+<file path=ppt/slides/slide17.xml><?xml version="1.0" encoding="utf-8"?>
+<p:sld xmlns:a="http://schemas.openxmlformats.org/drawingml/2006/main" xmlns:r="http://schemas.openxmlformats.org/officeDocument/2006/relationships" xmlns:p="http://schemas.openxmlformats.org/presentationml/2006/main">
+  <p:cSld>
+    <p:spTree>
+      <p:nvGrpSpPr>
+        <p:cNvPr id="1" name="Shape 1062"/>
+        <p:cNvGrpSpPr/>
+        <p:nvPr/>
+      </p:nvGrpSpPr>
+      <p:grpSpPr>
+        <a:xfrm>
+          <a:off x="0" y="0"/>
+          <a:ext cx="0" cy="0"/>
+          <a:chOff x="0" y="0"/>
+          <a:chExt cx="0" cy="0"/>
+        </a:xfrm>
+      </p:grpSpPr>
+      <p:sp>
+        <p:nvSpPr>
+          <p:cNvPr id="1072" name="Google Shape;1072;p77"/>
+          <p:cNvSpPr txBox="1">
+            <a:spLocks noGrp="1"/>
+          </p:cNvSpPr>
+          <p:nvPr>
+            <p:ph type="subTitle" idx="1"/>
+          </p:nvPr>
+        </p:nvSpPr>
+        <p:spPr>
+          <a:xfrm>
+            <a:off x="228601" y="277239"/>
+            <a:ext cx="8701391" cy="4649822"/>
+          </a:xfrm>
+          <a:prstGeom prst="rect">
+            <a:avLst/>
+          </a:prstGeom>
+        </p:spPr>
+        <p:txBody>
+          <a:bodyPr spcFirstLastPara="1" vert="horz" wrap="square" lIns="91425" tIns="91425" rIns="91425" bIns="91425" rtlCol="0" anchor="t" anchorCtr="0">
+            <a:noAutofit/>
+          </a:bodyPr>
+          <a:lstStyle/>
+          <a:p>
+            <a:pPr marL="0" indent="0"/>
+            <a:r>
+              <a:rPr lang="en-US" sz="3200" dirty="0"/>
+              <a:t>Verse 1 </a:t>
+            </a:r>
+          </a:p>
+          <a:p>
+            <a:pPr marL="0" indent="0"/>
+            <a:r>
+              <a:rPr lang="en-US" sz="3200" dirty="0"/>
+              <a:t>I see the King of Glory</a:t>
+            </a:r>
+          </a:p>
+          <a:p>
+            <a:pPr marL="0" indent="0"/>
+            <a:r>
+              <a:rPr lang="en-US" sz="3200" dirty="0"/>
+              <a:t>Coming on the clouds with fire</a:t>
+            </a:r>
+          </a:p>
+          <a:p>
+            <a:pPr marL="0" indent="0"/>
+            <a:r>
+              <a:rPr lang="en-US" sz="3200" dirty="0"/>
+              <a:t>The whole earth shakes, the whole earth shakes</a:t>
+            </a:r>
+            <a:endParaRPr dirty="0"/>
+          </a:p>
+        </p:txBody>
+      </p:sp>
+    </p:spTree>
+  </p:cSld>
+  <p:clrMapOvr>
+    <a:masterClrMapping/>
+  </p:clrMapOvr>
+</p:sld>
+</file>
+
 <file path=ppt/slides/slide18.xml><?xml version="1.0" encoding="utf-8"?>
 <p:sld xmlns:a="http://schemas.openxmlformats.org/drawingml/2006/main" xmlns:r="http://schemas.openxmlformats.org/officeDocument/2006/relationships" xmlns:p="http://schemas.openxmlformats.org/presentationml/2006/main">
   <p:cSld>
@@ -24904,27 +24990,32 @@
             <a:pPr marL="0" indent="0"/>
             <a:r>
               <a:rPr lang="en-US" sz="3200" dirty="0"/>
-              <a:t>I see the King of Glory</a:t>
+              <a:t>I see His love and mercy</a:t>
             </a:r>
           </a:p>
           <a:p>
             <a:pPr marL="0" indent="0"/>
             <a:r>
               <a:rPr lang="en-US" sz="3200" dirty="0"/>
-              <a:t>Coming on the clouds with fire</a:t>
+              <a:t>Washing over all our sin</a:t>
             </a:r>
           </a:p>
           <a:p>
             <a:pPr marL="0" indent="0"/>
             <a:r>
               <a:rPr lang="en-US" sz="3200" dirty="0"/>
-              <a:t>The whole earth shakes, the whole earth shakes</a:t>
+              <a:t>The people sing, the people sing</a:t>
             </a:r>
             <a:endParaRPr dirty="0"/>
           </a:p>
         </p:txBody>
       </p:sp>
     </p:spTree>
+    <p:extLst>
+      <p:ext uri="{BB962C8B-B14F-4D97-AF65-F5344CB8AC3E}">
+        <p14:creationId xmlns:p14="http://schemas.microsoft.com/office/powerpoint/2010/main" val="648886970"/>
+      </p:ext>
+    </p:extLst>
   </p:cSld>
   <p:clrMapOvr>
     <a:masterClrMapping/>
@@ -24977,37 +25068,43 @@
             <a:pPr marL="0" indent="0"/>
             <a:r>
               <a:rPr lang="en-US" sz="3200" dirty="0"/>
-              <a:t>Verse 1 </a:t>
+              <a:t>Chorus </a:t>
             </a:r>
           </a:p>
           <a:p>
             <a:pPr marL="0" indent="0"/>
             <a:r>
               <a:rPr lang="en-US" sz="3200" dirty="0"/>
-              <a:t>I see His love and mercy</a:t>
+              <a:t>Hosanna, Hosanna</a:t>
             </a:r>
           </a:p>
           <a:p>
             <a:pPr marL="0" indent="0"/>
             <a:r>
               <a:rPr lang="en-US" sz="3200" dirty="0"/>
-              <a:t>Washing over all our sin</a:t>
+              <a:t>Hosanna in the highest</a:t>
             </a:r>
           </a:p>
           <a:p>
             <a:pPr marL="0" indent="0"/>
             <a:r>
               <a:rPr lang="en-US" sz="3200" dirty="0"/>
-              <a:t>The people sing, the people sing</a:t>
+              <a:t>Hosanna, Hosanna</a:t>
             </a:r>
-            <a:endParaRPr dirty="0"/>
+          </a:p>
+          <a:p>
+            <a:pPr marL="0" indent="0"/>
+            <a:r>
+              <a:rPr lang="en-US" sz="3200" dirty="0"/>
+              <a:t>Hosanna in the highest</a:t>
+            </a:r>
           </a:p>
         </p:txBody>
       </p:sp>
     </p:spTree>
     <p:extLst>
       <p:ext uri="{BB962C8B-B14F-4D97-AF65-F5344CB8AC3E}">
-        <p14:creationId xmlns:p14="http://schemas.microsoft.com/office/powerpoint/2010/main" val="648886970"/>
+        <p14:creationId xmlns:p14="http://schemas.microsoft.com/office/powerpoint/2010/main" val="3350382390"/>
       </p:ext>
     </p:extLst>
   </p:cSld>
@@ -25388,43 +25485,37 @@
             <a:pPr marL="0" indent="0"/>
             <a:r>
               <a:rPr lang="en-US" sz="3200" dirty="0"/>
-              <a:t>Chorus </a:t>
+              <a:t>Verse 2 </a:t>
             </a:r>
           </a:p>
           <a:p>
             <a:pPr marL="0" indent="0"/>
             <a:r>
               <a:rPr lang="en-US" sz="3200" dirty="0"/>
-              <a:t>Hosanna, Hosanna</a:t>
+              <a:t>I see a generation</a:t>
             </a:r>
           </a:p>
           <a:p>
             <a:pPr marL="0" indent="0"/>
             <a:r>
               <a:rPr lang="en-US" sz="3200" dirty="0"/>
-              <a:t>Hosanna in the highest</a:t>
+              <a:t>Rising up to take their place</a:t>
             </a:r>
           </a:p>
           <a:p>
             <a:pPr marL="0" indent="0"/>
             <a:r>
               <a:rPr lang="en-US" sz="3200" dirty="0"/>
-              <a:t>Hosanna, Hosanna</a:t>
+              <a:t>With selfless faith, with selfless faith</a:t>
             </a:r>
-          </a:p>
-          <a:p>
-            <a:pPr marL="0" indent="0"/>
-            <a:r>
-              <a:rPr lang="en-US" sz="3200" dirty="0"/>
-              <a:t>Hosanna in the highest</a:t>
-            </a:r>
+            <a:endParaRPr dirty="0"/>
           </a:p>
         </p:txBody>
       </p:sp>
     </p:spTree>
     <p:extLst>
       <p:ext uri="{BB962C8B-B14F-4D97-AF65-F5344CB8AC3E}">
-        <p14:creationId xmlns:p14="http://schemas.microsoft.com/office/powerpoint/2010/main" val="3350382390"/>
+        <p14:creationId xmlns:p14="http://schemas.microsoft.com/office/powerpoint/2010/main" val="1390980916"/>
       </p:ext>
     </p:extLst>
   </p:cSld>
@@ -25486,30 +25577,33 @@
             <a:pPr marL="0" indent="0"/>
             <a:r>
               <a:rPr lang="en-US" sz="3200" dirty="0"/>
-              <a:t>I see a generation</a:t>
+              <a:t>I see a near revival</a:t>
             </a:r>
           </a:p>
           <a:p>
             <a:pPr marL="0" indent="0"/>
             <a:r>
               <a:rPr lang="en-US" sz="3200" dirty="0"/>
-              <a:t>Rising up to take their place</a:t>
+              <a:t>Stirring as we pray and seek</a:t>
             </a:r>
           </a:p>
           <a:p>
             <a:pPr marL="0" indent="0"/>
             <a:r>
               <a:rPr lang="en-US" sz="3200" dirty="0"/>
-              <a:t>With selfless faith, with selfless faith</a:t>
+              <a:t>We're on our knees, we're on our knees</a:t>
             </a:r>
-            <a:endParaRPr dirty="0"/>
+          </a:p>
+          <a:p>
+            <a:pPr marL="0" indent="0"/>
+            <a:endParaRPr lang="en-US" sz="3200" dirty="0"/>
           </a:p>
         </p:txBody>
       </p:sp>
     </p:spTree>
     <p:extLst>
       <p:ext uri="{BB962C8B-B14F-4D97-AF65-F5344CB8AC3E}">
-        <p14:creationId xmlns:p14="http://schemas.microsoft.com/office/powerpoint/2010/main" val="1390980916"/>
+        <p14:creationId xmlns:p14="http://schemas.microsoft.com/office/powerpoint/2010/main" val="1500083036"/>
       </p:ext>
     </p:extLst>
   </p:cSld>
@@ -25564,40 +25658,43 @@
             <a:pPr marL="0" indent="0"/>
             <a:r>
               <a:rPr lang="en-US" sz="3200" dirty="0"/>
-              <a:t>Verse 2 </a:t>
+              <a:t>Chorus </a:t>
             </a:r>
           </a:p>
           <a:p>
             <a:pPr marL="0" indent="0"/>
             <a:r>
               <a:rPr lang="en-US" sz="3200" dirty="0"/>
-              <a:t>I see a near revival</a:t>
+              <a:t>Hosanna, Hosanna</a:t>
             </a:r>
           </a:p>
           <a:p>
             <a:pPr marL="0" indent="0"/>
             <a:r>
               <a:rPr lang="en-US" sz="3200" dirty="0"/>
-              <a:t>Stirring as we pray and seek</a:t>
+              <a:t>Hosanna in the highest</a:t>
             </a:r>
           </a:p>
           <a:p>
             <a:pPr marL="0" indent="0"/>
             <a:r>
               <a:rPr lang="en-US" sz="3200" dirty="0"/>
-              <a:t>We're on our knees, we're on our knees</a:t>
+              <a:t>Hosanna, Hosanna</a:t>
             </a:r>
           </a:p>
           <a:p>
             <a:pPr marL="0" indent="0"/>
-            <a:endParaRPr lang="en-US" sz="3200" dirty="0"/>
+            <a:r>
+              <a:rPr lang="en-US" sz="3200" dirty="0"/>
+              <a:t>Hosanna in the highest</a:t>
+            </a:r>
           </a:p>
         </p:txBody>
       </p:sp>
     </p:spTree>
     <p:extLst>
       <p:ext uri="{BB962C8B-B14F-4D97-AF65-F5344CB8AC3E}">
-        <p14:creationId xmlns:p14="http://schemas.microsoft.com/office/powerpoint/2010/main" val="1500083036"/>
+        <p14:creationId xmlns:p14="http://schemas.microsoft.com/office/powerpoint/2010/main" val="270199997"/>
       </p:ext>
     </p:extLst>
   </p:cSld>
@@ -25636,8 +25733,8 @@
         </p:nvSpPr>
         <p:spPr>
           <a:xfrm>
-            <a:off x="228601" y="277239"/>
-            <a:ext cx="8701391" cy="4649822"/>
+            <a:off x="221305" y="57978"/>
+            <a:ext cx="8701391" cy="5027544"/>
           </a:xfrm>
           <a:prstGeom prst="rect">
             <a:avLst/>
@@ -25652,35 +25749,28 @@
             <a:pPr marL="0" indent="0"/>
             <a:r>
               <a:rPr lang="en-US" sz="3200" dirty="0"/>
-              <a:t>Chorus </a:t>
+              <a:t>Bridge  </a:t>
             </a:r>
           </a:p>
           <a:p>
             <a:pPr marL="0" indent="0"/>
             <a:r>
               <a:rPr lang="en-US" sz="3200" dirty="0"/>
-              <a:t>Hosanna, Hosanna</a:t>
+              <a:t>Heal my heart and make it clean</a:t>
             </a:r>
           </a:p>
           <a:p>
             <a:pPr marL="0" indent="0"/>
             <a:r>
               <a:rPr lang="en-US" sz="3200" dirty="0"/>
-              <a:t>Hosanna in the highest</a:t>
+              <a:t>Open up my eyes to the things unseen</a:t>
             </a:r>
           </a:p>
           <a:p>
             <a:pPr marL="0" indent="0"/>
             <a:r>
               <a:rPr lang="en-US" sz="3200" dirty="0"/>
-              <a:t>Hosanna, Hosanna</a:t>
-            </a:r>
-          </a:p>
-          <a:p>
-            <a:pPr marL="0" indent="0"/>
-            <a:r>
-              <a:rPr lang="en-US" sz="3200" dirty="0"/>
-              <a:t>Hosanna in the highest</a:t>
+              <a:t>Show me how to love like You have loved me</a:t>
             </a:r>
           </a:p>
         </p:txBody>
@@ -25688,7 +25778,7 @@
     </p:spTree>
     <p:extLst>
       <p:ext uri="{BB962C8B-B14F-4D97-AF65-F5344CB8AC3E}">
-        <p14:creationId xmlns:p14="http://schemas.microsoft.com/office/powerpoint/2010/main" val="270199997"/>
+        <p14:creationId xmlns:p14="http://schemas.microsoft.com/office/powerpoint/2010/main" val="606210200"/>
       </p:ext>
     </p:extLst>
   </p:cSld>
@@ -25750,21 +25840,21 @@
             <a:pPr marL="0" indent="0"/>
             <a:r>
               <a:rPr lang="en-US" sz="3200" dirty="0"/>
-              <a:t>Heal my heart and make it clean</a:t>
+              <a:t>Break my heart for what breaks Yours</a:t>
             </a:r>
           </a:p>
           <a:p>
             <a:pPr marL="0" indent="0"/>
             <a:r>
               <a:rPr lang="en-US" sz="3200" dirty="0"/>
-              <a:t>Open up my eyes to the things unseen</a:t>
+              <a:t>Everything I am for Your kingdom's cause</a:t>
             </a:r>
           </a:p>
           <a:p>
             <a:pPr marL="0" indent="0"/>
             <a:r>
               <a:rPr lang="en-US" sz="3200" dirty="0"/>
-              <a:t>Show me how to love like You have loved me</a:t>
+              <a:t>As I walk from earth into eternity</a:t>
             </a:r>
           </a:p>
         </p:txBody>
@@ -25772,7 +25862,7 @@
     </p:spTree>
     <p:extLst>
       <p:ext uri="{BB962C8B-B14F-4D97-AF65-F5344CB8AC3E}">
-        <p14:creationId xmlns:p14="http://schemas.microsoft.com/office/powerpoint/2010/main" val="606210200"/>
+        <p14:creationId xmlns:p14="http://schemas.microsoft.com/office/powerpoint/2010/main" val="1270485785"/>
       </p:ext>
     </p:extLst>
   </p:cSld>
@@ -25811,8 +25901,8 @@
         </p:nvSpPr>
         <p:spPr>
           <a:xfrm>
-            <a:off x="221305" y="57978"/>
-            <a:ext cx="8701391" cy="5027544"/>
+            <a:off x="228601" y="277239"/>
+            <a:ext cx="8701391" cy="4649822"/>
           </a:xfrm>
           <a:prstGeom prst="rect">
             <a:avLst/>
@@ -25827,28 +25917,35 @@
             <a:pPr marL="0" indent="0"/>
             <a:r>
               <a:rPr lang="en-US" sz="3200" dirty="0"/>
-              <a:t>Bridge  </a:t>
+              <a:t>Chorus </a:t>
             </a:r>
           </a:p>
           <a:p>
             <a:pPr marL="0" indent="0"/>
             <a:r>
               <a:rPr lang="en-US" sz="3200" dirty="0"/>
-              <a:t>Break my heart for what breaks Yours</a:t>
+              <a:t>Hosanna, Hosanna</a:t>
             </a:r>
           </a:p>
           <a:p>
             <a:pPr marL="0" indent="0"/>
             <a:r>
               <a:rPr lang="en-US" sz="3200" dirty="0"/>
-              <a:t>Everything I am for Your kingdom's cause</a:t>
+              <a:t>Hosanna in the highest</a:t>
             </a:r>
           </a:p>
           <a:p>
             <a:pPr marL="0" indent="0"/>
             <a:r>
               <a:rPr lang="en-US" sz="3200" dirty="0"/>
-              <a:t>As I walk from earth into eternity</a:t>
+              <a:t>Hosanna, Hosanna</a:t>
+            </a:r>
+          </a:p>
+          <a:p>
+            <a:pPr marL="0" indent="0"/>
+            <a:r>
+              <a:rPr lang="en-US" sz="3200" dirty="0"/>
+              <a:t>Hosanna in the highest</a:t>
             </a:r>
           </a:p>
         </p:txBody>
@@ -25856,7 +25953,7 @@
     </p:spTree>
     <p:extLst>
       <p:ext uri="{BB962C8B-B14F-4D97-AF65-F5344CB8AC3E}">
-        <p14:creationId xmlns:p14="http://schemas.microsoft.com/office/powerpoint/2010/main" val="1270485785"/>
+        <p14:creationId xmlns:p14="http://schemas.microsoft.com/office/powerpoint/2010/main" val="3366458254"/>
       </p:ext>
     </p:extLst>
   </p:cSld>
@@ -25947,7 +26044,7 @@
     </p:spTree>
     <p:extLst>
       <p:ext uri="{BB962C8B-B14F-4D97-AF65-F5344CB8AC3E}">
-        <p14:creationId xmlns:p14="http://schemas.microsoft.com/office/powerpoint/2010/main" val="3366458254"/>
+        <p14:creationId xmlns:p14="http://schemas.microsoft.com/office/powerpoint/2010/main" val="2535603924"/>
       </p:ext>
     </p:extLst>
   </p:cSld>
@@ -25958,6 +26055,83 @@
 </file>
 
 <file path=ppt/slides/slide27.xml><?xml version="1.0" encoding="utf-8"?>
+<p:sld xmlns:a="http://schemas.openxmlformats.org/drawingml/2006/main" xmlns:r="http://schemas.openxmlformats.org/officeDocument/2006/relationships" xmlns:p="http://schemas.openxmlformats.org/presentationml/2006/main">
+  <p:cSld>
+    <p:spTree>
+      <p:nvGrpSpPr>
+        <p:cNvPr id="1" name="Shape 1062"/>
+        <p:cNvGrpSpPr/>
+        <p:nvPr/>
+      </p:nvGrpSpPr>
+      <p:grpSpPr>
+        <a:xfrm>
+          <a:off x="0" y="0"/>
+          <a:ext cx="0" cy="0"/>
+          <a:chOff x="0" y="0"/>
+          <a:chExt cx="0" cy="0"/>
+        </a:xfrm>
+      </p:grpSpPr>
+      <p:sp>
+        <p:nvSpPr>
+          <p:cNvPr id="1072" name="Google Shape;1072;p77"/>
+          <p:cNvSpPr txBox="1">
+            <a:spLocks noGrp="1"/>
+          </p:cNvSpPr>
+          <p:nvPr>
+            <p:ph type="subTitle" idx="1"/>
+          </p:nvPr>
+        </p:nvSpPr>
+        <p:spPr>
+          <a:xfrm>
+            <a:off x="228601" y="277239"/>
+            <a:ext cx="8701391" cy="4649822"/>
+          </a:xfrm>
+          <a:prstGeom prst="rect">
+            <a:avLst/>
+          </a:prstGeom>
+        </p:spPr>
+        <p:txBody>
+          <a:bodyPr spcFirstLastPara="1" vert="horz" wrap="square" lIns="91425" tIns="91425" rIns="91425" bIns="91425" rtlCol="0" anchor="t" anchorCtr="0">
+            <a:noAutofit/>
+          </a:bodyPr>
+          <a:lstStyle/>
+          <a:p>
+            <a:pPr marL="0" indent="0"/>
+            <a:r>
+              <a:rPr lang="en-US" sz="3200" dirty="0"/>
+              <a:t>Tag </a:t>
+            </a:r>
+          </a:p>
+          <a:p>
+            <a:pPr marL="0" indent="0"/>
+            <a:r>
+              <a:rPr lang="en-US" sz="3200" dirty="0"/>
+              <a:t>Hosanna in the highest</a:t>
+            </a:r>
+          </a:p>
+          <a:p>
+            <a:pPr marL="0" indent="0"/>
+            <a:r>
+              <a:rPr lang="en-US" sz="3200" dirty="0"/>
+              <a:t>Hosanna in the highest</a:t>
+            </a:r>
+          </a:p>
+        </p:txBody>
+      </p:sp>
+    </p:spTree>
+    <p:extLst>
+      <p:ext uri="{BB962C8B-B14F-4D97-AF65-F5344CB8AC3E}">
+        <p14:creationId xmlns:p14="http://schemas.microsoft.com/office/powerpoint/2010/main" val="3754665013"/>
+      </p:ext>
+    </p:extLst>
+  </p:cSld>
+  <p:clrMapOvr>
+    <a:masterClrMapping/>
+  </p:clrMapOvr>
+</p:sld>
+</file>
+
+<file path=ppt/slides/slide28.xml><?xml version="1.0" encoding="utf-8"?>
 <p:sld xmlns:a="http://schemas.openxmlformats.org/drawingml/2006/main" xmlns:r="http://schemas.openxmlformats.org/officeDocument/2006/relationships" xmlns:p="http://schemas.openxmlformats.org/presentationml/2006/main">
   <p:cSld>
     <p:spTree>
@@ -26085,17 +26259,15 @@
           </a:bodyPr>
           <a:lstStyle/>
           <a:p>
-            <a:pPr marL="0" algn="l">
+            <a:pPr marL="0" indent="0" algn="l">
               <a:spcBef>
                 <a:spcPts val="750"/>
               </a:spcBef>
-              <a:buFont typeface="Arial" panose="020B0604020202020204" pitchFamily="34" charset="0"/>
-              <a:buChar char="•"/>
             </a:pPr>
             <a:r>
               <a:rPr lang="en-US" sz="450" dirty="0" err="1">
                 <a:solidFill>
-                  <a:srgbClr val="FFFFFF"/>
+                  <a:schemeClr val="tx1"/>
                 </a:solidFill>
               </a:rPr>
               <a:t>CCLI:"Ben</a:t>
@@ -26103,41 +26275,37 @@
             <a:r>
               <a:rPr lang="en-US" sz="450" dirty="0">
                 <a:solidFill>
-                  <a:srgbClr val="FFFFFF"/>
+                  <a:schemeClr val="tx1"/>
                 </a:solidFill>
               </a:rPr>
               <a:t> Fielding, Reuben Morgan</a:t>
             </a:r>
           </a:p>
           <a:p>
-            <a:pPr marL="0" algn="l">
+            <a:pPr marL="0" indent="0" algn="l">
               <a:spcBef>
                 <a:spcPts val="750"/>
               </a:spcBef>
-              <a:buFont typeface="Arial" panose="020B0604020202020204" pitchFamily="34" charset="0"/>
-              <a:buChar char="•"/>
             </a:pPr>
             <a:r>
               <a:rPr lang="en-US" sz="450" dirty="0">
                 <a:solidFill>
-                  <a:srgbClr val="FFFFFF"/>
+                  <a:schemeClr val="tx1"/>
                 </a:solidFill>
               </a:rPr>
               <a:t>© 2017 Hillsong Music Publishing Australia</a:t>
             </a:r>
           </a:p>
           <a:p>
-            <a:pPr marL="0" algn="l">
+            <a:pPr marL="0" indent="0" algn="l">
               <a:spcBef>
                 <a:spcPts val="750"/>
               </a:spcBef>
-              <a:buFont typeface="Arial" panose="020B0604020202020204" pitchFamily="34" charset="0"/>
-              <a:buChar char="•"/>
             </a:pPr>
             <a:r>
               <a:rPr lang="en-US" sz="450" dirty="0">
                 <a:solidFill>
-                  <a:srgbClr val="FFFFFF"/>
+                  <a:schemeClr val="tx1"/>
                 </a:solidFill>
               </a:rPr>
               <a:t>CCLI </a:t>
@@ -26145,7 +26313,7 @@
             <a:r>
               <a:rPr lang="en-US" sz="450" dirty="0" err="1">
                 <a:solidFill>
-                  <a:srgbClr val="FFFFFF"/>
+                  <a:schemeClr val="tx1"/>
                 </a:solidFill>
               </a:rPr>
               <a:t>Licence</a:t>
@@ -26153,27 +26321,10 @@
             <a:r>
               <a:rPr lang="en-US" sz="450" dirty="0">
                 <a:solidFill>
-                  <a:srgbClr val="FFFFFF"/>
+                  <a:schemeClr val="tx1"/>
                 </a:solidFill>
               </a:rPr>
-              <a:t> No. 5485849</a:t>
-            </a:r>
-          </a:p>
-          <a:p>
-            <a:pPr marL="0" algn="l">
-              <a:spcBef>
-                <a:spcPts val="750"/>
-              </a:spcBef>
-              <a:buFont typeface="Arial" panose="020B0604020202020204" pitchFamily="34" charset="0"/>
-              <a:buChar char="•"/>
-            </a:pPr>
-            <a:r>
-              <a:rPr lang="en-US" sz="450" dirty="0">
-                <a:solidFill>
-                  <a:srgbClr val="FFFFFF"/>
-                </a:solidFill>
-              </a:rPr>
-              <a:t>"</a:t>
+              <a:t> No. 5485849"</a:t>
             </a:r>
           </a:p>
         </p:txBody>
@@ -26337,7 +26488,7 @@
 </p:sld>
 </file>
 
-<file path=ppt/slides/slide28.xml><?xml version="1.0" encoding="utf-8"?>
+<file path=ppt/slides/slide29.xml><?xml version="1.0" encoding="utf-8"?>
 <p:sld xmlns:a="http://schemas.openxmlformats.org/drawingml/2006/main" xmlns:r="http://schemas.openxmlformats.org/officeDocument/2006/relationships" xmlns:p="http://schemas.openxmlformats.org/presentationml/2006/main">
   <p:cSld>
     <p:spTree>
@@ -26497,7 +26648,292 @@
 </p:sld>
 </file>
 
-<file path=ppt/slides/slide29.xml><?xml version="1.0" encoding="utf-8"?>
+<file path=ppt/slides/slide3.xml><?xml version="1.0" encoding="utf-8"?>
+<p:sld xmlns:a="http://schemas.openxmlformats.org/drawingml/2006/main" xmlns:r="http://schemas.openxmlformats.org/officeDocument/2006/relationships" xmlns:p="http://schemas.openxmlformats.org/presentationml/2006/main">
+  <p:cSld>
+    <p:bg>
+      <p:bgPr>
+        <a:solidFill>
+          <a:schemeClr val="bg1"/>
+        </a:solidFill>
+        <a:effectLst/>
+      </p:bgPr>
+    </p:bg>
+    <p:spTree>
+      <p:nvGrpSpPr>
+        <p:cNvPr id="1" name=""/>
+        <p:cNvGrpSpPr/>
+        <p:nvPr/>
+      </p:nvGrpSpPr>
+      <p:grpSpPr>
+        <a:xfrm>
+          <a:off x="0" y="0"/>
+          <a:ext cx="0" cy="0"/>
+          <a:chOff x="0" y="0"/>
+          <a:chExt cx="0" cy="0"/>
+        </a:xfrm>
+      </p:grpSpPr>
+      <p:sp useBgFill="1">
+        <p:nvSpPr>
+          <p:cNvPr id="10" name="Rectangle 9">
+            <a:extLst>
+              <a:ext uri="{FF2B5EF4-FFF2-40B4-BE49-F238E27FC236}">
+                <a16:creationId xmlns:a16="http://schemas.microsoft.com/office/drawing/2014/main" id="{3F47E20B-1205-4238-A82B-90EF577F32D8}"/>
+              </a:ext>
+              <a:ext uri="{C183D7F6-B498-43B3-948B-1728B52AA6E4}">
+                <adec:decorative xmlns:adec="http://schemas.microsoft.com/office/drawing/2017/decorative" val="1"/>
+              </a:ext>
+            </a:extLst>
+          </p:cNvPr>
+          <p:cNvSpPr>
+            <a:spLocks noGrp="1" noRot="1" noChangeAspect="1" noMove="1" noResize="1" noEditPoints="1" noAdjustHandles="1" noChangeArrowheads="1" noChangeShapeType="1" noTextEdit="1"/>
+          </p:cNvSpPr>
+          <p:nvPr>
+            <p:extLst>
+              <p:ext uri="{386F3935-93C4-4BCD-93E2-E3B085C9AB24}">
+                <p16:designElem xmlns:p16="http://schemas.microsoft.com/office/powerpoint/2015/main" val="1"/>
+              </p:ext>
+            </p:extLst>
+          </p:nvPr>
+        </p:nvSpPr>
+        <p:spPr>
+          <a:xfrm>
+            <a:off x="0" y="0"/>
+            <a:ext cx="9144000" cy="5143500"/>
+          </a:xfrm>
+          <a:prstGeom prst="rect">
+            <a:avLst/>
+          </a:prstGeom>
+          <a:ln>
+            <a:noFill/>
+          </a:ln>
+        </p:spPr>
+        <p:style>
+          <a:lnRef idx="2">
+            <a:schemeClr val="accent1">
+              <a:shade val="50000"/>
+            </a:schemeClr>
+          </a:lnRef>
+          <a:fillRef idx="1">
+            <a:schemeClr val="accent1"/>
+          </a:fillRef>
+          <a:effectRef idx="0">
+            <a:schemeClr val="accent1"/>
+          </a:effectRef>
+          <a:fontRef idx="minor">
+            <a:schemeClr val="lt1"/>
+          </a:fontRef>
+        </p:style>
+        <p:txBody>
+          <a:bodyPr rtlCol="0" anchor="ctr"/>
+          <a:lstStyle/>
+          <a:p>
+            <a:pPr algn="ctr"/>
+            <a:endParaRPr lang="en-US"/>
+          </a:p>
+        </p:txBody>
+      </p:sp>
+      <p:sp>
+        <p:nvSpPr>
+          <p:cNvPr id="12" name="Rectangle 11">
+            <a:extLst>
+              <a:ext uri="{FF2B5EF4-FFF2-40B4-BE49-F238E27FC236}">
+                <a16:creationId xmlns:a16="http://schemas.microsoft.com/office/drawing/2014/main" id="{D13567AC-EB9A-47A9-B6EC-B5BDB73B113C}"/>
+              </a:ext>
+              <a:ext uri="{C183D7F6-B498-43B3-948B-1728B52AA6E4}">
+                <adec:decorative xmlns:adec="http://schemas.microsoft.com/office/drawing/2017/decorative" val="1"/>
+              </a:ext>
+            </a:extLst>
+          </p:cNvPr>
+          <p:cNvSpPr>
+            <a:spLocks noGrp="1" noRot="1" noChangeAspect="1" noMove="1" noResize="1" noEditPoints="1" noAdjustHandles="1" noChangeArrowheads="1" noChangeShapeType="1" noTextEdit="1"/>
+          </p:cNvSpPr>
+          <p:nvPr>
+            <p:extLst>
+              <p:ext uri="{386F3935-93C4-4BCD-93E2-E3B085C9AB24}">
+                <p16:designElem xmlns:p16="http://schemas.microsoft.com/office/powerpoint/2015/main" val="1"/>
+              </p:ext>
+            </p:extLst>
+          </p:nvPr>
+        </p:nvSpPr>
+        <p:spPr>
+          <a:xfrm>
+            <a:off x="0" y="0"/>
+            <a:ext cx="3490722" cy="5143500"/>
+          </a:xfrm>
+          <a:prstGeom prst="rect">
+            <a:avLst/>
+          </a:prstGeom>
+          <a:solidFill>
+            <a:schemeClr val="tx2"/>
+          </a:solidFill>
+          <a:ln>
+            <a:noFill/>
+          </a:ln>
+        </p:spPr>
+        <p:style>
+          <a:lnRef idx="0">
+            <a:scrgbClr r="0" g="0" b="0"/>
+          </a:lnRef>
+          <a:fillRef idx="0">
+            <a:scrgbClr r="0" g="0" b="0"/>
+          </a:fillRef>
+          <a:effectRef idx="0">
+            <a:scrgbClr r="0" g="0" b="0"/>
+          </a:effectRef>
+          <a:fontRef idx="minor">
+            <a:schemeClr val="lt1"/>
+          </a:fontRef>
+        </p:style>
+        <p:txBody>
+          <a:bodyPr rtlCol="0" anchor="ctr"/>
+          <a:lstStyle/>
+          <a:p>
+            <a:pPr algn="ctr"/>
+            <a:endParaRPr lang="en-US"/>
+          </a:p>
+        </p:txBody>
+      </p:sp>
+      <p:sp>
+        <p:nvSpPr>
+          <p:cNvPr id="2" name="Title 1">
+            <a:extLst>
+              <a:ext uri="{FF2B5EF4-FFF2-40B4-BE49-F238E27FC236}">
+                <a16:creationId xmlns:a16="http://schemas.microsoft.com/office/drawing/2014/main" id="{05CCDE22-3A6C-AE7E-0528-3E73036DA939}"/>
+              </a:ext>
+            </a:extLst>
+          </p:cNvPr>
+          <p:cNvSpPr>
+            <a:spLocks noGrp="1"/>
+          </p:cNvSpPr>
+          <p:nvPr>
+            <p:ph type="title"/>
+          </p:nvPr>
+        </p:nvSpPr>
+        <p:spPr>
+          <a:xfrm>
+            <a:off x="482601" y="615007"/>
+            <a:ext cx="2561466" cy="2409491"/>
+          </a:xfrm>
+          <a:noFill/>
+          <a:ln>
+            <a:solidFill>
+              <a:schemeClr val="bg1"/>
+            </a:solidFill>
+          </a:ln>
+        </p:spPr>
+        <p:txBody>
+          <a:bodyPr vert="horz" lIns="274320" tIns="182880" rIns="274320" bIns="182880" rtlCol="0" anchor="ctr" anchorCtr="1">
+            <a:normAutofit/>
+          </a:bodyPr>
+          <a:lstStyle/>
+          <a:p>
+            <a:pPr defTabSz="914400">
+              <a:spcBef>
+                <a:spcPct val="0"/>
+              </a:spcBef>
+            </a:pPr>
+            <a:r>
+              <a:rPr lang="en-US" sz="3200" spc="200">
+                <a:solidFill>
+                  <a:schemeClr val="bg1"/>
+                </a:solidFill>
+              </a:rPr>
+              <a:t>Worship</a:t>
+            </a:r>
+          </a:p>
+        </p:txBody>
+      </p:sp>
+      <p:sp>
+        <p:nvSpPr>
+          <p:cNvPr id="4" name="Subtitle 3">
+            <a:extLst>
+              <a:ext uri="{FF2B5EF4-FFF2-40B4-BE49-F238E27FC236}">
+                <a16:creationId xmlns:a16="http://schemas.microsoft.com/office/drawing/2014/main" id="{6DD43F9D-8CA5-EBB8-6995-9E5C9EC0ED13}"/>
+              </a:ext>
+            </a:extLst>
+          </p:cNvPr>
+          <p:cNvSpPr>
+            <a:spLocks noGrp="1"/>
+          </p:cNvSpPr>
+          <p:nvPr>
+            <p:ph type="subTitle" idx="1"/>
+          </p:nvPr>
+        </p:nvSpPr>
+        <p:spPr>
+          <a:xfrm>
+            <a:off x="524832" y="3264408"/>
+            <a:ext cx="2561466" cy="929920"/>
+          </a:xfrm>
+        </p:spPr>
+        <p:txBody>
+          <a:bodyPr vert="horz" lIns="91440" tIns="45720" rIns="91440" bIns="45720" rtlCol="0">
+            <a:normAutofit/>
+          </a:bodyPr>
+          <a:lstStyle/>
+          <a:p>
+            <a:pPr marL="0" indent="0" defTabSz="914400">
+              <a:lnSpc>
+                <a:spcPct val="90000"/>
+              </a:lnSpc>
+              <a:spcBef>
+                <a:spcPts val="1000"/>
+              </a:spcBef>
+            </a:pPr>
+            <a:r>
+              <a:rPr lang="en-US" sz="800" dirty="0">
+                <a:solidFill>
+                  <a:schemeClr val="bg1"/>
+                </a:solidFill>
+              </a:rPr>
+              <a:t>Please stand up and sing if you’re comfortable</a:t>
+            </a:r>
+          </a:p>
+        </p:txBody>
+      </p:sp>
+      <p:pic>
+        <p:nvPicPr>
+          <p:cNvPr id="6" name="Picture 5" descr="Close up image of hands applauding">
+            <a:extLst>
+              <a:ext uri="{FF2B5EF4-FFF2-40B4-BE49-F238E27FC236}">
+                <a16:creationId xmlns:a16="http://schemas.microsoft.com/office/drawing/2014/main" id="{89A869DD-CCB5-51E8-A3E9-A3CE59B28749}"/>
+              </a:ext>
+            </a:extLst>
+          </p:cNvPr>
+          <p:cNvPicPr>
+            <a:picLocks noChangeAspect="1"/>
+          </p:cNvPicPr>
+          <p:nvPr/>
+        </p:nvPicPr>
+        <p:blipFill rotWithShape="1">
+          <a:blip r:embed="rId2"/>
+          <a:srcRect l="20007" r="6627"/>
+          <a:stretch/>
+        </p:blipFill>
+        <p:spPr>
+          <a:xfrm>
+            <a:off x="3490722" y="10"/>
+            <a:ext cx="5653277" cy="5143489"/>
+          </a:xfrm>
+          <a:prstGeom prst="rect">
+            <a:avLst/>
+          </a:prstGeom>
+        </p:spPr>
+      </p:pic>
+    </p:spTree>
+    <p:extLst>
+      <p:ext uri="{BB962C8B-B14F-4D97-AF65-F5344CB8AC3E}">
+        <p14:creationId xmlns:p14="http://schemas.microsoft.com/office/powerpoint/2010/main" val="990957617"/>
+      </p:ext>
+    </p:extLst>
+  </p:cSld>
+  <p:clrMapOvr>
+    <a:masterClrMapping/>
+  </p:clrMapOvr>
+</p:sld>
+</file>
+
+<file path=ppt/slides/slide30.xml><?xml version="1.0" encoding="utf-8"?>
 <p:sld xmlns:a="http://schemas.openxmlformats.org/drawingml/2006/main" xmlns:r="http://schemas.openxmlformats.org/officeDocument/2006/relationships" xmlns:p="http://schemas.openxmlformats.org/presentationml/2006/main">
   <p:cSld>
     <p:spTree>
@@ -26646,291 +27082,7 @@
 </p:sld>
 </file>
 
-<file path=ppt/slides/slide3.xml><?xml version="1.0" encoding="utf-8"?>
-<p:sld xmlns:a="http://schemas.openxmlformats.org/drawingml/2006/main" xmlns:r="http://schemas.openxmlformats.org/officeDocument/2006/relationships" xmlns:p="http://schemas.openxmlformats.org/presentationml/2006/main">
-  <p:cSld>
-    <p:spTree>
-      <p:nvGrpSpPr>
-        <p:cNvPr id="1" name="Shape 1148"/>
-        <p:cNvGrpSpPr/>
-        <p:nvPr/>
-      </p:nvGrpSpPr>
-      <p:grpSpPr>
-        <a:xfrm>
-          <a:off x="0" y="0"/>
-          <a:ext cx="0" cy="0"/>
-          <a:chOff x="0" y="0"/>
-          <a:chExt cx="0" cy="0"/>
-        </a:xfrm>
-      </p:grpSpPr>
-      <p:sp>
-        <p:nvSpPr>
-          <p:cNvPr id="1150" name="Google Shape;1150;p84"/>
-          <p:cNvSpPr txBox="1">
-            <a:spLocks noGrp="1"/>
-          </p:cNvSpPr>
-          <p:nvPr>
-            <p:ph type="title"/>
-          </p:nvPr>
-        </p:nvSpPr>
-        <p:spPr>
-          <a:xfrm>
-            <a:off x="1200149" y="200722"/>
-            <a:ext cx="6743700" cy="892098"/>
-          </a:xfrm>
-          <a:prstGeom prst="rect">
-            <a:avLst/>
-          </a:prstGeom>
-          <a:noFill/>
-          <a:ln>
-            <a:solidFill>
-              <a:schemeClr val="tx1"/>
-            </a:solidFill>
-          </a:ln>
-        </p:spPr>
-        <p:txBody>
-          <a:bodyPr spcFirstLastPara="1" vert="horz" lIns="274320" tIns="182880" rIns="274320" bIns="182880" rtlCol="0" anchor="ctr" anchorCtr="1">
-            <a:normAutofit fontScale="90000"/>
-          </a:bodyPr>
-          <a:lstStyle/>
-          <a:p>
-            <a:pPr lvl="0" algn="ctr" defTabSz="914400">
-              <a:spcBef>
-                <a:spcPct val="0"/>
-              </a:spcBef>
-              <a:spcAft>
-                <a:spcPts val="1600"/>
-              </a:spcAft>
-            </a:pPr>
-            <a:r>
-              <a:rPr lang="en-US" sz="2400" kern="1200" cap="all" spc="200" baseline="0" dirty="0">
-                <a:solidFill>
-                  <a:schemeClr val="tx1"/>
-                </a:solidFill>
-                <a:latin typeface="+mj-lt"/>
-                <a:ea typeface="+mj-ea"/>
-                <a:cs typeface="+mj-cs"/>
-              </a:rPr>
-              <a:t>Bible reading 1</a:t>
-            </a:r>
-          </a:p>
-        </p:txBody>
-      </p:sp>
-      <p:sp>
-        <p:nvSpPr>
-          <p:cNvPr id="1149" name="Google Shape;1149;p84"/>
-          <p:cNvSpPr txBox="1">
-            <a:spLocks noGrp="1"/>
-          </p:cNvSpPr>
-          <p:nvPr>
-            <p:ph type="subTitle" idx="1"/>
-          </p:nvPr>
-        </p:nvSpPr>
-        <p:spPr>
-          <a:xfrm>
-            <a:off x="323489" y="1237014"/>
-            <a:ext cx="8497019" cy="3067568"/>
-          </a:xfrm>
-          <a:prstGeom prst="rect">
-            <a:avLst/>
-          </a:prstGeom>
-        </p:spPr>
-        <p:txBody>
-          <a:bodyPr spcFirstLastPara="1" vert="horz" lIns="91440" tIns="45720" rIns="91440" bIns="45720" rtlCol="0" anchorCtr="0">
-            <a:normAutofit/>
-          </a:bodyPr>
-          <a:lstStyle/>
-          <a:p>
-            <a:pPr marL="0" indent="0" algn="ctr" defTabSz="914400">
-              <a:lnSpc>
-                <a:spcPct val="90000"/>
-              </a:lnSpc>
-              <a:spcBef>
-                <a:spcPts val="1000"/>
-              </a:spcBef>
-              <a:buClr>
-                <a:schemeClr val="accent2"/>
-              </a:buClr>
-            </a:pPr>
-            <a:r>
-              <a:rPr lang="en-US" dirty="0">
-                <a:solidFill>
-                  <a:schemeClr val="tx1">
-                    <a:lumMod val="75000"/>
-                    <a:lumOff val="25000"/>
-                  </a:schemeClr>
-                </a:solidFill>
-              </a:rPr>
-              <a:t>Copy paste here</a:t>
-            </a:r>
-          </a:p>
-        </p:txBody>
-      </p:sp>
-    </p:spTree>
-    <p:extLst>
-      <p:ext uri="{BB962C8B-B14F-4D97-AF65-F5344CB8AC3E}">
-        <p14:creationId xmlns:p14="http://schemas.microsoft.com/office/powerpoint/2010/main" val="4203392863"/>
-      </p:ext>
-    </p:extLst>
-  </p:cSld>
-  <p:clrMapOvr>
-    <a:masterClrMapping/>
-  </p:clrMapOvr>
-  <p:timing>
-    <p:tnLst>
-      <p:par>
-        <p:cTn id="1" dur="indefinite" restart="never" nodeType="tmRoot">
-          <p:childTnLst>
-            <p:seq concurrent="1" nextAc="seek">
-              <p:cTn id="2" dur="indefinite" nodeType="mainSeq">
-                <p:childTnLst>
-                  <p:par>
-                    <p:cTn id="3" fill="hold">
-                      <p:stCondLst>
-                        <p:cond delay="indefinite"/>
-                        <p:cond evt="onBegin" delay="0">
-                          <p:tn val="2"/>
-                        </p:cond>
-                      </p:stCondLst>
-                      <p:childTnLst>
-                        <p:par>
-                          <p:cTn id="4" fill="hold">
-                            <p:stCondLst>
-                              <p:cond delay="0"/>
-                            </p:stCondLst>
-                            <p:childTnLst>
-                              <p:par>
-                                <p:cTn id="5" presetID="2" presetClass="entr" presetSubtype="8" fill="hold" nodeType="afterEffect">
-                                  <p:stCondLst>
-                                    <p:cond delay="0"/>
-                                  </p:stCondLst>
-                                  <p:childTnLst>
-                                    <p:set>
-                                      <p:cBhvr>
-                                        <p:cTn id="6" dur="1" fill="hold">
-                                          <p:stCondLst>
-                                            <p:cond delay="0"/>
-                                          </p:stCondLst>
-                                        </p:cTn>
-                                        <p:tgtEl>
-                                          <p:spTgt spid="1149"/>
-                                        </p:tgtEl>
-                                        <p:attrNameLst>
-                                          <p:attrName>style.visibility</p:attrName>
-                                        </p:attrNameLst>
-                                      </p:cBhvr>
-                                      <p:to>
-                                        <p:strVal val="visible"/>
-                                      </p:to>
-                                    </p:set>
-                                    <p:anim calcmode="lin" valueType="num">
-                                      <p:cBhvr additive="base">
-                                        <p:cTn id="7" dur="1000"/>
-                                        <p:tgtEl>
-                                          <p:spTgt spid="1149"/>
-                                        </p:tgtEl>
-                                        <p:attrNameLst>
-                                          <p:attrName>ppt_x</p:attrName>
-                                        </p:attrNameLst>
-                                      </p:cBhvr>
-                                      <p:tavLst>
-                                        <p:tav tm="0">
-                                          <p:val>
-                                            <p:strVal val="#ppt_x-1"/>
-                                          </p:val>
-                                        </p:tav>
-                                        <p:tav tm="100000">
-                                          <p:val>
-                                            <p:strVal val="#ppt_x"/>
-                                          </p:val>
-                                        </p:tav>
-                                      </p:tavLst>
-                                    </p:anim>
-                                  </p:childTnLst>
-                                </p:cTn>
-                              </p:par>
-                              <p:par>
-                                <p:cTn id="8" presetID="2" presetClass="entr" presetSubtype="2" fill="hold" nodeType="withEffect">
-                                  <p:stCondLst>
-                                    <p:cond delay="0"/>
-                                  </p:stCondLst>
-                                  <p:childTnLst>
-                                    <p:set>
-                                      <p:cBhvr>
-                                        <p:cTn id="9" dur="1" fill="hold">
-                                          <p:stCondLst>
-                                            <p:cond delay="0"/>
-                                          </p:stCondLst>
-                                        </p:cTn>
-                                        <p:tgtEl>
-                                          <p:spTgt spid="1150"/>
-                                        </p:tgtEl>
-                                        <p:attrNameLst>
-                                          <p:attrName>style.visibility</p:attrName>
-                                        </p:attrNameLst>
-                                      </p:cBhvr>
-                                      <p:to>
-                                        <p:strVal val="visible"/>
-                                      </p:to>
-                                    </p:set>
-                                    <p:anim calcmode="lin" valueType="num">
-                                      <p:cBhvr additive="base">
-                                        <p:cTn id="10" dur="1000"/>
-                                        <p:tgtEl>
-                                          <p:spTgt spid="1150"/>
-                                        </p:tgtEl>
-                                        <p:attrNameLst>
-                                          <p:attrName>ppt_x</p:attrName>
-                                        </p:attrNameLst>
-                                      </p:cBhvr>
-                                      <p:tavLst>
-                                        <p:tav tm="0">
-                                          <p:val>
-                                            <p:strVal val="#ppt_x+1"/>
-                                          </p:val>
-                                        </p:tav>
-                                        <p:tav tm="100000">
-                                          <p:val>
-                                            <p:strVal val="#ppt_x"/>
-                                          </p:val>
-                                        </p:tav>
-                                      </p:tavLst>
-                                    </p:anim>
-                                  </p:childTnLst>
-                                </p:cTn>
-                              </p:par>
-                            </p:childTnLst>
-                          </p:cTn>
-                        </p:par>
-                      </p:childTnLst>
-                    </p:cTn>
-                  </p:par>
-                </p:childTnLst>
-              </p:cTn>
-              <p:prevCondLst>
-                <p:cond evt="onPrev" delay="0">
-                  <p:tgtEl>
-                    <p:sldTgt/>
-                  </p:tgtEl>
-                </p:cond>
-              </p:prevCondLst>
-              <p:nextCondLst>
-                <p:cond evt="onNext" delay="0">
-                  <p:tgtEl>
-                    <p:sldTgt/>
-                  </p:tgtEl>
-                </p:cond>
-              </p:nextCondLst>
-            </p:seq>
-          </p:childTnLst>
-        </p:cTn>
-      </p:par>
-    </p:tnLst>
-  </p:timing>
-</p:sld>
-</file>
-
-<file path=ppt/slides/slide30.xml><?xml version="1.0" encoding="utf-8"?>
+<file path=ppt/slides/slide31.xml><?xml version="1.0" encoding="utf-8"?>
 <p:sld xmlns:a="http://schemas.openxmlformats.org/drawingml/2006/main" xmlns:r="http://schemas.openxmlformats.org/officeDocument/2006/relationships" xmlns:p="http://schemas.openxmlformats.org/presentationml/2006/main">
   <p:cSld>
     <p:spTree>
@@ -27095,7 +27247,7 @@
 </p:sld>
 </file>
 
-<file path=ppt/slides/slide31.xml><?xml version="1.0" encoding="utf-8"?>
+<file path=ppt/slides/slide32.xml><?xml version="1.0" encoding="utf-8"?>
 <p:sld xmlns:a="http://schemas.openxmlformats.org/drawingml/2006/main" xmlns:r="http://schemas.openxmlformats.org/officeDocument/2006/relationships" xmlns:p="http://schemas.openxmlformats.org/presentationml/2006/main">
   <p:cSld>
     <p:spTree>
@@ -27244,7 +27396,7 @@
 </p:sld>
 </file>
 
-<file path=ppt/slides/slide32.xml><?xml version="1.0" encoding="utf-8"?>
+<file path=ppt/slides/slide33.xml><?xml version="1.0" encoding="utf-8"?>
 <p:sld xmlns:a="http://schemas.openxmlformats.org/drawingml/2006/main" xmlns:r="http://schemas.openxmlformats.org/officeDocument/2006/relationships" xmlns:p="http://schemas.openxmlformats.org/presentationml/2006/main">
   <p:cSld>
     <p:spTree>
@@ -27371,157 +27523,6 @@
     <p:extLst>
       <p:ext uri="{BB962C8B-B14F-4D97-AF65-F5344CB8AC3E}">
         <p14:creationId xmlns:p14="http://schemas.microsoft.com/office/powerpoint/2010/main" val="1146660094"/>
-      </p:ext>
-    </p:extLst>
-  </p:cSld>
-  <p:clrMapOvr>
-    <a:masterClrMapping/>
-  </p:clrMapOvr>
-</p:sld>
-</file>
-
-<file path=ppt/slides/slide33.xml><?xml version="1.0" encoding="utf-8"?>
-<p:sld xmlns:a="http://schemas.openxmlformats.org/drawingml/2006/main" xmlns:r="http://schemas.openxmlformats.org/officeDocument/2006/relationships" xmlns:p="http://schemas.openxmlformats.org/presentationml/2006/main">
-  <p:cSld>
-    <p:spTree>
-      <p:nvGrpSpPr>
-        <p:cNvPr id="1" name="Shape 1238"/>
-        <p:cNvGrpSpPr/>
-        <p:nvPr/>
-      </p:nvGrpSpPr>
-      <p:grpSpPr>
-        <a:xfrm>
-          <a:off x="0" y="0"/>
-          <a:ext cx="0" cy="0"/>
-          <a:chOff x="0" y="0"/>
-          <a:chExt cx="0" cy="0"/>
-        </a:xfrm>
-      </p:grpSpPr>
-      <p:sp>
-        <p:nvSpPr>
-          <p:cNvPr id="1250" name="Google Shape;1250;p91"/>
-          <p:cNvSpPr txBox="1"/>
-          <p:nvPr/>
-        </p:nvSpPr>
-        <p:spPr>
-          <a:xfrm>
-            <a:off x="92948" y="-296427"/>
-            <a:ext cx="8958106" cy="4059534"/>
-          </a:xfrm>
-          <a:prstGeom prst="rect">
-            <a:avLst/>
-          </a:prstGeom>
-          <a:noFill/>
-          <a:ln>
-            <a:noFill/>
-          </a:ln>
-        </p:spPr>
-        <p:txBody>
-          <a:bodyPr spcFirstLastPara="1" wrap="square" lIns="0" tIns="91425" rIns="0" bIns="91425" anchor="ctr" anchorCtr="0">
-            <a:noAutofit/>
-          </a:bodyPr>
-          <a:lstStyle/>
-          <a:p>
-            <a:pPr algn="ctr" defTabSz="914378">
-              <a:buClr>
-                <a:srgbClr val="000000"/>
-              </a:buClr>
-            </a:pPr>
-            <a:r>
-              <a:rPr lang="en-US" sz="3200" kern="0" dirty="0">
-                <a:latin typeface="Open Sans"/>
-                <a:ea typeface="Open Sans"/>
-                <a:cs typeface="Open Sans"/>
-                <a:sym typeface="Open Sans"/>
-              </a:rPr>
-              <a:t>Bridge</a:t>
-            </a:r>
-            <a:br>
-              <a:rPr lang="en-US" sz="3200" kern="0" dirty="0">
-                <a:latin typeface="Open Sans"/>
-                <a:ea typeface="Open Sans"/>
-                <a:cs typeface="Open Sans"/>
-                <a:sym typeface="Open Sans"/>
-              </a:rPr>
-            </a:br>
-            <a:r>
-              <a:rPr lang="en-US" sz="3200" kern="0" dirty="0">
-                <a:latin typeface="Open Sans"/>
-                <a:ea typeface="Open Sans"/>
-                <a:cs typeface="Open Sans"/>
-                <a:sym typeface="Open Sans"/>
-              </a:rPr>
-              <a:t>I am chosen, not forsaken</a:t>
-            </a:r>
-          </a:p>
-          <a:p>
-            <a:pPr algn="ctr" defTabSz="914378">
-              <a:buClr>
-                <a:srgbClr val="000000"/>
-              </a:buClr>
-            </a:pPr>
-            <a:r>
-              <a:rPr lang="en-US" sz="3200" kern="0" dirty="0">
-                <a:latin typeface="Open Sans"/>
-                <a:ea typeface="Open Sans"/>
-                <a:cs typeface="Open Sans"/>
-                <a:sym typeface="Open Sans"/>
-              </a:rPr>
-              <a:t>I am who You say I am</a:t>
-            </a:r>
-            <a:br>
-              <a:rPr lang="en-US" sz="3200" kern="0" dirty="0">
-                <a:latin typeface="Open Sans"/>
-                <a:ea typeface="Open Sans"/>
-                <a:cs typeface="Open Sans"/>
-                <a:sym typeface="Open Sans"/>
-              </a:rPr>
-            </a:br>
-            <a:r>
-              <a:rPr lang="en-US" sz="3200" kern="0" dirty="0">
-                <a:latin typeface="Open Sans"/>
-                <a:ea typeface="Open Sans"/>
-                <a:cs typeface="Open Sans"/>
-                <a:sym typeface="Open Sans"/>
-              </a:rPr>
-              <a:t>You are for me, not against me</a:t>
-            </a:r>
-          </a:p>
-          <a:p>
-            <a:pPr algn="ctr" defTabSz="914378">
-              <a:buClr>
-                <a:srgbClr val="000000"/>
-              </a:buClr>
-            </a:pPr>
-            <a:r>
-              <a:rPr lang="en-US" sz="3200" kern="0" dirty="0">
-                <a:latin typeface="Open Sans"/>
-                <a:ea typeface="Open Sans"/>
-                <a:cs typeface="Open Sans"/>
-                <a:sym typeface="Open Sans"/>
-              </a:rPr>
-              <a:t>I am who You say I am</a:t>
-            </a:r>
-          </a:p>
-          <a:p>
-            <a:pPr algn="ctr" defTabSz="914378">
-              <a:buClr>
-                <a:srgbClr val="000000"/>
-              </a:buClr>
-            </a:pPr>
-            <a:endParaRPr lang="en-US" sz="3200" kern="0" dirty="0">
-              <a:latin typeface="Open Sans"/>
-              <a:ea typeface="Open Sans"/>
-              <a:cs typeface="Open Sans"/>
-              <a:sym typeface="Open Sans"/>
-            </a:endParaRPr>
-          </a:p>
-        </p:txBody>
-      </p:sp>
-    </p:spTree>
-    <p:extLst>
-      <p:ext uri="{BB962C8B-B14F-4D97-AF65-F5344CB8AC3E}">
-        <p14:creationId xmlns:p14="http://schemas.microsoft.com/office/powerpoint/2010/main" val="4189437341"/>
       </p:ext>
     </p:extLst>
   </p:cSld>
@@ -27660,6 +27661,157 @@
                 <a:srgbClr val="000000"/>
               </a:buClr>
             </a:pPr>
+            <a:endParaRPr lang="en-US" sz="3200" kern="0" dirty="0">
+              <a:latin typeface="Open Sans"/>
+              <a:ea typeface="Open Sans"/>
+              <a:cs typeface="Open Sans"/>
+              <a:sym typeface="Open Sans"/>
+            </a:endParaRPr>
+          </a:p>
+        </p:txBody>
+      </p:sp>
+    </p:spTree>
+    <p:extLst>
+      <p:ext uri="{BB962C8B-B14F-4D97-AF65-F5344CB8AC3E}">
+        <p14:creationId xmlns:p14="http://schemas.microsoft.com/office/powerpoint/2010/main" val="4189437341"/>
+      </p:ext>
+    </p:extLst>
+  </p:cSld>
+  <p:clrMapOvr>
+    <a:masterClrMapping/>
+  </p:clrMapOvr>
+</p:sld>
+</file>
+
+<file path=ppt/slides/slide35.xml><?xml version="1.0" encoding="utf-8"?>
+<p:sld xmlns:a="http://schemas.openxmlformats.org/drawingml/2006/main" xmlns:r="http://schemas.openxmlformats.org/officeDocument/2006/relationships" xmlns:p="http://schemas.openxmlformats.org/presentationml/2006/main">
+  <p:cSld>
+    <p:spTree>
+      <p:nvGrpSpPr>
+        <p:cNvPr id="1" name="Shape 1238"/>
+        <p:cNvGrpSpPr/>
+        <p:nvPr/>
+      </p:nvGrpSpPr>
+      <p:grpSpPr>
+        <a:xfrm>
+          <a:off x="0" y="0"/>
+          <a:ext cx="0" cy="0"/>
+          <a:chOff x="0" y="0"/>
+          <a:chExt cx="0" cy="0"/>
+        </a:xfrm>
+      </p:grpSpPr>
+      <p:sp>
+        <p:nvSpPr>
+          <p:cNvPr id="1250" name="Google Shape;1250;p91"/>
+          <p:cNvSpPr txBox="1"/>
+          <p:nvPr/>
+        </p:nvSpPr>
+        <p:spPr>
+          <a:xfrm>
+            <a:off x="92948" y="-296427"/>
+            <a:ext cx="8958106" cy="4059534"/>
+          </a:xfrm>
+          <a:prstGeom prst="rect">
+            <a:avLst/>
+          </a:prstGeom>
+          <a:noFill/>
+          <a:ln>
+            <a:noFill/>
+          </a:ln>
+        </p:spPr>
+        <p:txBody>
+          <a:bodyPr spcFirstLastPara="1" wrap="square" lIns="0" tIns="91425" rIns="0" bIns="91425" anchor="ctr" anchorCtr="0">
+            <a:noAutofit/>
+          </a:bodyPr>
+          <a:lstStyle/>
+          <a:p>
+            <a:pPr algn="ctr" defTabSz="914378">
+              <a:buClr>
+                <a:srgbClr val="000000"/>
+              </a:buClr>
+            </a:pPr>
+            <a:r>
+              <a:rPr lang="en-US" sz="3200" kern="0" dirty="0">
+                <a:latin typeface="Open Sans"/>
+                <a:ea typeface="Open Sans"/>
+                <a:cs typeface="Open Sans"/>
+                <a:sym typeface="Open Sans"/>
+              </a:rPr>
+              <a:t>Bridge</a:t>
+            </a:r>
+            <a:br>
+              <a:rPr lang="en-US" sz="3200" kern="0" dirty="0">
+                <a:latin typeface="Open Sans"/>
+                <a:ea typeface="Open Sans"/>
+                <a:cs typeface="Open Sans"/>
+                <a:sym typeface="Open Sans"/>
+              </a:rPr>
+            </a:br>
+            <a:r>
+              <a:rPr lang="en-US" sz="3200" kern="0" dirty="0">
+                <a:latin typeface="Open Sans"/>
+                <a:ea typeface="Open Sans"/>
+                <a:cs typeface="Open Sans"/>
+                <a:sym typeface="Open Sans"/>
+              </a:rPr>
+              <a:t>I am chosen, not forsaken</a:t>
+            </a:r>
+          </a:p>
+          <a:p>
+            <a:pPr algn="ctr" defTabSz="914378">
+              <a:buClr>
+                <a:srgbClr val="000000"/>
+              </a:buClr>
+            </a:pPr>
+            <a:r>
+              <a:rPr lang="en-US" sz="3200" kern="0" dirty="0">
+                <a:latin typeface="Open Sans"/>
+                <a:ea typeface="Open Sans"/>
+                <a:cs typeface="Open Sans"/>
+                <a:sym typeface="Open Sans"/>
+              </a:rPr>
+              <a:t>I am who You say I am</a:t>
+            </a:r>
+            <a:br>
+              <a:rPr lang="en-US" sz="3200" kern="0" dirty="0">
+                <a:latin typeface="Open Sans"/>
+                <a:ea typeface="Open Sans"/>
+                <a:cs typeface="Open Sans"/>
+                <a:sym typeface="Open Sans"/>
+              </a:rPr>
+            </a:br>
+            <a:r>
+              <a:rPr lang="en-US" sz="3200" kern="0" dirty="0">
+                <a:latin typeface="Open Sans"/>
+                <a:ea typeface="Open Sans"/>
+                <a:cs typeface="Open Sans"/>
+                <a:sym typeface="Open Sans"/>
+              </a:rPr>
+              <a:t>You are for me, not against me</a:t>
+            </a:r>
+          </a:p>
+          <a:p>
+            <a:pPr algn="ctr" defTabSz="914378">
+              <a:buClr>
+                <a:srgbClr val="000000"/>
+              </a:buClr>
+            </a:pPr>
+            <a:r>
+              <a:rPr lang="en-US" sz="3200" kern="0" dirty="0">
+                <a:latin typeface="Open Sans"/>
+                <a:ea typeface="Open Sans"/>
+                <a:cs typeface="Open Sans"/>
+                <a:sym typeface="Open Sans"/>
+              </a:rPr>
+              <a:t>I am who You say I am</a:t>
+            </a:r>
+          </a:p>
+          <a:p>
+            <a:pPr algn="ctr" defTabSz="914378">
+              <a:buClr>
+                <a:srgbClr val="000000"/>
+              </a:buClr>
+            </a:pPr>
             <a:r>
               <a:rPr lang="en-US" sz="3200" kern="0" dirty="0">
                 <a:latin typeface="Open Sans"/>
@@ -27685,7 +27837,7 @@
 </p:sld>
 </file>
 
-<file path=ppt/slides/slide35.xml><?xml version="1.0" encoding="utf-8"?>
+<file path=ppt/slides/slide36.xml><?xml version="1.0" encoding="utf-8"?>
 <p:sld xmlns:a="http://schemas.openxmlformats.org/drawingml/2006/main" xmlns:r="http://schemas.openxmlformats.org/officeDocument/2006/relationships" xmlns:p="http://schemas.openxmlformats.org/presentationml/2006/main">
   <p:cSld>
     <p:spTree>
@@ -27834,7 +27986,7 @@
 </p:sld>
 </file>
 
-<file path=ppt/slides/slide36.xml><?xml version="1.0" encoding="utf-8"?>
+<file path=ppt/slides/slide37.xml><?xml version="1.0" encoding="utf-8"?>
 <p:sld xmlns:a="http://schemas.openxmlformats.org/drawingml/2006/main" xmlns:r="http://schemas.openxmlformats.org/officeDocument/2006/relationships" xmlns:p="http://schemas.openxmlformats.org/presentationml/2006/main">
   <p:cSld>
     <p:spTree>
@@ -27970,7 +28122,7 @@
 </p:sld>
 </file>
 
-<file path=ppt/slides/slide37.xml><?xml version="1.0" encoding="utf-8"?>
+<file path=ppt/slides/slide38.xml><?xml version="1.0" encoding="utf-8"?>
 <p:sld xmlns:a="http://schemas.openxmlformats.org/drawingml/2006/main" xmlns:r="http://schemas.openxmlformats.org/officeDocument/2006/relationships" xmlns:p="http://schemas.openxmlformats.org/presentationml/2006/main">
   <p:cSld>
     <p:bg>
@@ -28173,7 +28325,7 @@
 </p:sld>
 </file>
 
-<file path=ppt/slides/slide38.xml><?xml version="1.0" encoding="utf-8"?>
+<file path=ppt/slides/slide39.xml><?xml version="1.0" encoding="utf-8"?>
 <p:sld xmlns:a="http://schemas.openxmlformats.org/drawingml/2006/main" xmlns:r="http://schemas.openxmlformats.org/officeDocument/2006/relationships" xmlns:p="http://schemas.openxmlformats.org/presentationml/2006/main">
   <p:cSld>
     <p:bg>
@@ -28246,7 +28398,7 @@
                   <a:schemeClr val="tx1"/>
                 </a:solidFill>
               </a:rPr>
-              <a:t>BOOK CHAPTER VERSES</a:t>
+              <a:t>Romans 9: 23-25</a:t>
             </a:r>
             <a:endParaRPr lang="en-US" sz="2400" kern="1200" cap="all" spc="200" baseline="0" dirty="0">
               <a:solidFill>
@@ -28304,7 +28456,7 @@
                   </a:schemeClr>
                 </a:solidFill>
               </a:rPr>
-              <a:t>Copy paste</a:t>
+              <a:t>23 What if he did this to make the riches of his glory known to the objects of his mercy, whom he prepared in advance for glory— 24 even us, whom he also called, not only from the Jews but also from the Gentiles? 25 As he says in Hosea: “I will call them ‘my people’ who are not my people; and I will call her ‘my loved one’ who is not my loved one”</a:t>
             </a:r>
             <a:endParaRPr lang="en-US" sz="2400" dirty="0">
               <a:solidFill>
@@ -28476,1113 +28628,7 @@
 </p:sld>
 </file>
 
-<file path=ppt/slides/slide39.xml><?xml version="1.0" encoding="utf-8"?>
-<p:sld xmlns:a="http://schemas.openxmlformats.org/drawingml/2006/main" xmlns:r="http://schemas.openxmlformats.org/officeDocument/2006/relationships" xmlns:p="http://schemas.openxmlformats.org/presentationml/2006/main">
-  <p:cSld>
-    <p:bg>
-      <p:bgPr>
-        <a:solidFill>
-          <a:schemeClr val="bg1">
-            <a:lumMod val="95000"/>
-          </a:schemeClr>
-        </a:solidFill>
-        <a:effectLst/>
-      </p:bgPr>
-    </p:bg>
-    <p:spTree>
-      <p:nvGrpSpPr>
-        <p:cNvPr id="1" name=""/>
-        <p:cNvGrpSpPr/>
-        <p:nvPr/>
-      </p:nvGrpSpPr>
-      <p:grpSpPr>
-        <a:xfrm>
-          <a:off x="0" y="0"/>
-          <a:ext cx="0" cy="0"/>
-          <a:chOff x="0" y="0"/>
-          <a:chExt cx="0" cy="0"/>
-        </a:xfrm>
-      </p:grpSpPr>
-      <p:sp>
-        <p:nvSpPr>
-          <p:cNvPr id="2" name="Title 1">
-            <a:extLst>
-              <a:ext uri="{FF2B5EF4-FFF2-40B4-BE49-F238E27FC236}">
-                <a16:creationId xmlns:a16="http://schemas.microsoft.com/office/drawing/2014/main" id="{94C3E63A-50E4-2542-4B5E-B5357E5BFB61}"/>
-              </a:ext>
-            </a:extLst>
-          </p:cNvPr>
-          <p:cNvSpPr>
-            <a:spLocks noGrp="1"/>
-          </p:cNvSpPr>
-          <p:nvPr>
-            <p:ph type="title"/>
-          </p:nvPr>
-        </p:nvSpPr>
-        <p:spPr>
-          <a:xfrm>
-            <a:off x="1673352" y="395715"/>
-            <a:ext cx="5797296" cy="891540"/>
-          </a:xfrm>
-        </p:spPr>
-        <p:txBody>
-          <a:bodyPr>
-            <a:normAutofit/>
-          </a:bodyPr>
-          <a:lstStyle/>
-          <a:p>
-            <a:r>
-              <a:rPr lang="en-AU" dirty="0"/>
-              <a:t>Announcements</a:t>
-            </a:r>
-            <a:endParaRPr lang="en-US" dirty="0"/>
-          </a:p>
-        </p:txBody>
-      </p:sp>
-      <p:graphicFrame>
-        <p:nvGraphicFramePr>
-          <p:cNvPr id="5" name="Content Placeholder 2">
-            <a:extLst>
-              <a:ext uri="{FF2B5EF4-FFF2-40B4-BE49-F238E27FC236}">
-                <a16:creationId xmlns:a16="http://schemas.microsoft.com/office/drawing/2014/main" id="{8B8B97F9-521A-4B56-E72F-016E52C32045}"/>
-              </a:ext>
-            </a:extLst>
-          </p:cNvPr>
-          <p:cNvGraphicFramePr>
-            <a:graphicFrameLocks noGrp="1"/>
-          </p:cNvGraphicFramePr>
-          <p:nvPr>
-            <p:ph idx="1"/>
-            <p:extLst>
-              <p:ext uri="{D42A27DB-BD31-4B8C-83A1-F6EECF244321}">
-                <p14:modId xmlns:p14="http://schemas.microsoft.com/office/powerpoint/2010/main" val="779180482"/>
-              </p:ext>
-            </p:extLst>
-          </p:nvPr>
-        </p:nvGraphicFramePr>
-        <p:xfrm>
-          <a:off x="194095" y="1457864"/>
-          <a:ext cx="8755810" cy="3467819"/>
-        </p:xfrm>
-        <a:graphic>
-          <a:graphicData uri="http://schemas.openxmlformats.org/drawingml/2006/diagram">
-            <dgm:relIds xmlns:dgm="http://schemas.openxmlformats.org/drawingml/2006/diagram" xmlns:r="http://schemas.openxmlformats.org/officeDocument/2006/relationships" r:dm="rId2" r:lo="rId3" r:qs="rId4" r:cs="rId5"/>
-          </a:graphicData>
-        </a:graphic>
-      </p:graphicFrame>
-    </p:spTree>
-    <p:extLst>
-      <p:ext uri="{BB962C8B-B14F-4D97-AF65-F5344CB8AC3E}">
-        <p14:creationId xmlns:p14="http://schemas.microsoft.com/office/powerpoint/2010/main" val="796746807"/>
-      </p:ext>
-    </p:extLst>
-  </p:cSld>
-  <p:clrMapOvr>
-    <a:masterClrMapping/>
-  </p:clrMapOvr>
-</p:sld>
-</file>
-
 <file path=ppt/slides/slide4.xml><?xml version="1.0" encoding="utf-8"?>
-<p:sld xmlns:a="http://schemas.openxmlformats.org/drawingml/2006/main" xmlns:r="http://schemas.openxmlformats.org/officeDocument/2006/relationships" xmlns:p="http://schemas.openxmlformats.org/presentationml/2006/main">
-  <p:cSld>
-    <p:bg>
-      <p:bgPr>
-        <a:solidFill>
-          <a:schemeClr val="bg1"/>
-        </a:solidFill>
-        <a:effectLst/>
-      </p:bgPr>
-    </p:bg>
-    <p:spTree>
-      <p:nvGrpSpPr>
-        <p:cNvPr id="1" name=""/>
-        <p:cNvGrpSpPr/>
-        <p:nvPr/>
-      </p:nvGrpSpPr>
-      <p:grpSpPr>
-        <a:xfrm>
-          <a:off x="0" y="0"/>
-          <a:ext cx="0" cy="0"/>
-          <a:chOff x="0" y="0"/>
-          <a:chExt cx="0" cy="0"/>
-        </a:xfrm>
-      </p:grpSpPr>
-      <p:sp useBgFill="1">
-        <p:nvSpPr>
-          <p:cNvPr id="10" name="Rectangle 9">
-            <a:extLst>
-              <a:ext uri="{FF2B5EF4-FFF2-40B4-BE49-F238E27FC236}">
-                <a16:creationId xmlns:a16="http://schemas.microsoft.com/office/drawing/2014/main" id="{3F47E20B-1205-4238-A82B-90EF577F32D8}"/>
-              </a:ext>
-              <a:ext uri="{C183D7F6-B498-43B3-948B-1728B52AA6E4}">
-                <adec:decorative xmlns:adec="http://schemas.microsoft.com/office/drawing/2017/decorative" val="1"/>
-              </a:ext>
-            </a:extLst>
-          </p:cNvPr>
-          <p:cNvSpPr>
-            <a:spLocks noGrp="1" noRot="1" noChangeAspect="1" noMove="1" noResize="1" noEditPoints="1" noAdjustHandles="1" noChangeArrowheads="1" noChangeShapeType="1" noTextEdit="1"/>
-          </p:cNvSpPr>
-          <p:nvPr>
-            <p:extLst>
-              <p:ext uri="{386F3935-93C4-4BCD-93E2-E3B085C9AB24}">
-                <p16:designElem xmlns:p16="http://schemas.microsoft.com/office/powerpoint/2015/main" val="1"/>
-              </p:ext>
-            </p:extLst>
-          </p:nvPr>
-        </p:nvSpPr>
-        <p:spPr>
-          <a:xfrm>
-            <a:off x="0" y="0"/>
-            <a:ext cx="9144000" cy="5143500"/>
-          </a:xfrm>
-          <a:prstGeom prst="rect">
-            <a:avLst/>
-          </a:prstGeom>
-          <a:ln>
-            <a:noFill/>
-          </a:ln>
-        </p:spPr>
-        <p:style>
-          <a:lnRef idx="2">
-            <a:schemeClr val="accent1">
-              <a:shade val="50000"/>
-            </a:schemeClr>
-          </a:lnRef>
-          <a:fillRef idx="1">
-            <a:schemeClr val="accent1"/>
-          </a:fillRef>
-          <a:effectRef idx="0">
-            <a:schemeClr val="accent1"/>
-          </a:effectRef>
-          <a:fontRef idx="minor">
-            <a:schemeClr val="lt1"/>
-          </a:fontRef>
-        </p:style>
-        <p:txBody>
-          <a:bodyPr rtlCol="0" anchor="ctr"/>
-          <a:lstStyle/>
-          <a:p>
-            <a:pPr algn="ctr"/>
-            <a:endParaRPr lang="en-US"/>
-          </a:p>
-        </p:txBody>
-      </p:sp>
-      <p:sp>
-        <p:nvSpPr>
-          <p:cNvPr id="12" name="Rectangle 11">
-            <a:extLst>
-              <a:ext uri="{FF2B5EF4-FFF2-40B4-BE49-F238E27FC236}">
-                <a16:creationId xmlns:a16="http://schemas.microsoft.com/office/drawing/2014/main" id="{D13567AC-EB9A-47A9-B6EC-B5BDB73B113C}"/>
-              </a:ext>
-              <a:ext uri="{C183D7F6-B498-43B3-948B-1728B52AA6E4}">
-                <adec:decorative xmlns:adec="http://schemas.microsoft.com/office/drawing/2017/decorative" val="1"/>
-              </a:ext>
-            </a:extLst>
-          </p:cNvPr>
-          <p:cNvSpPr>
-            <a:spLocks noGrp="1" noRot="1" noChangeAspect="1" noMove="1" noResize="1" noEditPoints="1" noAdjustHandles="1" noChangeArrowheads="1" noChangeShapeType="1" noTextEdit="1"/>
-          </p:cNvSpPr>
-          <p:nvPr>
-            <p:extLst>
-              <p:ext uri="{386F3935-93C4-4BCD-93E2-E3B085C9AB24}">
-                <p16:designElem xmlns:p16="http://schemas.microsoft.com/office/powerpoint/2015/main" val="1"/>
-              </p:ext>
-            </p:extLst>
-          </p:nvPr>
-        </p:nvSpPr>
-        <p:spPr>
-          <a:xfrm>
-            <a:off x="0" y="0"/>
-            <a:ext cx="3490722" cy="5143500"/>
-          </a:xfrm>
-          <a:prstGeom prst="rect">
-            <a:avLst/>
-          </a:prstGeom>
-          <a:solidFill>
-            <a:schemeClr val="tx2"/>
-          </a:solidFill>
-          <a:ln>
-            <a:noFill/>
-          </a:ln>
-        </p:spPr>
-        <p:style>
-          <a:lnRef idx="0">
-            <a:scrgbClr r="0" g="0" b="0"/>
-          </a:lnRef>
-          <a:fillRef idx="0">
-            <a:scrgbClr r="0" g="0" b="0"/>
-          </a:fillRef>
-          <a:effectRef idx="0">
-            <a:scrgbClr r="0" g="0" b="0"/>
-          </a:effectRef>
-          <a:fontRef idx="minor">
-            <a:schemeClr val="lt1"/>
-          </a:fontRef>
-        </p:style>
-        <p:txBody>
-          <a:bodyPr rtlCol="0" anchor="ctr"/>
-          <a:lstStyle/>
-          <a:p>
-            <a:pPr algn="ctr"/>
-            <a:endParaRPr lang="en-US"/>
-          </a:p>
-        </p:txBody>
-      </p:sp>
-      <p:sp>
-        <p:nvSpPr>
-          <p:cNvPr id="2" name="Title 1">
-            <a:extLst>
-              <a:ext uri="{FF2B5EF4-FFF2-40B4-BE49-F238E27FC236}">
-                <a16:creationId xmlns:a16="http://schemas.microsoft.com/office/drawing/2014/main" id="{05CCDE22-3A6C-AE7E-0528-3E73036DA939}"/>
-              </a:ext>
-            </a:extLst>
-          </p:cNvPr>
-          <p:cNvSpPr>
-            <a:spLocks noGrp="1"/>
-          </p:cNvSpPr>
-          <p:nvPr>
-            <p:ph type="title"/>
-          </p:nvPr>
-        </p:nvSpPr>
-        <p:spPr>
-          <a:xfrm>
-            <a:off x="482601" y="615007"/>
-            <a:ext cx="2561466" cy="2409491"/>
-          </a:xfrm>
-          <a:noFill/>
-          <a:ln>
-            <a:solidFill>
-              <a:schemeClr val="bg1"/>
-            </a:solidFill>
-          </a:ln>
-        </p:spPr>
-        <p:txBody>
-          <a:bodyPr vert="horz" lIns="274320" tIns="182880" rIns="274320" bIns="182880" rtlCol="0" anchor="ctr" anchorCtr="1">
-            <a:normAutofit/>
-          </a:bodyPr>
-          <a:lstStyle/>
-          <a:p>
-            <a:pPr defTabSz="914400">
-              <a:spcBef>
-                <a:spcPct val="0"/>
-              </a:spcBef>
-            </a:pPr>
-            <a:r>
-              <a:rPr lang="en-US" sz="3200" spc="200">
-                <a:solidFill>
-                  <a:schemeClr val="bg1"/>
-                </a:solidFill>
-              </a:rPr>
-              <a:t>Worship</a:t>
-            </a:r>
-          </a:p>
-        </p:txBody>
-      </p:sp>
-      <p:sp>
-        <p:nvSpPr>
-          <p:cNvPr id="4" name="Subtitle 3">
-            <a:extLst>
-              <a:ext uri="{FF2B5EF4-FFF2-40B4-BE49-F238E27FC236}">
-                <a16:creationId xmlns:a16="http://schemas.microsoft.com/office/drawing/2014/main" id="{6DD43F9D-8CA5-EBB8-6995-9E5C9EC0ED13}"/>
-              </a:ext>
-            </a:extLst>
-          </p:cNvPr>
-          <p:cNvSpPr>
-            <a:spLocks noGrp="1"/>
-          </p:cNvSpPr>
-          <p:nvPr>
-            <p:ph type="subTitle" idx="1"/>
-          </p:nvPr>
-        </p:nvSpPr>
-        <p:spPr>
-          <a:xfrm>
-            <a:off x="524832" y="3264408"/>
-            <a:ext cx="2561466" cy="929920"/>
-          </a:xfrm>
-        </p:spPr>
-        <p:txBody>
-          <a:bodyPr vert="horz" lIns="91440" tIns="45720" rIns="91440" bIns="45720" rtlCol="0">
-            <a:normAutofit/>
-          </a:bodyPr>
-          <a:lstStyle/>
-          <a:p>
-            <a:pPr marL="0" indent="0" defTabSz="914400">
-              <a:lnSpc>
-                <a:spcPct val="90000"/>
-              </a:lnSpc>
-              <a:spcBef>
-                <a:spcPts val="1000"/>
-              </a:spcBef>
-            </a:pPr>
-            <a:r>
-              <a:rPr lang="en-US" sz="800" dirty="0">
-                <a:solidFill>
-                  <a:schemeClr val="bg1"/>
-                </a:solidFill>
-              </a:rPr>
-              <a:t>Please stand up and sing if you’re comfortable</a:t>
-            </a:r>
-          </a:p>
-        </p:txBody>
-      </p:sp>
-      <p:pic>
-        <p:nvPicPr>
-          <p:cNvPr id="6" name="Picture 5" descr="Close up image of hands applauding">
-            <a:extLst>
-              <a:ext uri="{FF2B5EF4-FFF2-40B4-BE49-F238E27FC236}">
-                <a16:creationId xmlns:a16="http://schemas.microsoft.com/office/drawing/2014/main" id="{89A869DD-CCB5-51E8-A3E9-A3CE59B28749}"/>
-              </a:ext>
-            </a:extLst>
-          </p:cNvPr>
-          <p:cNvPicPr>
-            <a:picLocks noChangeAspect="1"/>
-          </p:cNvPicPr>
-          <p:nvPr/>
-        </p:nvPicPr>
-        <p:blipFill rotWithShape="1">
-          <a:blip r:embed="rId2"/>
-          <a:srcRect l="20007" r="6627"/>
-          <a:stretch/>
-        </p:blipFill>
-        <p:spPr>
-          <a:xfrm>
-            <a:off x="3490722" y="10"/>
-            <a:ext cx="5653277" cy="5143489"/>
-          </a:xfrm>
-          <a:prstGeom prst="rect">
-            <a:avLst/>
-          </a:prstGeom>
-        </p:spPr>
-      </p:pic>
-    </p:spTree>
-    <p:extLst>
-      <p:ext uri="{BB962C8B-B14F-4D97-AF65-F5344CB8AC3E}">
-        <p14:creationId xmlns:p14="http://schemas.microsoft.com/office/powerpoint/2010/main" val="990957617"/>
-      </p:ext>
-    </p:extLst>
-  </p:cSld>
-  <p:clrMapOvr>
-    <a:masterClrMapping/>
-  </p:clrMapOvr>
-</p:sld>
-</file>
-
-<file path=ppt/slides/slide40.xml><?xml version="1.0" encoding="utf-8"?>
-<p:sld xmlns:a="http://schemas.openxmlformats.org/drawingml/2006/main" xmlns:r="http://schemas.openxmlformats.org/officeDocument/2006/relationships" xmlns:p="http://schemas.openxmlformats.org/presentationml/2006/main">
-  <p:cSld>
-    <p:bg>
-      <p:bgPr>
-        <a:solidFill>
-          <a:schemeClr val="bg1"/>
-        </a:solidFill>
-        <a:effectLst/>
-      </p:bgPr>
-    </p:bg>
-    <p:spTree>
-      <p:nvGrpSpPr>
-        <p:cNvPr id="1" name=""/>
-        <p:cNvGrpSpPr/>
-        <p:nvPr/>
-      </p:nvGrpSpPr>
-      <p:grpSpPr>
-        <a:xfrm>
-          <a:off x="0" y="0"/>
-          <a:ext cx="0" cy="0"/>
-          <a:chOff x="0" y="0"/>
-          <a:chExt cx="0" cy="0"/>
-        </a:xfrm>
-      </p:grpSpPr>
-      <p:sp>
-        <p:nvSpPr>
-          <p:cNvPr id="9" name="Rectangle 8">
-            <a:extLst>
-              <a:ext uri="{FF2B5EF4-FFF2-40B4-BE49-F238E27FC236}">
-                <a16:creationId xmlns:a16="http://schemas.microsoft.com/office/drawing/2014/main" id="{4E866FF9-A729-45F0-A163-10E89E871602}"/>
-              </a:ext>
-              <a:ext uri="{C183D7F6-B498-43B3-948B-1728B52AA6E4}">
-                <adec:decorative xmlns:adec="http://schemas.microsoft.com/office/drawing/2017/decorative" val="1"/>
-              </a:ext>
-            </a:extLst>
-          </p:cNvPr>
-          <p:cNvSpPr>
-            <a:spLocks noGrp="1" noRot="1" noChangeAspect="1" noMove="1" noResize="1" noEditPoints="1" noAdjustHandles="1" noChangeArrowheads="1" noChangeShapeType="1" noTextEdit="1"/>
-          </p:cNvSpPr>
-          <p:nvPr>
-            <p:extLst>
-              <p:ext uri="{386F3935-93C4-4BCD-93E2-E3B085C9AB24}">
-                <p16:designElem xmlns:p16="http://schemas.microsoft.com/office/powerpoint/2015/main" val="1"/>
-              </p:ext>
-            </p:extLst>
-          </p:nvPr>
-        </p:nvSpPr>
-        <p:spPr>
-          <a:xfrm>
-            <a:off x="0" y="0"/>
-            <a:ext cx="3553691" cy="5143500"/>
-          </a:xfrm>
-          <a:prstGeom prst="rect">
-            <a:avLst/>
-          </a:prstGeom>
-          <a:solidFill>
-            <a:schemeClr val="accent6">
-              <a:lumMod val="60000"/>
-              <a:lumOff val="40000"/>
-            </a:schemeClr>
-          </a:solidFill>
-          <a:ln>
-            <a:noFill/>
-          </a:ln>
-        </p:spPr>
-        <p:style>
-          <a:lnRef idx="2">
-            <a:schemeClr val="accent1">
-              <a:shade val="50000"/>
-            </a:schemeClr>
-          </a:lnRef>
-          <a:fillRef idx="1">
-            <a:schemeClr val="accent1"/>
-          </a:fillRef>
-          <a:effectRef idx="0">
-            <a:schemeClr val="accent1"/>
-          </a:effectRef>
-          <a:fontRef idx="minor">
-            <a:schemeClr val="lt1"/>
-          </a:fontRef>
-        </p:style>
-        <p:txBody>
-          <a:bodyPr rtlCol="0" anchor="ctr"/>
-          <a:lstStyle/>
-          <a:p>
-            <a:pPr algn="ctr"/>
-            <a:endParaRPr lang="en-US"/>
-          </a:p>
-        </p:txBody>
-      </p:sp>
-      <p:sp>
-        <p:nvSpPr>
-          <p:cNvPr id="2" name="Title 1">
-            <a:extLst>
-              <a:ext uri="{FF2B5EF4-FFF2-40B4-BE49-F238E27FC236}">
-                <a16:creationId xmlns:a16="http://schemas.microsoft.com/office/drawing/2014/main" id="{94C3E63A-50E4-2542-4B5E-B5357E5BFB61}"/>
-              </a:ext>
-            </a:extLst>
-          </p:cNvPr>
-          <p:cNvSpPr>
-            <a:spLocks noGrp="1"/>
-          </p:cNvSpPr>
-          <p:nvPr>
-            <p:ph type="title"/>
-          </p:nvPr>
-        </p:nvSpPr>
-        <p:spPr>
-          <a:xfrm>
-            <a:off x="480060" y="2010828"/>
-            <a:ext cx="2551176" cy="1121846"/>
-          </a:xfrm>
-          <a:solidFill>
-            <a:srgbClr val="FFFFFF"/>
-          </a:solidFill>
-          <a:ln>
-            <a:solidFill>
-              <a:srgbClr val="262626"/>
-            </a:solidFill>
-          </a:ln>
-        </p:spPr>
-        <p:txBody>
-          <a:bodyPr>
-            <a:normAutofit/>
-          </a:bodyPr>
-          <a:lstStyle/>
-          <a:p>
-            <a:r>
-              <a:rPr lang="en-AU" dirty="0"/>
-              <a:t>Tithing </a:t>
-            </a:r>
-            <a:endParaRPr lang="en-US" dirty="0"/>
-          </a:p>
-        </p:txBody>
-      </p:sp>
-      <p:sp useBgFill="1">
-        <p:nvSpPr>
-          <p:cNvPr id="11" name="Rectangle 10">
-            <a:extLst>
-              <a:ext uri="{FF2B5EF4-FFF2-40B4-BE49-F238E27FC236}">
-                <a16:creationId xmlns:a16="http://schemas.microsoft.com/office/drawing/2014/main" id="{A804366F-2366-4688-98E7-B101C7BC6146}"/>
-              </a:ext>
-              <a:ext uri="{C183D7F6-B498-43B3-948B-1728B52AA6E4}">
-                <adec:decorative xmlns:adec="http://schemas.microsoft.com/office/drawing/2017/decorative" val="1"/>
-              </a:ext>
-            </a:extLst>
-          </p:cNvPr>
-          <p:cNvSpPr>
-            <a:spLocks noGrp="1" noRot="1" noChangeAspect="1" noMove="1" noResize="1" noEditPoints="1" noAdjustHandles="1" noChangeArrowheads="1" noChangeShapeType="1" noTextEdit="1"/>
-          </p:cNvSpPr>
-          <p:nvPr>
-            <p:extLst>
-              <p:ext uri="{386F3935-93C4-4BCD-93E2-E3B085C9AB24}">
-                <p16:designElem xmlns:p16="http://schemas.microsoft.com/office/powerpoint/2015/main" val="1"/>
-              </p:ext>
-            </p:extLst>
-          </p:nvPr>
-        </p:nvSpPr>
-        <p:spPr>
-          <a:xfrm>
-            <a:off x="3564958" y="0"/>
-            <a:ext cx="5579042" cy="5143499"/>
-          </a:xfrm>
-          <a:prstGeom prst="rect">
-            <a:avLst/>
-          </a:prstGeom>
-          <a:ln>
-            <a:noFill/>
-          </a:ln>
-        </p:spPr>
-        <p:style>
-          <a:lnRef idx="2">
-            <a:schemeClr val="accent1">
-              <a:shade val="50000"/>
-            </a:schemeClr>
-          </a:lnRef>
-          <a:fillRef idx="1">
-            <a:schemeClr val="accent1"/>
-          </a:fillRef>
-          <a:effectRef idx="0">
-            <a:schemeClr val="accent1"/>
-          </a:effectRef>
-          <a:fontRef idx="minor">
-            <a:schemeClr val="lt1"/>
-          </a:fontRef>
-        </p:style>
-        <p:txBody>
-          <a:bodyPr rtlCol="0" anchor="ctr"/>
-          <a:lstStyle/>
-          <a:p>
-            <a:pPr algn="ctr"/>
-            <a:endParaRPr lang="en-US"/>
-          </a:p>
-        </p:txBody>
-      </p:sp>
-      <p:graphicFrame>
-        <p:nvGraphicFramePr>
-          <p:cNvPr id="5" name="Content Placeholder 2">
-            <a:extLst>
-              <a:ext uri="{FF2B5EF4-FFF2-40B4-BE49-F238E27FC236}">
-                <a16:creationId xmlns:a16="http://schemas.microsoft.com/office/drawing/2014/main" id="{8B8B97F9-521A-4B56-E72F-016E52C32045}"/>
-              </a:ext>
-            </a:extLst>
-          </p:cNvPr>
-          <p:cNvGraphicFramePr>
-            <a:graphicFrameLocks noGrp="1"/>
-          </p:cNvGraphicFramePr>
-          <p:nvPr>
-            <p:ph idx="1"/>
-            <p:extLst>
-              <p:ext uri="{D42A27DB-BD31-4B8C-83A1-F6EECF244321}">
-                <p14:modId xmlns:p14="http://schemas.microsoft.com/office/powerpoint/2010/main" val="1520452329"/>
-              </p:ext>
-            </p:extLst>
-          </p:nvPr>
-        </p:nvGraphicFramePr>
-        <p:xfrm>
-          <a:off x="4048125" y="479822"/>
-          <a:ext cx="4613672" cy="3957637"/>
-        </p:xfrm>
-        <a:graphic>
-          <a:graphicData uri="http://schemas.openxmlformats.org/drawingml/2006/diagram">
-            <dgm:relIds xmlns:dgm="http://schemas.openxmlformats.org/drawingml/2006/diagram" xmlns:r="http://schemas.openxmlformats.org/officeDocument/2006/relationships" r:dm="rId2" r:lo="rId3" r:qs="rId4" r:cs="rId5"/>
-          </a:graphicData>
-        </a:graphic>
-      </p:graphicFrame>
-    </p:spTree>
-    <p:extLst>
-      <p:ext uri="{BB962C8B-B14F-4D97-AF65-F5344CB8AC3E}">
-        <p14:creationId xmlns:p14="http://schemas.microsoft.com/office/powerpoint/2010/main" val="1963619935"/>
-      </p:ext>
-    </p:extLst>
-  </p:cSld>
-  <p:clrMapOvr>
-    <a:masterClrMapping/>
-  </p:clrMapOvr>
-</p:sld>
-</file>
-
-<file path=ppt/slides/slide41.xml><?xml version="1.0" encoding="utf-8"?>
-<p:sld xmlns:a="http://schemas.openxmlformats.org/drawingml/2006/main" xmlns:r="http://schemas.openxmlformats.org/officeDocument/2006/relationships" xmlns:p="http://schemas.openxmlformats.org/presentationml/2006/main">
-  <p:cSld>
-    <p:spTree>
-      <p:nvGrpSpPr>
-        <p:cNvPr id="1" name=""/>
-        <p:cNvGrpSpPr/>
-        <p:nvPr/>
-      </p:nvGrpSpPr>
-      <p:grpSpPr>
-        <a:xfrm>
-          <a:off x="0" y="0"/>
-          <a:ext cx="0" cy="0"/>
-          <a:chOff x="0" y="0"/>
-          <a:chExt cx="0" cy="0"/>
-        </a:xfrm>
-      </p:grpSpPr>
-      <p:sp>
-        <p:nvSpPr>
-          <p:cNvPr id="2" name="Title 1">
-            <a:extLst>
-              <a:ext uri="{FF2B5EF4-FFF2-40B4-BE49-F238E27FC236}">
-                <a16:creationId xmlns:a16="http://schemas.microsoft.com/office/drawing/2014/main" id="{94C3E63A-50E4-2542-4B5E-B5357E5BFB61}"/>
-              </a:ext>
-            </a:extLst>
-          </p:cNvPr>
-          <p:cNvSpPr>
-            <a:spLocks noGrp="1"/>
-          </p:cNvSpPr>
-          <p:nvPr>
-            <p:ph type="title"/>
-          </p:nvPr>
-        </p:nvSpPr>
-        <p:spPr>
-          <a:xfrm>
-            <a:off x="1673352" y="395715"/>
-            <a:ext cx="5797296" cy="891540"/>
-          </a:xfrm>
-        </p:spPr>
-        <p:txBody>
-          <a:bodyPr>
-            <a:normAutofit/>
-          </a:bodyPr>
-          <a:lstStyle/>
-          <a:p>
-            <a:r>
-              <a:rPr lang="en-AU" dirty="0"/>
-              <a:t>Prayer points</a:t>
-            </a:r>
-            <a:endParaRPr lang="en-US" dirty="0"/>
-          </a:p>
-        </p:txBody>
-      </p:sp>
-      <p:graphicFrame>
-        <p:nvGraphicFramePr>
-          <p:cNvPr id="5" name="Content Placeholder 2">
-            <a:extLst>
-              <a:ext uri="{FF2B5EF4-FFF2-40B4-BE49-F238E27FC236}">
-                <a16:creationId xmlns:a16="http://schemas.microsoft.com/office/drawing/2014/main" id="{8B8B97F9-521A-4B56-E72F-016E52C32045}"/>
-              </a:ext>
-            </a:extLst>
-          </p:cNvPr>
-          <p:cNvGraphicFramePr>
-            <a:graphicFrameLocks noGrp="1"/>
-          </p:cNvGraphicFramePr>
-          <p:nvPr>
-            <p:ph idx="1"/>
-            <p:extLst>
-              <p:ext uri="{D42A27DB-BD31-4B8C-83A1-F6EECF244321}">
-                <p14:modId xmlns:p14="http://schemas.microsoft.com/office/powerpoint/2010/main" val="1196437981"/>
-              </p:ext>
-            </p:extLst>
-          </p:nvPr>
-        </p:nvGraphicFramePr>
-        <p:xfrm>
-          <a:off x="194095" y="1457864"/>
-          <a:ext cx="8755810" cy="3467819"/>
-        </p:xfrm>
-        <a:graphic>
-          <a:graphicData uri="http://schemas.openxmlformats.org/drawingml/2006/diagram">
-            <dgm:relIds xmlns:dgm="http://schemas.openxmlformats.org/drawingml/2006/diagram" xmlns:r="http://schemas.openxmlformats.org/officeDocument/2006/relationships" r:dm="rId2" r:lo="rId3" r:qs="rId4" r:cs="rId5"/>
-          </a:graphicData>
-        </a:graphic>
-      </p:graphicFrame>
-    </p:spTree>
-    <p:extLst>
-      <p:ext uri="{BB962C8B-B14F-4D97-AF65-F5344CB8AC3E}">
-        <p14:creationId xmlns:p14="http://schemas.microsoft.com/office/powerpoint/2010/main" val="488001404"/>
-      </p:ext>
-    </p:extLst>
-  </p:cSld>
-  <p:clrMapOvr>
-    <a:masterClrMapping/>
-  </p:clrMapOvr>
-</p:sld>
-</file>
-
-<file path=ppt/slides/slide42.xml><?xml version="1.0" encoding="utf-8"?>
-<p:sld xmlns:a="http://schemas.openxmlformats.org/drawingml/2006/main" xmlns:r="http://schemas.openxmlformats.org/officeDocument/2006/relationships" xmlns:p="http://schemas.openxmlformats.org/presentationml/2006/main">
-  <p:cSld>
-    <p:bg>
-      <p:bgPr>
-        <a:solidFill>
-          <a:schemeClr val="bg2">
-            <a:tint val="95000"/>
-            <a:satMod val="170000"/>
-          </a:schemeClr>
-        </a:solidFill>
-        <a:effectLst/>
-      </p:bgPr>
-    </p:bg>
-    <p:spTree>
-      <p:nvGrpSpPr>
-        <p:cNvPr id="1" name="Shape 1171"/>
-        <p:cNvGrpSpPr/>
-        <p:nvPr/>
-      </p:nvGrpSpPr>
-      <p:grpSpPr>
-        <a:xfrm>
-          <a:off x="0" y="0"/>
-          <a:ext cx="0" cy="0"/>
-          <a:chOff x="0" y="0"/>
-          <a:chExt cx="0" cy="0"/>
-        </a:xfrm>
-      </p:grpSpPr>
-      <p:sp>
-        <p:nvSpPr>
-          <p:cNvPr id="1173" name="Google Shape;1173;p87"/>
-          <p:cNvSpPr txBox="1">
-            <a:spLocks noGrp="1"/>
-          </p:cNvSpPr>
-          <p:nvPr>
-            <p:ph type="title"/>
-          </p:nvPr>
-        </p:nvSpPr>
-        <p:spPr>
-          <a:xfrm>
-            <a:off x="1200150" y="1714500"/>
-            <a:ext cx="6743700" cy="1371600"/>
-          </a:xfrm>
-          <a:prstGeom prst="rect">
-            <a:avLst/>
-          </a:prstGeom>
-          <a:noFill/>
-          <a:ln>
-            <a:solidFill>
-              <a:schemeClr val="tx1"/>
-            </a:solidFill>
-          </a:ln>
-        </p:spPr>
-        <p:txBody>
-          <a:bodyPr spcFirstLastPara="1" vert="horz" lIns="274320" tIns="182880" rIns="274320" bIns="182880" rtlCol="0" anchor="ctr" anchorCtr="1">
-            <a:normAutofit/>
-          </a:bodyPr>
-          <a:lstStyle/>
-          <a:p>
-            <a:pPr marL="0" lvl="0" indent="0" defTabSz="914400">
-              <a:spcBef>
-                <a:spcPct val="0"/>
-              </a:spcBef>
-              <a:spcAft>
-                <a:spcPts val="0"/>
-              </a:spcAft>
-            </a:pPr>
-            <a:r>
-              <a:rPr lang="en-US" sz="2400" kern="1200" cap="all" spc="200" baseline="0">
-                <a:solidFill>
-                  <a:schemeClr val="tx1"/>
-                </a:solidFill>
-                <a:latin typeface="+mj-lt"/>
-                <a:ea typeface="+mj-ea"/>
-                <a:cs typeface="+mj-cs"/>
-              </a:rPr>
-              <a:t>Prayer and offering </a:t>
-            </a:r>
-          </a:p>
-        </p:txBody>
-      </p:sp>
-    </p:spTree>
-  </p:cSld>
-  <p:clrMapOvr>
-    <a:overrideClrMapping bg1="dk1" tx1="lt1" bg2="dk2" tx2="lt2" accent1="accent1" accent2="accent2" accent3="accent3" accent4="accent4" accent5="accent5" accent6="accent6" hlink="hlink" folHlink="folHlink"/>
-  </p:clrMapOvr>
-  <p:timing>
-    <p:tnLst>
-      <p:par>
-        <p:cTn id="1" dur="indefinite" restart="never" nodeType="tmRoot">
-          <p:childTnLst>
-            <p:seq concurrent="1" nextAc="seek">
-              <p:cTn id="2" dur="indefinite" nodeType="mainSeq">
-                <p:childTnLst>
-                  <p:par>
-                    <p:cTn id="3" fill="hold">
-                      <p:stCondLst>
-                        <p:cond delay="indefinite"/>
-                        <p:cond evt="onBegin" delay="0">
-                          <p:tn val="2"/>
-                        </p:cond>
-                      </p:stCondLst>
-                      <p:childTnLst>
-                        <p:par>
-                          <p:cTn id="4" fill="hold">
-                            <p:stCondLst>
-                              <p:cond delay="0"/>
-                            </p:stCondLst>
-                            <p:childTnLst>
-                              <p:par>
-                                <p:cTn id="5" presetID="10" presetClass="entr" presetSubtype="0" fill="hold" nodeType="withEffect">
-                                  <p:stCondLst>
-                                    <p:cond delay="0"/>
-                                  </p:stCondLst>
-                                  <p:childTnLst>
-                                    <p:set>
-                                      <p:cBhvr>
-                                        <p:cTn id="6" dur="1" fill="hold">
-                                          <p:stCondLst>
-                                            <p:cond delay="0"/>
-                                          </p:stCondLst>
-                                        </p:cTn>
-                                        <p:tgtEl>
-                                          <p:spTgt spid="1173"/>
-                                        </p:tgtEl>
-                                        <p:attrNameLst>
-                                          <p:attrName>style.visibility</p:attrName>
-                                        </p:attrNameLst>
-                                      </p:cBhvr>
-                                      <p:to>
-                                        <p:strVal val="visible"/>
-                                      </p:to>
-                                    </p:set>
-                                    <p:animEffect transition="in" filter="fade">
-                                      <p:cBhvr>
-                                        <p:cTn id="7" dur="1000"/>
-                                        <p:tgtEl>
-                                          <p:spTgt spid="1173"/>
-                                        </p:tgtEl>
-                                      </p:cBhvr>
-                                    </p:animEffect>
-                                  </p:childTnLst>
-                                </p:cTn>
-                              </p:par>
-                            </p:childTnLst>
-                          </p:cTn>
-                        </p:par>
-                      </p:childTnLst>
-                    </p:cTn>
-                  </p:par>
-                </p:childTnLst>
-              </p:cTn>
-              <p:prevCondLst>
-                <p:cond evt="onPrev" delay="0">
-                  <p:tgtEl>
-                    <p:sldTgt/>
-                  </p:tgtEl>
-                </p:cond>
-              </p:prevCondLst>
-              <p:nextCondLst>
-                <p:cond evt="onNext" delay="0">
-                  <p:tgtEl>
-                    <p:sldTgt/>
-                  </p:tgtEl>
-                </p:cond>
-              </p:nextCondLst>
-            </p:seq>
-          </p:childTnLst>
-        </p:cTn>
-      </p:par>
-    </p:tnLst>
-  </p:timing>
-</p:sld>
-</file>
-
-<file path=ppt/slides/slide43.xml><?xml version="1.0" encoding="utf-8"?>
-<p:sld xmlns:a="http://schemas.openxmlformats.org/drawingml/2006/main" xmlns:r="http://schemas.openxmlformats.org/officeDocument/2006/relationships" xmlns:p="http://schemas.openxmlformats.org/presentationml/2006/main">
-  <p:cSld>
-    <p:bg>
-      <p:bgPr>
-        <a:solidFill>
-          <a:schemeClr val="accent2"/>
-        </a:solidFill>
-        <a:effectLst/>
-      </p:bgPr>
-    </p:bg>
-    <p:spTree>
-      <p:nvGrpSpPr>
-        <p:cNvPr id="1" name="Shape 1276"/>
-        <p:cNvGrpSpPr/>
-        <p:nvPr/>
-      </p:nvGrpSpPr>
-      <p:grpSpPr>
-        <a:xfrm>
-          <a:off x="0" y="0"/>
-          <a:ext cx="0" cy="0"/>
-          <a:chOff x="0" y="0"/>
-          <a:chExt cx="0" cy="0"/>
-        </a:xfrm>
-      </p:grpSpPr>
-      <p:sp>
-        <p:nvSpPr>
-          <p:cNvPr id="1277" name="Google Shape;1277;p93"/>
-          <p:cNvSpPr txBox="1">
-            <a:spLocks noGrp="1"/>
-          </p:cNvSpPr>
-          <p:nvPr>
-            <p:ph type="title"/>
-          </p:nvPr>
-        </p:nvSpPr>
-        <p:spPr>
-          <a:xfrm>
-            <a:off x="603504" y="1790058"/>
-            <a:ext cx="3364992" cy="1234440"/>
-          </a:xfrm>
-          <a:prstGeom prst="rect">
-            <a:avLst/>
-          </a:prstGeom>
-        </p:spPr>
-        <p:txBody>
-          <a:bodyPr spcFirstLastPara="1" vert="horz" lIns="274320" tIns="182880" rIns="274320" bIns="182880" rtlCol="0" anchor="ctr" anchorCtr="1">
-            <a:normAutofit/>
-          </a:bodyPr>
-          <a:lstStyle/>
-          <a:p>
-            <a:pPr marL="0" lvl="0" indent="0" algn="ctr" defTabSz="914400">
-              <a:spcBef>
-                <a:spcPct val="0"/>
-              </a:spcBef>
-              <a:spcAft>
-                <a:spcPts val="0"/>
-              </a:spcAft>
-            </a:pPr>
-            <a:r>
-              <a:rPr lang="en-US" sz="2400" spc="200"/>
-              <a:t>Mingle Time!</a:t>
-            </a:r>
-          </a:p>
-        </p:txBody>
-      </p:sp>
-      <p:pic>
-        <p:nvPicPr>
-          <p:cNvPr id="4" name="Picture 3" descr="A group of people sitting in a room&#10;&#10;Description automatically generated">
-            <a:extLst>
-              <a:ext uri="{FF2B5EF4-FFF2-40B4-BE49-F238E27FC236}">
-                <a16:creationId xmlns:a16="http://schemas.microsoft.com/office/drawing/2014/main" id="{F1D112A2-FCD8-9E03-F7E7-8FA9A4090C18}"/>
-              </a:ext>
-            </a:extLst>
-          </p:cNvPr>
-          <p:cNvPicPr>
-            <a:picLocks noChangeAspect="1"/>
-          </p:cNvPicPr>
-          <p:nvPr/>
-        </p:nvPicPr>
-        <p:blipFill rotWithShape="1">
-          <a:blip r:embed="rId3"/>
-          <a:srcRect l="14451" r="27328" b="2"/>
-          <a:stretch/>
-        </p:blipFill>
-        <p:spPr>
-          <a:xfrm>
-            <a:off x="4572000" y="10"/>
-            <a:ext cx="4571999" cy="5143490"/>
-          </a:xfrm>
-          <a:prstGeom prst="rect">
-            <a:avLst/>
-          </a:prstGeom>
-        </p:spPr>
-      </p:pic>
-    </p:spTree>
-  </p:cSld>
-  <p:clrMapOvr>
-    <a:masterClrMapping/>
-  </p:clrMapOvr>
-  <p:timing>
-    <p:tnLst>
-      <p:par>
-        <p:cTn id="1" dur="indefinite" restart="never" nodeType="tmRoot">
-          <p:childTnLst>
-            <p:seq concurrent="1" nextAc="seek">
-              <p:cTn id="2" dur="indefinite" nodeType="mainSeq">
-                <p:childTnLst>
-                  <p:par>
-                    <p:cTn id="3" fill="hold">
-                      <p:stCondLst>
-                        <p:cond delay="indefinite"/>
-                        <p:cond evt="onBegin" delay="0">
-                          <p:tn val="2"/>
-                        </p:cond>
-                      </p:stCondLst>
-                      <p:childTnLst>
-                        <p:par>
-                          <p:cTn id="4" fill="hold">
-                            <p:stCondLst>
-                              <p:cond delay="0"/>
-                            </p:stCondLst>
-                            <p:childTnLst>
-                              <p:par>
-                                <p:cTn id="5" presetID="2" presetClass="entr" presetSubtype="2" fill="hold" nodeType="afterEffect">
-                                  <p:stCondLst>
-                                    <p:cond delay="0"/>
-                                  </p:stCondLst>
-                                  <p:childTnLst>
-                                    <p:set>
-                                      <p:cBhvr>
-                                        <p:cTn id="6" dur="1" fill="hold">
-                                          <p:stCondLst>
-                                            <p:cond delay="0"/>
-                                          </p:stCondLst>
-                                        </p:cTn>
-                                        <p:tgtEl>
-                                          <p:spTgt spid="1277"/>
-                                        </p:tgtEl>
-                                        <p:attrNameLst>
-                                          <p:attrName>style.visibility</p:attrName>
-                                        </p:attrNameLst>
-                                      </p:cBhvr>
-                                      <p:to>
-                                        <p:strVal val="visible"/>
-                                      </p:to>
-                                    </p:set>
-                                    <p:anim calcmode="lin" valueType="num">
-                                      <p:cBhvr additive="base">
-                                        <p:cTn id="7" dur="1000"/>
-                                        <p:tgtEl>
-                                          <p:spTgt spid="1277"/>
-                                        </p:tgtEl>
-                                        <p:attrNameLst>
-                                          <p:attrName>ppt_x</p:attrName>
-                                        </p:attrNameLst>
-                                      </p:cBhvr>
-                                      <p:tavLst>
-                                        <p:tav tm="0">
-                                          <p:val>
-                                            <p:strVal val="#ppt_x+1"/>
-                                          </p:val>
-                                        </p:tav>
-                                        <p:tav tm="100000">
-                                          <p:val>
-                                            <p:strVal val="#ppt_x"/>
-                                          </p:val>
-                                        </p:tav>
-                                      </p:tavLst>
-                                    </p:anim>
-                                  </p:childTnLst>
-                                </p:cTn>
-                              </p:par>
-                            </p:childTnLst>
-                          </p:cTn>
-                        </p:par>
-                      </p:childTnLst>
-                    </p:cTn>
-                  </p:par>
-                </p:childTnLst>
-              </p:cTn>
-              <p:prevCondLst>
-                <p:cond evt="onPrev" delay="0">
-                  <p:tgtEl>
-                    <p:sldTgt/>
-                  </p:tgtEl>
-                </p:cond>
-              </p:prevCondLst>
-              <p:nextCondLst>
-                <p:cond evt="onNext" delay="0">
-                  <p:tgtEl>
-                    <p:sldTgt/>
-                  </p:tgtEl>
-                </p:cond>
-              </p:nextCondLst>
-            </p:seq>
-          </p:childTnLst>
-        </p:cTn>
-      </p:par>
-    </p:tnLst>
-  </p:timing>
-</p:sld>
-</file>
-
-<file path=ppt/slides/slide5.xml><?xml version="1.0" encoding="utf-8"?>
 <p:sld xmlns:a="http://schemas.openxmlformats.org/drawingml/2006/main" xmlns:r="http://schemas.openxmlformats.org/officeDocument/2006/relationships" xmlns:p="http://schemas.openxmlformats.org/presentationml/2006/main">
   <p:cSld>
     <p:spTree>
@@ -29871,7 +28917,828 @@
 </p:sld>
 </file>
 
-<file path=ppt/slides/slide6.xml><?xml version="1.0" encoding="utf-8"?>
+<file path=ppt/slides/slide40.xml><?xml version="1.0" encoding="utf-8"?>
+<p:sld xmlns:a="http://schemas.openxmlformats.org/drawingml/2006/main" xmlns:r="http://schemas.openxmlformats.org/officeDocument/2006/relationships" xmlns:p="http://schemas.openxmlformats.org/presentationml/2006/main">
+  <p:cSld>
+    <p:bg>
+      <p:bgPr>
+        <a:solidFill>
+          <a:schemeClr val="bg1">
+            <a:lumMod val="95000"/>
+          </a:schemeClr>
+        </a:solidFill>
+        <a:effectLst/>
+      </p:bgPr>
+    </p:bg>
+    <p:spTree>
+      <p:nvGrpSpPr>
+        <p:cNvPr id="1" name=""/>
+        <p:cNvGrpSpPr/>
+        <p:nvPr/>
+      </p:nvGrpSpPr>
+      <p:grpSpPr>
+        <a:xfrm>
+          <a:off x="0" y="0"/>
+          <a:ext cx="0" cy="0"/>
+          <a:chOff x="0" y="0"/>
+          <a:chExt cx="0" cy="0"/>
+        </a:xfrm>
+      </p:grpSpPr>
+      <p:sp>
+        <p:nvSpPr>
+          <p:cNvPr id="2" name="Title 1">
+            <a:extLst>
+              <a:ext uri="{FF2B5EF4-FFF2-40B4-BE49-F238E27FC236}">
+                <a16:creationId xmlns:a16="http://schemas.microsoft.com/office/drawing/2014/main" id="{94C3E63A-50E4-2542-4B5E-B5357E5BFB61}"/>
+              </a:ext>
+            </a:extLst>
+          </p:cNvPr>
+          <p:cNvSpPr>
+            <a:spLocks noGrp="1"/>
+          </p:cNvSpPr>
+          <p:nvPr>
+            <p:ph type="title"/>
+          </p:nvPr>
+        </p:nvSpPr>
+        <p:spPr>
+          <a:xfrm>
+            <a:off x="1673352" y="395715"/>
+            <a:ext cx="5797296" cy="891540"/>
+          </a:xfrm>
+        </p:spPr>
+        <p:txBody>
+          <a:bodyPr>
+            <a:normAutofit/>
+          </a:bodyPr>
+          <a:lstStyle/>
+          <a:p>
+            <a:r>
+              <a:rPr lang="en-AU" dirty="0"/>
+              <a:t>Announcements</a:t>
+            </a:r>
+            <a:endParaRPr lang="en-US" dirty="0"/>
+          </a:p>
+        </p:txBody>
+      </p:sp>
+      <p:graphicFrame>
+        <p:nvGraphicFramePr>
+          <p:cNvPr id="5" name="Content Placeholder 2">
+            <a:extLst>
+              <a:ext uri="{FF2B5EF4-FFF2-40B4-BE49-F238E27FC236}">
+                <a16:creationId xmlns:a16="http://schemas.microsoft.com/office/drawing/2014/main" id="{8B8B97F9-521A-4B56-E72F-016E52C32045}"/>
+              </a:ext>
+            </a:extLst>
+          </p:cNvPr>
+          <p:cNvGraphicFramePr>
+            <a:graphicFrameLocks noGrp="1"/>
+          </p:cNvGraphicFramePr>
+          <p:nvPr>
+            <p:ph idx="1"/>
+            <p:extLst>
+              <p:ext uri="{D42A27DB-BD31-4B8C-83A1-F6EECF244321}">
+                <p14:modId xmlns:p14="http://schemas.microsoft.com/office/powerpoint/2010/main" val="779180482"/>
+              </p:ext>
+            </p:extLst>
+          </p:nvPr>
+        </p:nvGraphicFramePr>
+        <p:xfrm>
+          <a:off x="194095" y="1457864"/>
+          <a:ext cx="8755810" cy="3467819"/>
+        </p:xfrm>
+        <a:graphic>
+          <a:graphicData uri="http://schemas.openxmlformats.org/drawingml/2006/diagram">
+            <dgm:relIds xmlns:dgm="http://schemas.openxmlformats.org/drawingml/2006/diagram" xmlns:r="http://schemas.openxmlformats.org/officeDocument/2006/relationships" r:dm="rId2" r:lo="rId3" r:qs="rId4" r:cs="rId5"/>
+          </a:graphicData>
+        </a:graphic>
+      </p:graphicFrame>
+    </p:spTree>
+    <p:extLst>
+      <p:ext uri="{BB962C8B-B14F-4D97-AF65-F5344CB8AC3E}">
+        <p14:creationId xmlns:p14="http://schemas.microsoft.com/office/powerpoint/2010/main" val="796746807"/>
+      </p:ext>
+    </p:extLst>
+  </p:cSld>
+  <p:clrMapOvr>
+    <a:masterClrMapping/>
+  </p:clrMapOvr>
+</p:sld>
+</file>
+
+<file path=ppt/slides/slide41.xml><?xml version="1.0" encoding="utf-8"?>
+<p:sld xmlns:a="http://schemas.openxmlformats.org/drawingml/2006/main" xmlns:r="http://schemas.openxmlformats.org/officeDocument/2006/relationships" xmlns:p="http://schemas.openxmlformats.org/presentationml/2006/main">
+  <p:cSld>
+    <p:bg>
+      <p:bgPr>
+        <a:solidFill>
+          <a:schemeClr val="bg1"/>
+        </a:solidFill>
+        <a:effectLst/>
+      </p:bgPr>
+    </p:bg>
+    <p:spTree>
+      <p:nvGrpSpPr>
+        <p:cNvPr id="1" name=""/>
+        <p:cNvGrpSpPr/>
+        <p:nvPr/>
+      </p:nvGrpSpPr>
+      <p:grpSpPr>
+        <a:xfrm>
+          <a:off x="0" y="0"/>
+          <a:ext cx="0" cy="0"/>
+          <a:chOff x="0" y="0"/>
+          <a:chExt cx="0" cy="0"/>
+        </a:xfrm>
+      </p:grpSpPr>
+      <p:sp>
+        <p:nvSpPr>
+          <p:cNvPr id="9" name="Rectangle 8">
+            <a:extLst>
+              <a:ext uri="{FF2B5EF4-FFF2-40B4-BE49-F238E27FC236}">
+                <a16:creationId xmlns:a16="http://schemas.microsoft.com/office/drawing/2014/main" id="{4E866FF9-A729-45F0-A163-10E89E871602}"/>
+              </a:ext>
+              <a:ext uri="{C183D7F6-B498-43B3-948B-1728B52AA6E4}">
+                <adec:decorative xmlns:adec="http://schemas.microsoft.com/office/drawing/2017/decorative" val="1"/>
+              </a:ext>
+            </a:extLst>
+          </p:cNvPr>
+          <p:cNvSpPr>
+            <a:spLocks noGrp="1" noRot="1" noChangeAspect="1" noMove="1" noResize="1" noEditPoints="1" noAdjustHandles="1" noChangeArrowheads="1" noChangeShapeType="1" noTextEdit="1"/>
+          </p:cNvSpPr>
+          <p:nvPr>
+            <p:extLst>
+              <p:ext uri="{386F3935-93C4-4BCD-93E2-E3B085C9AB24}">
+                <p16:designElem xmlns:p16="http://schemas.microsoft.com/office/powerpoint/2015/main" val="1"/>
+              </p:ext>
+            </p:extLst>
+          </p:nvPr>
+        </p:nvSpPr>
+        <p:spPr>
+          <a:xfrm>
+            <a:off x="0" y="0"/>
+            <a:ext cx="3553691" cy="5143500"/>
+          </a:xfrm>
+          <a:prstGeom prst="rect">
+            <a:avLst/>
+          </a:prstGeom>
+          <a:solidFill>
+            <a:schemeClr val="accent6">
+              <a:lumMod val="60000"/>
+              <a:lumOff val="40000"/>
+            </a:schemeClr>
+          </a:solidFill>
+          <a:ln>
+            <a:noFill/>
+          </a:ln>
+        </p:spPr>
+        <p:style>
+          <a:lnRef idx="2">
+            <a:schemeClr val="accent1">
+              <a:shade val="50000"/>
+            </a:schemeClr>
+          </a:lnRef>
+          <a:fillRef idx="1">
+            <a:schemeClr val="accent1"/>
+          </a:fillRef>
+          <a:effectRef idx="0">
+            <a:schemeClr val="accent1"/>
+          </a:effectRef>
+          <a:fontRef idx="minor">
+            <a:schemeClr val="lt1"/>
+          </a:fontRef>
+        </p:style>
+        <p:txBody>
+          <a:bodyPr rtlCol="0" anchor="ctr"/>
+          <a:lstStyle/>
+          <a:p>
+            <a:pPr algn="ctr"/>
+            <a:endParaRPr lang="en-US"/>
+          </a:p>
+        </p:txBody>
+      </p:sp>
+      <p:sp>
+        <p:nvSpPr>
+          <p:cNvPr id="2" name="Title 1">
+            <a:extLst>
+              <a:ext uri="{FF2B5EF4-FFF2-40B4-BE49-F238E27FC236}">
+                <a16:creationId xmlns:a16="http://schemas.microsoft.com/office/drawing/2014/main" id="{94C3E63A-50E4-2542-4B5E-B5357E5BFB61}"/>
+              </a:ext>
+            </a:extLst>
+          </p:cNvPr>
+          <p:cNvSpPr>
+            <a:spLocks noGrp="1"/>
+          </p:cNvSpPr>
+          <p:nvPr>
+            <p:ph type="title"/>
+          </p:nvPr>
+        </p:nvSpPr>
+        <p:spPr>
+          <a:xfrm>
+            <a:off x="480060" y="2010828"/>
+            <a:ext cx="2551176" cy="1121846"/>
+          </a:xfrm>
+          <a:solidFill>
+            <a:srgbClr val="FFFFFF"/>
+          </a:solidFill>
+          <a:ln>
+            <a:solidFill>
+              <a:srgbClr val="262626"/>
+            </a:solidFill>
+          </a:ln>
+        </p:spPr>
+        <p:txBody>
+          <a:bodyPr>
+            <a:normAutofit/>
+          </a:bodyPr>
+          <a:lstStyle/>
+          <a:p>
+            <a:r>
+              <a:rPr lang="en-AU" dirty="0"/>
+              <a:t>Tithing </a:t>
+            </a:r>
+            <a:endParaRPr lang="en-US" dirty="0"/>
+          </a:p>
+        </p:txBody>
+      </p:sp>
+      <p:sp useBgFill="1">
+        <p:nvSpPr>
+          <p:cNvPr id="11" name="Rectangle 10">
+            <a:extLst>
+              <a:ext uri="{FF2B5EF4-FFF2-40B4-BE49-F238E27FC236}">
+                <a16:creationId xmlns:a16="http://schemas.microsoft.com/office/drawing/2014/main" id="{A804366F-2366-4688-98E7-B101C7BC6146}"/>
+              </a:ext>
+              <a:ext uri="{C183D7F6-B498-43B3-948B-1728B52AA6E4}">
+                <adec:decorative xmlns:adec="http://schemas.microsoft.com/office/drawing/2017/decorative" val="1"/>
+              </a:ext>
+            </a:extLst>
+          </p:cNvPr>
+          <p:cNvSpPr>
+            <a:spLocks noGrp="1" noRot="1" noChangeAspect="1" noMove="1" noResize="1" noEditPoints="1" noAdjustHandles="1" noChangeArrowheads="1" noChangeShapeType="1" noTextEdit="1"/>
+          </p:cNvSpPr>
+          <p:nvPr>
+            <p:extLst>
+              <p:ext uri="{386F3935-93C4-4BCD-93E2-E3B085C9AB24}">
+                <p16:designElem xmlns:p16="http://schemas.microsoft.com/office/powerpoint/2015/main" val="1"/>
+              </p:ext>
+            </p:extLst>
+          </p:nvPr>
+        </p:nvSpPr>
+        <p:spPr>
+          <a:xfrm>
+            <a:off x="3564958" y="0"/>
+            <a:ext cx="5579042" cy="5143499"/>
+          </a:xfrm>
+          <a:prstGeom prst="rect">
+            <a:avLst/>
+          </a:prstGeom>
+          <a:ln>
+            <a:noFill/>
+          </a:ln>
+        </p:spPr>
+        <p:style>
+          <a:lnRef idx="2">
+            <a:schemeClr val="accent1">
+              <a:shade val="50000"/>
+            </a:schemeClr>
+          </a:lnRef>
+          <a:fillRef idx="1">
+            <a:schemeClr val="accent1"/>
+          </a:fillRef>
+          <a:effectRef idx="0">
+            <a:schemeClr val="accent1"/>
+          </a:effectRef>
+          <a:fontRef idx="minor">
+            <a:schemeClr val="lt1"/>
+          </a:fontRef>
+        </p:style>
+        <p:txBody>
+          <a:bodyPr rtlCol="0" anchor="ctr"/>
+          <a:lstStyle/>
+          <a:p>
+            <a:pPr algn="ctr"/>
+            <a:endParaRPr lang="en-US"/>
+          </a:p>
+        </p:txBody>
+      </p:sp>
+      <p:graphicFrame>
+        <p:nvGraphicFramePr>
+          <p:cNvPr id="5" name="Content Placeholder 2">
+            <a:extLst>
+              <a:ext uri="{FF2B5EF4-FFF2-40B4-BE49-F238E27FC236}">
+                <a16:creationId xmlns:a16="http://schemas.microsoft.com/office/drawing/2014/main" id="{8B8B97F9-521A-4B56-E72F-016E52C32045}"/>
+              </a:ext>
+            </a:extLst>
+          </p:cNvPr>
+          <p:cNvGraphicFramePr>
+            <a:graphicFrameLocks noGrp="1"/>
+          </p:cNvGraphicFramePr>
+          <p:nvPr>
+            <p:ph idx="1"/>
+            <p:extLst>
+              <p:ext uri="{D42A27DB-BD31-4B8C-83A1-F6EECF244321}">
+                <p14:modId xmlns:p14="http://schemas.microsoft.com/office/powerpoint/2010/main" val="1520452329"/>
+              </p:ext>
+            </p:extLst>
+          </p:nvPr>
+        </p:nvGraphicFramePr>
+        <p:xfrm>
+          <a:off x="4048125" y="479822"/>
+          <a:ext cx="4613672" cy="3957637"/>
+        </p:xfrm>
+        <a:graphic>
+          <a:graphicData uri="http://schemas.openxmlformats.org/drawingml/2006/diagram">
+            <dgm:relIds xmlns:dgm="http://schemas.openxmlformats.org/drawingml/2006/diagram" xmlns:r="http://schemas.openxmlformats.org/officeDocument/2006/relationships" r:dm="rId2" r:lo="rId3" r:qs="rId4" r:cs="rId5"/>
+          </a:graphicData>
+        </a:graphic>
+      </p:graphicFrame>
+    </p:spTree>
+    <p:extLst>
+      <p:ext uri="{BB962C8B-B14F-4D97-AF65-F5344CB8AC3E}">
+        <p14:creationId xmlns:p14="http://schemas.microsoft.com/office/powerpoint/2010/main" val="1963619935"/>
+      </p:ext>
+    </p:extLst>
+  </p:cSld>
+  <p:clrMapOvr>
+    <a:masterClrMapping/>
+  </p:clrMapOvr>
+</p:sld>
+</file>
+
+<file path=ppt/slides/slide42.xml><?xml version="1.0" encoding="utf-8"?>
+<p:sld xmlns:a="http://schemas.openxmlformats.org/drawingml/2006/main" xmlns:r="http://schemas.openxmlformats.org/officeDocument/2006/relationships" xmlns:p="http://schemas.openxmlformats.org/presentationml/2006/main">
+  <p:cSld>
+    <p:spTree>
+      <p:nvGrpSpPr>
+        <p:cNvPr id="1" name=""/>
+        <p:cNvGrpSpPr/>
+        <p:nvPr/>
+      </p:nvGrpSpPr>
+      <p:grpSpPr>
+        <a:xfrm>
+          <a:off x="0" y="0"/>
+          <a:ext cx="0" cy="0"/>
+          <a:chOff x="0" y="0"/>
+          <a:chExt cx="0" cy="0"/>
+        </a:xfrm>
+      </p:grpSpPr>
+      <p:sp>
+        <p:nvSpPr>
+          <p:cNvPr id="2" name="Title 1">
+            <a:extLst>
+              <a:ext uri="{FF2B5EF4-FFF2-40B4-BE49-F238E27FC236}">
+                <a16:creationId xmlns:a16="http://schemas.microsoft.com/office/drawing/2014/main" id="{94C3E63A-50E4-2542-4B5E-B5357E5BFB61}"/>
+              </a:ext>
+            </a:extLst>
+          </p:cNvPr>
+          <p:cNvSpPr>
+            <a:spLocks noGrp="1"/>
+          </p:cNvSpPr>
+          <p:nvPr>
+            <p:ph type="title"/>
+          </p:nvPr>
+        </p:nvSpPr>
+        <p:spPr>
+          <a:xfrm>
+            <a:off x="1673352" y="395715"/>
+            <a:ext cx="5797296" cy="891540"/>
+          </a:xfrm>
+        </p:spPr>
+        <p:txBody>
+          <a:bodyPr>
+            <a:normAutofit/>
+          </a:bodyPr>
+          <a:lstStyle/>
+          <a:p>
+            <a:r>
+              <a:rPr lang="en-AU" dirty="0"/>
+              <a:t>Prayer points</a:t>
+            </a:r>
+            <a:endParaRPr lang="en-US" dirty="0"/>
+          </a:p>
+        </p:txBody>
+      </p:sp>
+      <p:graphicFrame>
+        <p:nvGraphicFramePr>
+          <p:cNvPr id="5" name="Content Placeholder 2">
+            <a:extLst>
+              <a:ext uri="{FF2B5EF4-FFF2-40B4-BE49-F238E27FC236}">
+                <a16:creationId xmlns:a16="http://schemas.microsoft.com/office/drawing/2014/main" id="{8B8B97F9-521A-4B56-E72F-016E52C32045}"/>
+              </a:ext>
+            </a:extLst>
+          </p:cNvPr>
+          <p:cNvGraphicFramePr>
+            <a:graphicFrameLocks noGrp="1"/>
+          </p:cNvGraphicFramePr>
+          <p:nvPr>
+            <p:ph idx="1"/>
+            <p:extLst>
+              <p:ext uri="{D42A27DB-BD31-4B8C-83A1-F6EECF244321}">
+                <p14:modId xmlns:p14="http://schemas.microsoft.com/office/powerpoint/2010/main" val="1196437981"/>
+              </p:ext>
+            </p:extLst>
+          </p:nvPr>
+        </p:nvGraphicFramePr>
+        <p:xfrm>
+          <a:off x="194095" y="1457864"/>
+          <a:ext cx="8755810" cy="3467819"/>
+        </p:xfrm>
+        <a:graphic>
+          <a:graphicData uri="http://schemas.openxmlformats.org/drawingml/2006/diagram">
+            <dgm:relIds xmlns:dgm="http://schemas.openxmlformats.org/drawingml/2006/diagram" xmlns:r="http://schemas.openxmlformats.org/officeDocument/2006/relationships" r:dm="rId2" r:lo="rId3" r:qs="rId4" r:cs="rId5"/>
+          </a:graphicData>
+        </a:graphic>
+      </p:graphicFrame>
+    </p:spTree>
+    <p:extLst>
+      <p:ext uri="{BB962C8B-B14F-4D97-AF65-F5344CB8AC3E}">
+        <p14:creationId xmlns:p14="http://schemas.microsoft.com/office/powerpoint/2010/main" val="488001404"/>
+      </p:ext>
+    </p:extLst>
+  </p:cSld>
+  <p:clrMapOvr>
+    <a:masterClrMapping/>
+  </p:clrMapOvr>
+</p:sld>
+</file>
+
+<file path=ppt/slides/slide43.xml><?xml version="1.0" encoding="utf-8"?>
+<p:sld xmlns:a="http://schemas.openxmlformats.org/drawingml/2006/main" xmlns:r="http://schemas.openxmlformats.org/officeDocument/2006/relationships" xmlns:p="http://schemas.openxmlformats.org/presentationml/2006/main">
+  <p:cSld>
+    <p:bg>
+      <p:bgPr>
+        <a:solidFill>
+          <a:schemeClr val="bg2">
+            <a:tint val="95000"/>
+            <a:satMod val="170000"/>
+          </a:schemeClr>
+        </a:solidFill>
+        <a:effectLst/>
+      </p:bgPr>
+    </p:bg>
+    <p:spTree>
+      <p:nvGrpSpPr>
+        <p:cNvPr id="1" name="Shape 1171"/>
+        <p:cNvGrpSpPr/>
+        <p:nvPr/>
+      </p:nvGrpSpPr>
+      <p:grpSpPr>
+        <a:xfrm>
+          <a:off x="0" y="0"/>
+          <a:ext cx="0" cy="0"/>
+          <a:chOff x="0" y="0"/>
+          <a:chExt cx="0" cy="0"/>
+        </a:xfrm>
+      </p:grpSpPr>
+      <p:sp>
+        <p:nvSpPr>
+          <p:cNvPr id="1173" name="Google Shape;1173;p87"/>
+          <p:cNvSpPr txBox="1">
+            <a:spLocks noGrp="1"/>
+          </p:cNvSpPr>
+          <p:nvPr>
+            <p:ph type="title"/>
+          </p:nvPr>
+        </p:nvSpPr>
+        <p:spPr>
+          <a:xfrm>
+            <a:off x="1200150" y="1714500"/>
+            <a:ext cx="6743700" cy="1371600"/>
+          </a:xfrm>
+          <a:prstGeom prst="rect">
+            <a:avLst/>
+          </a:prstGeom>
+          <a:noFill/>
+          <a:ln>
+            <a:solidFill>
+              <a:schemeClr val="tx1"/>
+            </a:solidFill>
+          </a:ln>
+        </p:spPr>
+        <p:txBody>
+          <a:bodyPr spcFirstLastPara="1" vert="horz" lIns="274320" tIns="182880" rIns="274320" bIns="182880" rtlCol="0" anchor="ctr" anchorCtr="1">
+            <a:normAutofit/>
+          </a:bodyPr>
+          <a:lstStyle/>
+          <a:p>
+            <a:pPr marL="0" lvl="0" indent="0" defTabSz="914400">
+              <a:spcBef>
+                <a:spcPct val="0"/>
+              </a:spcBef>
+              <a:spcAft>
+                <a:spcPts val="0"/>
+              </a:spcAft>
+            </a:pPr>
+            <a:r>
+              <a:rPr lang="en-US" sz="2400" kern="1200" cap="all" spc="200" baseline="0">
+                <a:solidFill>
+                  <a:schemeClr val="tx1"/>
+                </a:solidFill>
+                <a:latin typeface="+mj-lt"/>
+                <a:ea typeface="+mj-ea"/>
+                <a:cs typeface="+mj-cs"/>
+              </a:rPr>
+              <a:t>Prayer and offering </a:t>
+            </a:r>
+          </a:p>
+        </p:txBody>
+      </p:sp>
+    </p:spTree>
+  </p:cSld>
+  <p:clrMapOvr>
+    <a:overrideClrMapping bg1="dk1" tx1="lt1" bg2="dk2" tx2="lt2" accent1="accent1" accent2="accent2" accent3="accent3" accent4="accent4" accent5="accent5" accent6="accent6" hlink="hlink" folHlink="folHlink"/>
+  </p:clrMapOvr>
+  <p:timing>
+    <p:tnLst>
+      <p:par>
+        <p:cTn id="1" dur="indefinite" restart="never" nodeType="tmRoot">
+          <p:childTnLst>
+            <p:seq concurrent="1" nextAc="seek">
+              <p:cTn id="2" dur="indefinite" nodeType="mainSeq">
+                <p:childTnLst>
+                  <p:par>
+                    <p:cTn id="3" fill="hold">
+                      <p:stCondLst>
+                        <p:cond delay="indefinite"/>
+                        <p:cond evt="onBegin" delay="0">
+                          <p:tn val="2"/>
+                        </p:cond>
+                      </p:stCondLst>
+                      <p:childTnLst>
+                        <p:par>
+                          <p:cTn id="4" fill="hold">
+                            <p:stCondLst>
+                              <p:cond delay="0"/>
+                            </p:stCondLst>
+                            <p:childTnLst>
+                              <p:par>
+                                <p:cTn id="5" presetID="10" presetClass="entr" presetSubtype="0" fill="hold" nodeType="withEffect">
+                                  <p:stCondLst>
+                                    <p:cond delay="0"/>
+                                  </p:stCondLst>
+                                  <p:childTnLst>
+                                    <p:set>
+                                      <p:cBhvr>
+                                        <p:cTn id="6" dur="1" fill="hold">
+                                          <p:stCondLst>
+                                            <p:cond delay="0"/>
+                                          </p:stCondLst>
+                                        </p:cTn>
+                                        <p:tgtEl>
+                                          <p:spTgt spid="1173"/>
+                                        </p:tgtEl>
+                                        <p:attrNameLst>
+                                          <p:attrName>style.visibility</p:attrName>
+                                        </p:attrNameLst>
+                                      </p:cBhvr>
+                                      <p:to>
+                                        <p:strVal val="visible"/>
+                                      </p:to>
+                                    </p:set>
+                                    <p:animEffect transition="in" filter="fade">
+                                      <p:cBhvr>
+                                        <p:cTn id="7" dur="1000"/>
+                                        <p:tgtEl>
+                                          <p:spTgt spid="1173"/>
+                                        </p:tgtEl>
+                                      </p:cBhvr>
+                                    </p:animEffect>
+                                  </p:childTnLst>
+                                </p:cTn>
+                              </p:par>
+                            </p:childTnLst>
+                          </p:cTn>
+                        </p:par>
+                      </p:childTnLst>
+                    </p:cTn>
+                  </p:par>
+                </p:childTnLst>
+              </p:cTn>
+              <p:prevCondLst>
+                <p:cond evt="onPrev" delay="0">
+                  <p:tgtEl>
+                    <p:sldTgt/>
+                  </p:tgtEl>
+                </p:cond>
+              </p:prevCondLst>
+              <p:nextCondLst>
+                <p:cond evt="onNext" delay="0">
+                  <p:tgtEl>
+                    <p:sldTgt/>
+                  </p:tgtEl>
+                </p:cond>
+              </p:nextCondLst>
+            </p:seq>
+          </p:childTnLst>
+        </p:cTn>
+      </p:par>
+    </p:tnLst>
+  </p:timing>
+</p:sld>
+</file>
+
+<file path=ppt/slides/slide44.xml><?xml version="1.0" encoding="utf-8"?>
+<p:sld xmlns:a="http://schemas.openxmlformats.org/drawingml/2006/main" xmlns:r="http://schemas.openxmlformats.org/officeDocument/2006/relationships" xmlns:p="http://schemas.openxmlformats.org/presentationml/2006/main">
+  <p:cSld>
+    <p:bg>
+      <p:bgPr>
+        <a:solidFill>
+          <a:schemeClr val="accent2"/>
+        </a:solidFill>
+        <a:effectLst/>
+      </p:bgPr>
+    </p:bg>
+    <p:spTree>
+      <p:nvGrpSpPr>
+        <p:cNvPr id="1" name="Shape 1276"/>
+        <p:cNvGrpSpPr/>
+        <p:nvPr/>
+      </p:nvGrpSpPr>
+      <p:grpSpPr>
+        <a:xfrm>
+          <a:off x="0" y="0"/>
+          <a:ext cx="0" cy="0"/>
+          <a:chOff x="0" y="0"/>
+          <a:chExt cx="0" cy="0"/>
+        </a:xfrm>
+      </p:grpSpPr>
+      <p:sp>
+        <p:nvSpPr>
+          <p:cNvPr id="1277" name="Google Shape;1277;p93"/>
+          <p:cNvSpPr txBox="1">
+            <a:spLocks noGrp="1"/>
+          </p:cNvSpPr>
+          <p:nvPr>
+            <p:ph type="title"/>
+          </p:nvPr>
+        </p:nvSpPr>
+        <p:spPr>
+          <a:xfrm>
+            <a:off x="603504" y="1790058"/>
+            <a:ext cx="3364992" cy="1234440"/>
+          </a:xfrm>
+          <a:prstGeom prst="rect">
+            <a:avLst/>
+          </a:prstGeom>
+        </p:spPr>
+        <p:txBody>
+          <a:bodyPr spcFirstLastPara="1" vert="horz" lIns="274320" tIns="182880" rIns="274320" bIns="182880" rtlCol="0" anchor="ctr" anchorCtr="1">
+            <a:normAutofit/>
+          </a:bodyPr>
+          <a:lstStyle/>
+          <a:p>
+            <a:pPr marL="0" lvl="0" indent="0" algn="ctr" defTabSz="914400">
+              <a:spcBef>
+                <a:spcPct val="0"/>
+              </a:spcBef>
+              <a:spcAft>
+                <a:spcPts val="0"/>
+              </a:spcAft>
+            </a:pPr>
+            <a:r>
+              <a:rPr lang="en-US" sz="2400" spc="200"/>
+              <a:t>Mingle Time!</a:t>
+            </a:r>
+          </a:p>
+        </p:txBody>
+      </p:sp>
+      <p:pic>
+        <p:nvPicPr>
+          <p:cNvPr id="4" name="Picture 3" descr="A group of people sitting in a room&#10;&#10;Description automatically generated">
+            <a:extLst>
+              <a:ext uri="{FF2B5EF4-FFF2-40B4-BE49-F238E27FC236}">
+                <a16:creationId xmlns:a16="http://schemas.microsoft.com/office/drawing/2014/main" id="{F1D112A2-FCD8-9E03-F7E7-8FA9A4090C18}"/>
+              </a:ext>
+            </a:extLst>
+          </p:cNvPr>
+          <p:cNvPicPr>
+            <a:picLocks noChangeAspect="1"/>
+          </p:cNvPicPr>
+          <p:nvPr/>
+        </p:nvPicPr>
+        <p:blipFill rotWithShape="1">
+          <a:blip r:embed="rId3"/>
+          <a:srcRect l="14451" r="27328" b="2"/>
+          <a:stretch/>
+        </p:blipFill>
+        <p:spPr>
+          <a:xfrm>
+            <a:off x="4572000" y="10"/>
+            <a:ext cx="4571999" cy="5143490"/>
+          </a:xfrm>
+          <a:prstGeom prst="rect">
+            <a:avLst/>
+          </a:prstGeom>
+        </p:spPr>
+      </p:pic>
+    </p:spTree>
+  </p:cSld>
+  <p:clrMapOvr>
+    <a:masterClrMapping/>
+  </p:clrMapOvr>
+  <p:timing>
+    <p:tnLst>
+      <p:par>
+        <p:cTn id="1" dur="indefinite" restart="never" nodeType="tmRoot">
+          <p:childTnLst>
+            <p:seq concurrent="1" nextAc="seek">
+              <p:cTn id="2" dur="indefinite" nodeType="mainSeq">
+                <p:childTnLst>
+                  <p:par>
+                    <p:cTn id="3" fill="hold">
+                      <p:stCondLst>
+                        <p:cond delay="indefinite"/>
+                        <p:cond evt="onBegin" delay="0">
+                          <p:tn val="2"/>
+                        </p:cond>
+                      </p:stCondLst>
+                      <p:childTnLst>
+                        <p:par>
+                          <p:cTn id="4" fill="hold">
+                            <p:stCondLst>
+                              <p:cond delay="0"/>
+                            </p:stCondLst>
+                            <p:childTnLst>
+                              <p:par>
+                                <p:cTn id="5" presetID="2" presetClass="entr" presetSubtype="2" fill="hold" nodeType="afterEffect">
+                                  <p:stCondLst>
+                                    <p:cond delay="0"/>
+                                  </p:stCondLst>
+                                  <p:childTnLst>
+                                    <p:set>
+                                      <p:cBhvr>
+                                        <p:cTn id="6" dur="1" fill="hold">
+                                          <p:stCondLst>
+                                            <p:cond delay="0"/>
+                                          </p:stCondLst>
+                                        </p:cTn>
+                                        <p:tgtEl>
+                                          <p:spTgt spid="1277"/>
+                                        </p:tgtEl>
+                                        <p:attrNameLst>
+                                          <p:attrName>style.visibility</p:attrName>
+                                        </p:attrNameLst>
+                                      </p:cBhvr>
+                                      <p:to>
+                                        <p:strVal val="visible"/>
+                                      </p:to>
+                                    </p:set>
+                                    <p:anim calcmode="lin" valueType="num">
+                                      <p:cBhvr additive="base">
+                                        <p:cTn id="7" dur="1000"/>
+                                        <p:tgtEl>
+                                          <p:spTgt spid="1277"/>
+                                        </p:tgtEl>
+                                        <p:attrNameLst>
+                                          <p:attrName>ppt_x</p:attrName>
+                                        </p:attrNameLst>
+                                      </p:cBhvr>
+                                      <p:tavLst>
+                                        <p:tav tm="0">
+                                          <p:val>
+                                            <p:strVal val="#ppt_x+1"/>
+                                          </p:val>
+                                        </p:tav>
+                                        <p:tav tm="100000">
+                                          <p:val>
+                                            <p:strVal val="#ppt_x"/>
+                                          </p:val>
+                                        </p:tav>
+                                      </p:tavLst>
+                                    </p:anim>
+                                  </p:childTnLst>
+                                </p:cTn>
+                              </p:par>
+                            </p:childTnLst>
+                          </p:cTn>
+                        </p:par>
+                      </p:childTnLst>
+                    </p:cTn>
+                  </p:par>
+                </p:childTnLst>
+              </p:cTn>
+              <p:prevCondLst>
+                <p:cond evt="onPrev" delay="0">
+                  <p:tgtEl>
+                    <p:sldTgt/>
+                  </p:tgtEl>
+                </p:cond>
+              </p:prevCondLst>
+              <p:nextCondLst>
+                <p:cond evt="onNext" delay="0">
+                  <p:tgtEl>
+                    <p:sldTgt/>
+                  </p:tgtEl>
+                </p:cond>
+              </p:nextCondLst>
+            </p:seq>
+          </p:childTnLst>
+        </p:cTn>
+      </p:par>
+    </p:tnLst>
+  </p:timing>
+</p:sld>
+</file>
+
+<file path=ppt/slides/slide5.xml><?xml version="1.0" encoding="utf-8"?>
 <p:sld xmlns:a="http://schemas.openxmlformats.org/drawingml/2006/main" xmlns:r="http://schemas.openxmlformats.org/officeDocument/2006/relationships" xmlns:p="http://schemas.openxmlformats.org/presentationml/2006/main">
   <p:cSld>
     <p:spTree>
@@ -29954,7 +29821,7 @@
 </p:sld>
 </file>
 
-<file path=ppt/slides/slide7.xml><?xml version="1.0" encoding="utf-8"?>
+<file path=ppt/slides/slide6.xml><?xml version="1.0" encoding="utf-8"?>
 <p:sld xmlns:a="http://schemas.openxmlformats.org/drawingml/2006/main" xmlns:r="http://schemas.openxmlformats.org/officeDocument/2006/relationships" xmlns:p="http://schemas.openxmlformats.org/presentationml/2006/main">
   <p:cSld>
     <p:spTree>
@@ -30058,7 +29925,7 @@
 </p:sld>
 </file>
 
-<file path=ppt/slides/slide8.xml><?xml version="1.0" encoding="utf-8"?>
+<file path=ppt/slides/slide7.xml><?xml version="1.0" encoding="utf-8"?>
 <p:sld xmlns:a="http://schemas.openxmlformats.org/drawingml/2006/main" xmlns:r="http://schemas.openxmlformats.org/officeDocument/2006/relationships" xmlns:p="http://schemas.openxmlformats.org/presentationml/2006/main">
   <p:cSld>
     <p:spTree>
@@ -30203,7 +30070,7 @@
 </p:sld>
 </file>
 
-<file path=ppt/slides/slide9.xml><?xml version="1.0" encoding="utf-8"?>
+<file path=ppt/slides/slide8.xml><?xml version="1.0" encoding="utf-8"?>
 <p:sld xmlns:a="http://schemas.openxmlformats.org/drawingml/2006/main" xmlns:r="http://schemas.openxmlformats.org/officeDocument/2006/relationships" xmlns:p="http://schemas.openxmlformats.org/presentationml/2006/main">
   <p:cSld>
     <p:spTree>
@@ -30339,6 +30206,110 @@
     <p:extLst>
       <p:ext uri="{BB962C8B-B14F-4D97-AF65-F5344CB8AC3E}">
         <p14:creationId xmlns:p14="http://schemas.microsoft.com/office/powerpoint/2010/main" val="3163422812"/>
+      </p:ext>
+    </p:extLst>
+  </p:cSld>
+  <p:clrMapOvr>
+    <a:masterClrMapping/>
+  </p:clrMapOvr>
+</p:sld>
+</file>
+
+<file path=ppt/slides/slide9.xml><?xml version="1.0" encoding="utf-8"?>
+<p:sld xmlns:a="http://schemas.openxmlformats.org/drawingml/2006/main" xmlns:r="http://schemas.openxmlformats.org/officeDocument/2006/relationships" xmlns:p="http://schemas.openxmlformats.org/presentationml/2006/main">
+  <p:cSld>
+    <p:spTree>
+      <p:nvGrpSpPr>
+        <p:cNvPr id="1" name="Shape 1238"/>
+        <p:cNvGrpSpPr/>
+        <p:nvPr/>
+      </p:nvGrpSpPr>
+      <p:grpSpPr>
+        <a:xfrm>
+          <a:off x="0" y="0"/>
+          <a:ext cx="0" cy="0"/>
+          <a:chOff x="0" y="0"/>
+          <a:chExt cx="0" cy="0"/>
+        </a:xfrm>
+      </p:grpSpPr>
+      <p:sp>
+        <p:nvSpPr>
+          <p:cNvPr id="1250" name="Google Shape;1250;p91"/>
+          <p:cNvSpPr txBox="1"/>
+          <p:nvPr/>
+        </p:nvSpPr>
+        <p:spPr>
+          <a:xfrm>
+            <a:off x="92948" y="-296427"/>
+            <a:ext cx="8958106" cy="4059534"/>
+          </a:xfrm>
+          <a:prstGeom prst="rect">
+            <a:avLst/>
+          </a:prstGeom>
+          <a:noFill/>
+          <a:ln>
+            <a:noFill/>
+          </a:ln>
+        </p:spPr>
+        <p:txBody>
+          <a:bodyPr spcFirstLastPara="1" wrap="square" lIns="0" tIns="91425" rIns="0" bIns="91425" anchor="ctr" anchorCtr="0">
+            <a:noAutofit/>
+          </a:bodyPr>
+          <a:lstStyle/>
+          <a:p>
+            <a:pPr algn="ctr" defTabSz="914378">
+              <a:buClr>
+                <a:srgbClr val="000000"/>
+              </a:buClr>
+            </a:pPr>
+            <a:r>
+              <a:rPr lang="en-US" sz="2400" kern="0" dirty="0">
+                <a:latin typeface="Open Sans"/>
+                <a:ea typeface="Open Sans"/>
+                <a:cs typeface="Open Sans"/>
+                <a:sym typeface="Open Sans"/>
+              </a:rPr>
+              <a:t>Verse 2</a:t>
+            </a:r>
+          </a:p>
+          <a:p>
+            <a:pPr algn="ctr" defTabSz="914378">
+              <a:buClr>
+                <a:srgbClr val="000000"/>
+              </a:buClr>
+            </a:pPr>
+            <a:r>
+              <a:rPr lang="en-US" sz="3200" kern="0" dirty="0">
+                <a:latin typeface="Open Sans"/>
+                <a:ea typeface="Open Sans"/>
+                <a:cs typeface="Open Sans"/>
+                <a:sym typeface="Open Sans"/>
+              </a:rPr>
+              <a:t>Who brings our chaos back into order?</a:t>
+            </a:r>
+          </a:p>
+          <a:p>
+            <a:pPr algn="ctr" defTabSz="914378">
+              <a:buClr>
+                <a:srgbClr val="000000"/>
+              </a:buClr>
+            </a:pPr>
+            <a:r>
+              <a:rPr lang="en-US" sz="3200" kern="0" dirty="0">
+                <a:latin typeface="Open Sans"/>
+                <a:ea typeface="Open Sans"/>
+                <a:cs typeface="Open Sans"/>
+                <a:sym typeface="Open Sans"/>
+              </a:rPr>
+              <a:t>Who makes the orphans a son and daughter? The King of glory, the King of glory</a:t>
+            </a:r>
+          </a:p>
+        </p:txBody>
+      </p:sp>
+    </p:spTree>
+    <p:extLst>
+      <p:ext uri="{BB962C8B-B14F-4D97-AF65-F5344CB8AC3E}">
+        <p14:creationId xmlns:p14="http://schemas.microsoft.com/office/powerpoint/2010/main" val="1290394849"/>
       </p:ext>
     </p:extLst>
   </p:cSld>
